--- a/instructions/Instructions_AdvisorChoice_1300x600.pptx
+++ b/instructions/Instructions_AdvisorChoice_1300x600.pptx
@@ -6,18 +6,21 @@
   </p:sldMasterIdLst>
   <p:sldIdLst>
     <p:sldId id="257" r:id="rId2"/>
-    <p:sldId id="258" r:id="rId3"/>
-    <p:sldId id="259" r:id="rId4"/>
-    <p:sldId id="261" r:id="rId5"/>
-    <p:sldId id="260" r:id="rId6"/>
-    <p:sldId id="262" r:id="rId7"/>
-    <p:sldId id="267" r:id="rId8"/>
-    <p:sldId id="268" r:id="rId9"/>
-    <p:sldId id="269" r:id="rId10"/>
-    <p:sldId id="263" r:id="rId11"/>
-    <p:sldId id="264" r:id="rId12"/>
-    <p:sldId id="266" r:id="rId13"/>
-    <p:sldId id="265" r:id="rId14"/>
+    <p:sldId id="272" r:id="rId3"/>
+    <p:sldId id="258" r:id="rId4"/>
+    <p:sldId id="259" r:id="rId5"/>
+    <p:sldId id="270" r:id="rId6"/>
+    <p:sldId id="271" r:id="rId7"/>
+    <p:sldId id="261" r:id="rId8"/>
+    <p:sldId id="260" r:id="rId9"/>
+    <p:sldId id="262" r:id="rId10"/>
+    <p:sldId id="267" r:id="rId11"/>
+    <p:sldId id="268" r:id="rId12"/>
+    <p:sldId id="269" r:id="rId13"/>
+    <p:sldId id="263" r:id="rId14"/>
+    <p:sldId id="264" r:id="rId15"/>
+    <p:sldId id="266" r:id="rId16"/>
+    <p:sldId id="265" r:id="rId17"/>
   </p:sldIdLst>
   <p:sldSz cx="15624175" cy="7200900"/>
   <p:notesSz cx="6858000" cy="9144000"/>
@@ -266,7 +269,7 @@
           <a:p>
             <a:fld id="{D1C4DD76-DAF4-41C3-81F8-403CC17608AA}" type="datetimeFigureOut">
               <a:rPr lang="en-GB" smtClean="0"/>
-              <a:t>20/11/2017</a:t>
+              <a:t>24/11/2017</a:t>
             </a:fld>
             <a:endParaRPr lang="en-GB"/>
           </a:p>
@@ -436,7 +439,7 @@
           <a:p>
             <a:fld id="{D1C4DD76-DAF4-41C3-81F8-403CC17608AA}" type="datetimeFigureOut">
               <a:rPr lang="en-GB" smtClean="0"/>
-              <a:t>20/11/2017</a:t>
+              <a:t>24/11/2017</a:t>
             </a:fld>
             <a:endParaRPr lang="en-GB"/>
           </a:p>
@@ -616,7 +619,7 @@
           <a:p>
             <a:fld id="{D1C4DD76-DAF4-41C3-81F8-403CC17608AA}" type="datetimeFigureOut">
               <a:rPr lang="en-GB" smtClean="0"/>
-              <a:t>20/11/2017</a:t>
+              <a:t>24/11/2017</a:t>
             </a:fld>
             <a:endParaRPr lang="en-GB"/>
           </a:p>
@@ -786,7 +789,7 @@
           <a:p>
             <a:fld id="{D1C4DD76-DAF4-41C3-81F8-403CC17608AA}" type="datetimeFigureOut">
               <a:rPr lang="en-GB" smtClean="0"/>
-              <a:t>20/11/2017</a:t>
+              <a:t>24/11/2017</a:t>
             </a:fld>
             <a:endParaRPr lang="en-GB"/>
           </a:p>
@@ -1040,7 +1043,7 @@
           <a:p>
             <a:fld id="{D1C4DD76-DAF4-41C3-81F8-403CC17608AA}" type="datetimeFigureOut">
               <a:rPr lang="en-GB" smtClean="0"/>
-              <a:t>20/11/2017</a:t>
+              <a:t>24/11/2017</a:t>
             </a:fld>
             <a:endParaRPr lang="en-GB"/>
           </a:p>
@@ -1272,7 +1275,7 @@
           <a:p>
             <a:fld id="{D1C4DD76-DAF4-41C3-81F8-403CC17608AA}" type="datetimeFigureOut">
               <a:rPr lang="en-GB" smtClean="0"/>
-              <a:t>20/11/2017</a:t>
+              <a:t>24/11/2017</a:t>
             </a:fld>
             <a:endParaRPr lang="en-GB"/>
           </a:p>
@@ -1639,7 +1642,7 @@
           <a:p>
             <a:fld id="{D1C4DD76-DAF4-41C3-81F8-403CC17608AA}" type="datetimeFigureOut">
               <a:rPr lang="en-GB" smtClean="0"/>
-              <a:t>20/11/2017</a:t>
+              <a:t>24/11/2017</a:t>
             </a:fld>
             <a:endParaRPr lang="en-GB"/>
           </a:p>
@@ -1757,7 +1760,7 @@
           <a:p>
             <a:fld id="{D1C4DD76-DAF4-41C3-81F8-403CC17608AA}" type="datetimeFigureOut">
               <a:rPr lang="en-GB" smtClean="0"/>
-              <a:t>20/11/2017</a:t>
+              <a:t>24/11/2017</a:t>
             </a:fld>
             <a:endParaRPr lang="en-GB"/>
           </a:p>
@@ -1852,7 +1855,7 @@
           <a:p>
             <a:fld id="{D1C4DD76-DAF4-41C3-81F8-403CC17608AA}" type="datetimeFigureOut">
               <a:rPr lang="en-GB" smtClean="0"/>
-              <a:t>20/11/2017</a:t>
+              <a:t>24/11/2017</a:t>
             </a:fld>
             <a:endParaRPr lang="en-GB"/>
           </a:p>
@@ -2129,7 +2132,7 @@
           <a:p>
             <a:fld id="{D1C4DD76-DAF4-41C3-81F8-403CC17608AA}" type="datetimeFigureOut">
               <a:rPr lang="en-GB" smtClean="0"/>
-              <a:t>20/11/2017</a:t>
+              <a:t>24/11/2017</a:t>
             </a:fld>
             <a:endParaRPr lang="en-GB"/>
           </a:p>
@@ -2386,7 +2389,7 @@
           <a:p>
             <a:fld id="{D1C4DD76-DAF4-41C3-81F8-403CC17608AA}" type="datetimeFigureOut">
               <a:rPr lang="en-GB" smtClean="0"/>
-              <a:t>20/11/2017</a:t>
+              <a:t>24/11/2017</a:t>
             </a:fld>
             <a:endParaRPr lang="en-GB"/>
           </a:p>
@@ -2602,7 +2605,7 @@
           <a:p>
             <a:fld id="{D1C4DD76-DAF4-41C3-81F8-403CC17608AA}" type="datetimeFigureOut">
               <a:rPr lang="en-GB" smtClean="0"/>
-              <a:t>20/11/2017</a:t>
+              <a:t>24/11/2017</a:t>
             </a:fld>
             <a:endParaRPr lang="en-GB"/>
           </a:p>
@@ -3119,31 +3122,8 @@
                 <a:latin typeface="Arial" panose="020B0604020202020204" pitchFamily="34" charset="0"/>
                 <a:cs typeface="Arial" panose="020B0604020202020204" pitchFamily="34" charset="0"/>
               </a:rPr>
-              <a:t>In each trial of this task you will see two boxes containing dots, like this</a:t>
-            </a:r>
-            <a:r>
-              <a:rPr lang="en-GB" sz="2700" dirty="0">
-                <a:solidFill>
-                  <a:schemeClr val="bg1">
-                    <a:lumMod val="95000"/>
-                    <a:lumOff val="5000"/>
-                  </a:schemeClr>
-                </a:solidFill>
-                <a:latin typeface="Arial" panose="020B0604020202020204" pitchFamily="34" charset="0"/>
-                <a:cs typeface="Arial" panose="020B0604020202020204" pitchFamily="34" charset="0"/>
-              </a:rPr>
-              <a:t>:</a:t>
-            </a:r>
-            <a:endParaRPr lang="en-GB" sz="2700" dirty="0">
-              <a:solidFill>
-                <a:schemeClr val="bg1">
-                  <a:lumMod val="95000"/>
-                  <a:lumOff val="5000"/>
-                </a:schemeClr>
-              </a:solidFill>
-              <a:latin typeface="Arial" panose="020B0604020202020204" pitchFamily="34" charset="0"/>
-              <a:cs typeface="Arial" panose="020B0604020202020204" pitchFamily="34" charset="0"/>
-            </a:endParaRPr>
+              <a:t>In each trial of this task you will see two boxes containing dots, like this:</a:t>
+            </a:r>
           </a:p>
         </p:txBody>
       </p:sp>
@@ -3300,6 +3280,1502 @@
 </file>
 
 <file path=ppt/slides/slide10.xml><?xml version="1.0" encoding="utf-8"?>
+<p:sld xmlns:a="http://schemas.openxmlformats.org/drawingml/2006/main" xmlns:r="http://schemas.openxmlformats.org/officeDocument/2006/relationships" xmlns:p="http://schemas.openxmlformats.org/presentationml/2006/main">
+  <p:cSld>
+    <p:spTree>
+      <p:nvGrpSpPr>
+        <p:cNvPr id="1" name=""/>
+        <p:cNvGrpSpPr/>
+        <p:nvPr/>
+      </p:nvGrpSpPr>
+      <p:grpSpPr>
+        <a:xfrm>
+          <a:off x="0" y="0"/>
+          <a:ext cx="0" cy="0"/>
+          <a:chOff x="0" y="0"/>
+          <a:chExt cx="0" cy="0"/>
+        </a:xfrm>
+      </p:grpSpPr>
+      <p:sp>
+        <p:nvSpPr>
+          <p:cNvPr id="2" name="Title 1"/>
+          <p:cNvSpPr txBox="1">
+            <a:spLocks/>
+          </p:cNvSpPr>
+          <p:nvPr/>
+        </p:nvSpPr>
+        <p:spPr>
+          <a:xfrm>
+            <a:off x="-1" y="12936"/>
+            <a:ext cx="15624176" cy="772588"/>
+          </a:xfrm>
+          <a:prstGeom prst="rect">
+            <a:avLst/>
+          </a:prstGeom>
+        </p:spPr>
+        <p:txBody>
+          <a:bodyPr>
+            <a:normAutofit/>
+          </a:bodyPr>
+          <a:lstStyle>
+            <a:lvl1pPr algn="l" defTabSz="480060" rtl="0" eaLnBrk="1" latinLnBrk="0" hangingPunct="1">
+              <a:lnSpc>
+                <a:spcPct val="90000"/>
+              </a:lnSpc>
+              <a:spcBef>
+                <a:spcPct val="0"/>
+              </a:spcBef>
+              <a:buNone/>
+              <a:defRPr sz="2310" kern="1200">
+                <a:solidFill>
+                  <a:schemeClr val="tx1"/>
+                </a:solidFill>
+                <a:latin typeface="+mj-lt"/>
+                <a:ea typeface="+mj-ea"/>
+                <a:cs typeface="+mj-cs"/>
+              </a:defRPr>
+            </a:lvl1pPr>
+          </a:lstStyle>
+          <a:p>
+            <a:pPr algn="ctr"/>
+            <a:r>
+              <a:rPr lang="en-GB" sz="3600" dirty="0">
+                <a:solidFill>
+                  <a:schemeClr val="accent1">
+                    <a:lumMod val="50000"/>
+                  </a:schemeClr>
+                </a:solidFill>
+                <a:latin typeface="Arial" panose="020B0604020202020204" pitchFamily="34" charset="0"/>
+                <a:cs typeface="Arial" panose="020B0604020202020204" pitchFamily="34" charset="0"/>
+              </a:rPr>
+              <a:t>Well done</a:t>
+            </a:r>
+            <a:r>
+              <a:rPr lang="de-DE" sz="3600" dirty="0">
+                <a:solidFill>
+                  <a:schemeClr val="accent1">
+                    <a:lumMod val="50000"/>
+                  </a:schemeClr>
+                </a:solidFill>
+                <a:latin typeface="Arial" panose="020B0604020202020204" pitchFamily="34" charset="0"/>
+                <a:cs typeface="Arial" panose="020B0604020202020204" pitchFamily="34" charset="0"/>
+              </a:rPr>
+              <a:t>!</a:t>
+            </a:r>
+            <a:endParaRPr lang="en-GB" sz="3600" dirty="0">
+              <a:solidFill>
+                <a:schemeClr val="accent1">
+                  <a:lumMod val="50000"/>
+                </a:schemeClr>
+              </a:solidFill>
+              <a:latin typeface="Arial" panose="020B0604020202020204" pitchFamily="34" charset="0"/>
+              <a:cs typeface="Arial" panose="020B0604020202020204" pitchFamily="34" charset="0"/>
+            </a:endParaRPr>
+          </a:p>
+        </p:txBody>
+      </p:sp>
+      <p:sp>
+        <p:nvSpPr>
+          <p:cNvPr id="3" name="Rectangle 2"/>
+          <p:cNvSpPr/>
+          <p:nvPr/>
+        </p:nvSpPr>
+        <p:spPr>
+          <a:xfrm>
+            <a:off x="50681" y="700675"/>
+            <a:ext cx="15621000" cy="2462213"/>
+          </a:xfrm>
+          <a:prstGeom prst="rect">
+            <a:avLst/>
+          </a:prstGeom>
+        </p:spPr>
+        <p:txBody>
+          <a:bodyPr wrap="square">
+            <a:spAutoFit/>
+          </a:bodyPr>
+          <a:lstStyle/>
+          <a:p>
+            <a:pPr algn="ctr"/>
+            <a:r>
+              <a:rPr lang="en-US" sz="2200" dirty="0">
+                <a:solidFill>
+                  <a:schemeClr val="bg1">
+                    <a:lumMod val="95000"/>
+                    <a:lumOff val="5000"/>
+                  </a:schemeClr>
+                </a:solidFill>
+                <a:latin typeface="Arial" panose="020B0604020202020204" pitchFamily="34" charset="0"/>
+                <a:cs typeface="Arial" panose="020B0604020202020204" pitchFamily="34" charset="0"/>
+              </a:rPr>
+              <a:t>From now on you will receive advice on your decisions from </a:t>
+            </a:r>
+            <a:r>
+              <a:rPr lang="en-US" sz="2200" b="1" dirty="0">
+                <a:solidFill>
+                  <a:schemeClr val="bg1">
+                    <a:lumMod val="95000"/>
+                    <a:lumOff val="5000"/>
+                  </a:schemeClr>
+                </a:solidFill>
+                <a:latin typeface="Arial" panose="020B0604020202020204" pitchFamily="34" charset="0"/>
+                <a:cs typeface="Arial" panose="020B0604020202020204" pitchFamily="34" charset="0"/>
+              </a:rPr>
+              <a:t>virtual agents</a:t>
+            </a:r>
+            <a:r>
+              <a:rPr lang="en-US" sz="2200" dirty="0">
+                <a:solidFill>
+                  <a:schemeClr val="bg1">
+                    <a:lumMod val="95000"/>
+                    <a:lumOff val="5000"/>
+                  </a:schemeClr>
+                </a:solidFill>
+                <a:latin typeface="Arial" panose="020B0604020202020204" pitchFamily="34" charset="0"/>
+                <a:cs typeface="Arial" panose="020B0604020202020204" pitchFamily="34" charset="0"/>
+              </a:rPr>
+              <a:t>. </a:t>
+            </a:r>
+          </a:p>
+          <a:p>
+            <a:pPr algn="ctr"/>
+            <a:endParaRPr lang="en-US" sz="2200" dirty="0">
+              <a:solidFill>
+                <a:schemeClr val="bg1">
+                  <a:lumMod val="95000"/>
+                  <a:lumOff val="5000"/>
+                </a:schemeClr>
+              </a:solidFill>
+              <a:latin typeface="Arial" panose="020B0604020202020204" pitchFamily="34" charset="0"/>
+              <a:cs typeface="Arial" panose="020B0604020202020204" pitchFamily="34" charset="0"/>
+            </a:endParaRPr>
+          </a:p>
+          <a:p>
+            <a:pPr algn="ctr"/>
+            <a:r>
+              <a:rPr lang="en-US" sz="2200" dirty="0">
+                <a:solidFill>
+                  <a:schemeClr val="bg1">
+                    <a:lumMod val="95000"/>
+                    <a:lumOff val="5000"/>
+                  </a:schemeClr>
+                </a:solidFill>
+                <a:latin typeface="Arial" panose="020B0604020202020204" pitchFamily="34" charset="0"/>
+                <a:cs typeface="Arial" panose="020B0604020202020204" pitchFamily="34" charset="0"/>
+              </a:rPr>
+              <a:t>These virtual agents are performing the same task as you do, and they will inform you as to whether they think the box with the most dots was on the left or the right.</a:t>
+            </a:r>
+          </a:p>
+          <a:p>
+            <a:pPr algn="ctr"/>
+            <a:endParaRPr lang="en-US" sz="2200" dirty="0">
+              <a:solidFill>
+                <a:schemeClr val="bg1">
+                  <a:lumMod val="95000"/>
+                  <a:lumOff val="5000"/>
+                </a:schemeClr>
+              </a:solidFill>
+              <a:latin typeface="Arial" panose="020B0604020202020204" pitchFamily="34" charset="0"/>
+              <a:cs typeface="Arial" panose="020B0604020202020204" pitchFamily="34" charset="0"/>
+            </a:endParaRPr>
+          </a:p>
+          <a:p>
+            <a:pPr algn="ctr"/>
+            <a:r>
+              <a:rPr lang="en-GB" sz="2200" dirty="0">
+                <a:solidFill>
+                  <a:schemeClr val="bg1">
+                    <a:lumMod val="95000"/>
+                    <a:lumOff val="5000"/>
+                  </a:schemeClr>
+                </a:solidFill>
+                <a:latin typeface="Arial" panose="020B0604020202020204" pitchFamily="34" charset="0"/>
+                <a:cs typeface="Arial" panose="020B0604020202020204" pitchFamily="34" charset="0"/>
+              </a:rPr>
+              <a:t>You will see the boxes and place your marker as before.</a:t>
+            </a:r>
+          </a:p>
+          <a:p>
+            <a:pPr algn="ctr"/>
+            <a:endParaRPr lang="en-GB" sz="2200" dirty="0">
+              <a:solidFill>
+                <a:schemeClr val="bg1">
+                  <a:lumMod val="95000"/>
+                  <a:lumOff val="5000"/>
+                </a:schemeClr>
+              </a:solidFill>
+              <a:latin typeface="Arial" panose="020B0604020202020204" pitchFamily="34" charset="0"/>
+              <a:cs typeface="Arial" panose="020B0604020202020204" pitchFamily="34" charset="0"/>
+            </a:endParaRPr>
+          </a:p>
+        </p:txBody>
+      </p:sp>
+      <p:graphicFrame>
+        <p:nvGraphicFramePr>
+          <p:cNvPr id="4" name="Table 3"/>
+          <p:cNvGraphicFramePr>
+            <a:graphicFrameLocks noGrp="1"/>
+          </p:cNvGraphicFramePr>
+          <p:nvPr>
+            <p:extLst>
+              <p:ext uri="{D42A27DB-BD31-4B8C-83A1-F6EECF244321}">
+                <p14:modId xmlns:p14="http://schemas.microsoft.com/office/powerpoint/2010/main" val="2604197253"/>
+              </p:ext>
+            </p:extLst>
+          </p:nvPr>
+        </p:nvGraphicFramePr>
+        <p:xfrm>
+          <a:off x="-1" y="6493100"/>
+          <a:ext cx="15621000" cy="680604"/>
+        </p:xfrm>
+        <a:graphic>
+          <a:graphicData uri="http://schemas.openxmlformats.org/drawingml/2006/table">
+            <a:tbl>
+              <a:tblPr firstRow="1" bandRow="1">
+                <a:tableStyleId>{2D5ABB26-0587-4C30-8999-92F81FD0307C}</a:tableStyleId>
+              </a:tblPr>
+              <a:tblGrid>
+                <a:gridCol w="15621000">
+                  <a:extLst>
+                    <a:ext uri="{9D8B030D-6E8A-4147-A177-3AD203B41FA5}">
+                      <a16:colId xmlns:a16="http://schemas.microsoft.com/office/drawing/2014/main" val="1309862621"/>
+                    </a:ext>
+                  </a:extLst>
+                </a:gridCol>
+              </a:tblGrid>
+              <a:tr h="680604">
+                <a:tc>
+                  <a:txBody>
+                    <a:bodyPr/>
+                    <a:lstStyle/>
+                    <a:p>
+                      <a:pPr algn="ctr"/>
+                      <a:r>
+                        <a:rPr lang="en-GB" sz="3200" i="1" dirty="0" smtClean="0"/>
+                        <a:t>any</a:t>
+                      </a:r>
+                      <a:r>
+                        <a:rPr lang="en-GB" sz="3200" i="1" baseline="0" dirty="0" smtClean="0"/>
+                        <a:t> key</a:t>
+                      </a:r>
+                      <a:r>
+                        <a:rPr lang="en-GB" sz="3200" i="0" baseline="0" dirty="0" smtClean="0"/>
+                        <a:t>: Next</a:t>
+                      </a:r>
+                      <a:endParaRPr lang="en-GB" sz="3200" i="1" dirty="0"/>
+                    </a:p>
+                  </a:txBody>
+                  <a:tcPr marL="182880" marR="182880" marT="91440" marB="91440"/>
+                </a:tc>
+                <a:extLst>
+                  <a:ext uri="{0D108BD9-81ED-4DB2-BD59-A6C34878D82A}">
+                    <a16:rowId xmlns:a16="http://schemas.microsoft.com/office/drawing/2014/main" val="610358735"/>
+                  </a:ext>
+                </a:extLst>
+              </a:tr>
+            </a:tbl>
+          </a:graphicData>
+        </a:graphic>
+      </p:graphicFrame>
+    </p:spTree>
+    <p:extLst>
+      <p:ext uri="{BB962C8B-B14F-4D97-AF65-F5344CB8AC3E}">
+        <p14:creationId xmlns:p14="http://schemas.microsoft.com/office/powerpoint/2010/main" val="1196679752"/>
+      </p:ext>
+    </p:extLst>
+  </p:cSld>
+  <p:clrMapOvr>
+    <a:masterClrMapping/>
+  </p:clrMapOvr>
+</p:sld>
+</file>
+
+<file path=ppt/slides/slide11.xml><?xml version="1.0" encoding="utf-8"?>
+<p:sld xmlns:a="http://schemas.openxmlformats.org/drawingml/2006/main" xmlns:r="http://schemas.openxmlformats.org/officeDocument/2006/relationships" xmlns:p="http://schemas.openxmlformats.org/presentationml/2006/main">
+  <p:cSld>
+    <p:spTree>
+      <p:nvGrpSpPr>
+        <p:cNvPr id="1" name=""/>
+        <p:cNvGrpSpPr/>
+        <p:nvPr/>
+      </p:nvGrpSpPr>
+      <p:grpSpPr>
+        <a:xfrm>
+          <a:off x="0" y="0"/>
+          <a:ext cx="0" cy="0"/>
+          <a:chOff x="0" y="0"/>
+          <a:chExt cx="0" cy="0"/>
+        </a:xfrm>
+      </p:grpSpPr>
+      <p:sp>
+        <p:nvSpPr>
+          <p:cNvPr id="2" name="Title 1"/>
+          <p:cNvSpPr txBox="1">
+            <a:spLocks/>
+          </p:cNvSpPr>
+          <p:nvPr/>
+        </p:nvSpPr>
+        <p:spPr>
+          <a:xfrm>
+            <a:off x="-1" y="12936"/>
+            <a:ext cx="15624176" cy="772588"/>
+          </a:xfrm>
+          <a:prstGeom prst="rect">
+            <a:avLst/>
+          </a:prstGeom>
+        </p:spPr>
+        <p:txBody>
+          <a:bodyPr>
+            <a:normAutofit/>
+          </a:bodyPr>
+          <a:lstStyle>
+            <a:lvl1pPr algn="l" defTabSz="480060" rtl="0" eaLnBrk="1" latinLnBrk="0" hangingPunct="1">
+              <a:lnSpc>
+                <a:spcPct val="90000"/>
+              </a:lnSpc>
+              <a:spcBef>
+                <a:spcPct val="0"/>
+              </a:spcBef>
+              <a:buNone/>
+              <a:defRPr sz="2310" kern="1200">
+                <a:solidFill>
+                  <a:schemeClr val="tx1"/>
+                </a:solidFill>
+                <a:latin typeface="+mj-lt"/>
+                <a:ea typeface="+mj-ea"/>
+                <a:cs typeface="+mj-cs"/>
+              </a:defRPr>
+            </a:lvl1pPr>
+          </a:lstStyle>
+          <a:p>
+            <a:pPr algn="ctr"/>
+            <a:r>
+              <a:rPr lang="en-GB" sz="3600" dirty="0">
+                <a:solidFill>
+                  <a:schemeClr val="accent1">
+                    <a:lumMod val="50000"/>
+                  </a:schemeClr>
+                </a:solidFill>
+                <a:latin typeface="Arial" panose="020B0604020202020204" pitchFamily="34" charset="0"/>
+                <a:cs typeface="Arial" panose="020B0604020202020204" pitchFamily="34" charset="0"/>
+              </a:rPr>
+              <a:t>Well done</a:t>
+            </a:r>
+            <a:r>
+              <a:rPr lang="de-DE" sz="3600" dirty="0">
+                <a:solidFill>
+                  <a:schemeClr val="accent1">
+                    <a:lumMod val="50000"/>
+                  </a:schemeClr>
+                </a:solidFill>
+                <a:latin typeface="Arial" panose="020B0604020202020204" pitchFamily="34" charset="0"/>
+                <a:cs typeface="Arial" panose="020B0604020202020204" pitchFamily="34" charset="0"/>
+              </a:rPr>
+              <a:t>!</a:t>
+            </a:r>
+            <a:endParaRPr lang="en-GB" sz="3600" dirty="0">
+              <a:solidFill>
+                <a:schemeClr val="accent1">
+                  <a:lumMod val="50000"/>
+                </a:schemeClr>
+              </a:solidFill>
+              <a:latin typeface="Arial" panose="020B0604020202020204" pitchFamily="34" charset="0"/>
+              <a:cs typeface="Arial" panose="020B0604020202020204" pitchFamily="34" charset="0"/>
+            </a:endParaRPr>
+          </a:p>
+        </p:txBody>
+      </p:sp>
+      <p:sp>
+        <p:nvSpPr>
+          <p:cNvPr id="3" name="Rectangle 2"/>
+          <p:cNvSpPr/>
+          <p:nvPr/>
+        </p:nvSpPr>
+        <p:spPr>
+          <a:xfrm>
+            <a:off x="50681" y="700675"/>
+            <a:ext cx="15621000" cy="4493538"/>
+          </a:xfrm>
+          <a:prstGeom prst="rect">
+            <a:avLst/>
+          </a:prstGeom>
+        </p:spPr>
+        <p:txBody>
+          <a:bodyPr wrap="square">
+            <a:spAutoFit/>
+          </a:bodyPr>
+          <a:lstStyle/>
+          <a:p>
+            <a:pPr algn="ctr"/>
+            <a:r>
+              <a:rPr lang="en-US" sz="2200" dirty="0">
+                <a:solidFill>
+                  <a:schemeClr val="bg1">
+                    <a:lumMod val="95000"/>
+                    <a:lumOff val="5000"/>
+                  </a:schemeClr>
+                </a:solidFill>
+                <a:latin typeface="Arial" panose="020B0604020202020204" pitchFamily="34" charset="0"/>
+                <a:cs typeface="Arial" panose="020B0604020202020204" pitchFamily="34" charset="0"/>
+              </a:rPr>
+              <a:t>From now on you will receive advice on your decisions from </a:t>
+            </a:r>
+            <a:r>
+              <a:rPr lang="en-US" sz="2200" b="1" dirty="0">
+                <a:solidFill>
+                  <a:schemeClr val="bg1">
+                    <a:lumMod val="95000"/>
+                    <a:lumOff val="5000"/>
+                  </a:schemeClr>
+                </a:solidFill>
+                <a:latin typeface="Arial" panose="020B0604020202020204" pitchFamily="34" charset="0"/>
+                <a:cs typeface="Arial" panose="020B0604020202020204" pitchFamily="34" charset="0"/>
+              </a:rPr>
+              <a:t>virtual agents</a:t>
+            </a:r>
+            <a:r>
+              <a:rPr lang="en-US" sz="2200" dirty="0">
+                <a:solidFill>
+                  <a:schemeClr val="bg1">
+                    <a:lumMod val="95000"/>
+                    <a:lumOff val="5000"/>
+                  </a:schemeClr>
+                </a:solidFill>
+                <a:latin typeface="Arial" panose="020B0604020202020204" pitchFamily="34" charset="0"/>
+                <a:cs typeface="Arial" panose="020B0604020202020204" pitchFamily="34" charset="0"/>
+              </a:rPr>
+              <a:t>. </a:t>
+            </a:r>
+          </a:p>
+          <a:p>
+            <a:pPr algn="ctr"/>
+            <a:endParaRPr lang="en-US" sz="2200" dirty="0">
+              <a:solidFill>
+                <a:schemeClr val="bg1">
+                  <a:lumMod val="95000"/>
+                  <a:lumOff val="5000"/>
+                </a:schemeClr>
+              </a:solidFill>
+              <a:latin typeface="Arial" panose="020B0604020202020204" pitchFamily="34" charset="0"/>
+              <a:cs typeface="Arial" panose="020B0604020202020204" pitchFamily="34" charset="0"/>
+            </a:endParaRPr>
+          </a:p>
+          <a:p>
+            <a:pPr algn="ctr"/>
+            <a:r>
+              <a:rPr lang="en-US" sz="2200" dirty="0">
+                <a:solidFill>
+                  <a:schemeClr val="bg1">
+                    <a:lumMod val="95000"/>
+                    <a:lumOff val="5000"/>
+                  </a:schemeClr>
+                </a:solidFill>
+                <a:latin typeface="Arial" panose="020B0604020202020204" pitchFamily="34" charset="0"/>
+                <a:cs typeface="Arial" panose="020B0604020202020204" pitchFamily="34" charset="0"/>
+              </a:rPr>
+              <a:t>These virtual agents are performing the same task as you do, and they will inform you as to whether they think the box with the most dots was on the left or the right.</a:t>
+            </a:r>
+          </a:p>
+          <a:p>
+            <a:pPr algn="ctr"/>
+            <a:endParaRPr lang="en-US" sz="2200" dirty="0">
+              <a:solidFill>
+                <a:schemeClr val="bg1">
+                  <a:lumMod val="95000"/>
+                  <a:lumOff val="5000"/>
+                </a:schemeClr>
+              </a:solidFill>
+              <a:latin typeface="Arial" panose="020B0604020202020204" pitchFamily="34" charset="0"/>
+              <a:cs typeface="Arial" panose="020B0604020202020204" pitchFamily="34" charset="0"/>
+            </a:endParaRPr>
+          </a:p>
+          <a:p>
+            <a:pPr algn="ctr"/>
+            <a:r>
+              <a:rPr lang="en-GB" sz="2200" dirty="0">
+                <a:solidFill>
+                  <a:schemeClr val="bg1">
+                    <a:lumMod val="95000"/>
+                    <a:lumOff val="5000"/>
+                  </a:schemeClr>
+                </a:solidFill>
+                <a:latin typeface="Arial" panose="020B0604020202020204" pitchFamily="34" charset="0"/>
+                <a:cs typeface="Arial" panose="020B0604020202020204" pitchFamily="34" charset="0"/>
+              </a:rPr>
+              <a:t>You will see the boxes and place your marker as before.</a:t>
+            </a:r>
+          </a:p>
+          <a:p>
+            <a:pPr algn="ctr"/>
+            <a:endParaRPr lang="en-GB" sz="2200" dirty="0">
+              <a:solidFill>
+                <a:schemeClr val="bg1">
+                  <a:lumMod val="95000"/>
+                  <a:lumOff val="5000"/>
+                </a:schemeClr>
+              </a:solidFill>
+              <a:latin typeface="Arial" panose="020B0604020202020204" pitchFamily="34" charset="0"/>
+              <a:cs typeface="Arial" panose="020B0604020202020204" pitchFamily="34" charset="0"/>
+            </a:endParaRPr>
+          </a:p>
+          <a:p>
+            <a:pPr algn="ctr"/>
+            <a:r>
+              <a:rPr lang="en-GB" sz="2200" dirty="0">
+                <a:solidFill>
+                  <a:schemeClr val="bg1">
+                    <a:lumMod val="95000"/>
+                    <a:lumOff val="5000"/>
+                  </a:schemeClr>
+                </a:solidFill>
+                <a:latin typeface="Arial" panose="020B0604020202020204" pitchFamily="34" charset="0"/>
+                <a:cs typeface="Arial" panose="020B0604020202020204" pitchFamily="34" charset="0"/>
+              </a:rPr>
+              <a:t>You will then be asked to </a:t>
+            </a:r>
+            <a:r>
+              <a:rPr lang="en-GB" sz="2200" b="1" dirty="0">
+                <a:solidFill>
+                  <a:schemeClr val="bg1">
+                    <a:lumMod val="95000"/>
+                    <a:lumOff val="5000"/>
+                  </a:schemeClr>
+                </a:solidFill>
+                <a:latin typeface="Arial" panose="020B0604020202020204" pitchFamily="34" charset="0"/>
+                <a:cs typeface="Arial" panose="020B0604020202020204" pitchFamily="34" charset="0"/>
+              </a:rPr>
+              <a:t>choose an advisor</a:t>
+            </a:r>
+            <a:r>
+              <a:rPr lang="en-GB" sz="2200" dirty="0">
+                <a:solidFill>
+                  <a:schemeClr val="bg1">
+                    <a:lumMod val="95000"/>
+                    <a:lumOff val="5000"/>
+                  </a:schemeClr>
+                </a:solidFill>
+                <a:latin typeface="Arial" panose="020B0604020202020204" pitchFamily="34" charset="0"/>
+                <a:cs typeface="Arial" panose="020B0604020202020204" pitchFamily="34" charset="0"/>
+              </a:rPr>
+              <a:t>. You choose an advisor by clicking their portrait with the </a:t>
+            </a:r>
+            <a:r>
+              <a:rPr lang="en-GB" sz="2200" b="1" dirty="0">
+                <a:solidFill>
+                  <a:schemeClr val="bg1">
+                    <a:lumMod val="95000"/>
+                    <a:lumOff val="5000"/>
+                  </a:schemeClr>
+                </a:solidFill>
+                <a:latin typeface="Arial" panose="020B0604020202020204" pitchFamily="34" charset="0"/>
+                <a:cs typeface="Arial" panose="020B0604020202020204" pitchFamily="34" charset="0"/>
+              </a:rPr>
+              <a:t>mouse</a:t>
+            </a:r>
+            <a:r>
+              <a:rPr lang="en-GB" sz="2200" dirty="0">
+                <a:solidFill>
+                  <a:schemeClr val="bg1">
+                    <a:lumMod val="95000"/>
+                    <a:lumOff val="5000"/>
+                  </a:schemeClr>
+                </a:solidFill>
+                <a:latin typeface="Arial" panose="020B0604020202020204" pitchFamily="34" charset="0"/>
+                <a:cs typeface="Arial" panose="020B0604020202020204" pitchFamily="34" charset="0"/>
+              </a:rPr>
+              <a:t>.</a:t>
+            </a:r>
+          </a:p>
+          <a:p>
+            <a:pPr algn="ctr"/>
+            <a:endParaRPr lang="en-GB" sz="2200" dirty="0">
+              <a:solidFill>
+                <a:schemeClr val="bg1">
+                  <a:lumMod val="95000"/>
+                  <a:lumOff val="5000"/>
+                </a:schemeClr>
+              </a:solidFill>
+              <a:latin typeface="Arial" panose="020B0604020202020204" pitchFamily="34" charset="0"/>
+              <a:cs typeface="Arial" panose="020B0604020202020204" pitchFamily="34" charset="0"/>
+            </a:endParaRPr>
+          </a:p>
+          <a:p>
+            <a:pPr algn="ctr"/>
+            <a:r>
+              <a:rPr lang="en-GB" sz="2200" dirty="0">
+                <a:solidFill>
+                  <a:schemeClr val="bg1">
+                    <a:lumMod val="95000"/>
+                    <a:lumOff val="5000"/>
+                  </a:schemeClr>
+                </a:solidFill>
+                <a:latin typeface="Arial" panose="020B0604020202020204" pitchFamily="34" charset="0"/>
+                <a:cs typeface="Arial" panose="020B0604020202020204" pitchFamily="34" charset="0"/>
+              </a:rPr>
+              <a:t>Once you have chosen an advisor, they will tell you what they think the answer is. You will then see the scale again, with </a:t>
+            </a:r>
+            <a:r>
+              <a:rPr lang="en-GB" sz="2200" b="1" dirty="0">
+                <a:solidFill>
+                  <a:srgbClr val="FFFF00"/>
+                </a:solidFill>
+                <a:latin typeface="Arial" panose="020B0604020202020204" pitchFamily="34" charset="0"/>
+                <a:cs typeface="Arial" panose="020B0604020202020204" pitchFamily="34" charset="0"/>
+              </a:rPr>
+              <a:t>your previous marker position</a:t>
+            </a:r>
+            <a:r>
+              <a:rPr lang="en-GB" sz="2200" dirty="0">
+                <a:solidFill>
+                  <a:srgbClr val="FFFF00"/>
+                </a:solidFill>
+                <a:latin typeface="Arial" panose="020B0604020202020204" pitchFamily="34" charset="0"/>
+                <a:cs typeface="Arial" panose="020B0604020202020204" pitchFamily="34" charset="0"/>
+              </a:rPr>
+              <a:t> highlighted in </a:t>
+            </a:r>
+            <a:r>
+              <a:rPr lang="en-GB" sz="2200" b="1" dirty="0">
+                <a:solidFill>
+                  <a:srgbClr val="FFFF00"/>
+                </a:solidFill>
+                <a:latin typeface="Arial" panose="020B0604020202020204" pitchFamily="34" charset="0"/>
+                <a:cs typeface="Arial" panose="020B0604020202020204" pitchFamily="34" charset="0"/>
+              </a:rPr>
+              <a:t>yellow</a:t>
+            </a:r>
+            <a:r>
+              <a:rPr lang="en-GB" sz="2200" dirty="0">
+                <a:solidFill>
+                  <a:schemeClr val="bg1">
+                    <a:lumMod val="95000"/>
+                    <a:lumOff val="5000"/>
+                  </a:schemeClr>
+                </a:solidFill>
+                <a:latin typeface="Arial" panose="020B0604020202020204" pitchFamily="34" charset="0"/>
+                <a:cs typeface="Arial" panose="020B0604020202020204" pitchFamily="34" charset="0"/>
+              </a:rPr>
+              <a:t>. You will then place another marker; this marker can be in a </a:t>
+            </a:r>
+            <a:r>
+              <a:rPr lang="en-GB" sz="2200" b="1" dirty="0">
+                <a:solidFill>
+                  <a:schemeClr val="bg1">
+                    <a:lumMod val="95000"/>
+                    <a:lumOff val="5000"/>
+                  </a:schemeClr>
+                </a:solidFill>
+                <a:latin typeface="Arial" panose="020B0604020202020204" pitchFamily="34" charset="0"/>
+                <a:cs typeface="Arial" panose="020B0604020202020204" pitchFamily="34" charset="0"/>
+              </a:rPr>
+              <a:t>different place</a:t>
+            </a:r>
+            <a:r>
+              <a:rPr lang="en-GB" sz="2200" dirty="0">
+                <a:solidFill>
+                  <a:schemeClr val="bg1">
+                    <a:lumMod val="95000"/>
+                    <a:lumOff val="5000"/>
+                  </a:schemeClr>
+                </a:solidFill>
+                <a:latin typeface="Arial" panose="020B0604020202020204" pitchFamily="34" charset="0"/>
+                <a:cs typeface="Arial" panose="020B0604020202020204" pitchFamily="34" charset="0"/>
+              </a:rPr>
+              <a:t> if you change either your </a:t>
+            </a:r>
+            <a:r>
+              <a:rPr lang="en-GB" sz="2200" b="1" dirty="0">
+                <a:solidFill>
+                  <a:schemeClr val="bg1">
+                    <a:lumMod val="95000"/>
+                    <a:lumOff val="5000"/>
+                  </a:schemeClr>
+                </a:solidFill>
+                <a:latin typeface="Arial" panose="020B0604020202020204" pitchFamily="34" charset="0"/>
+                <a:cs typeface="Arial" panose="020B0604020202020204" pitchFamily="34" charset="0"/>
+              </a:rPr>
+              <a:t>decision</a:t>
+            </a:r>
+            <a:r>
+              <a:rPr lang="en-GB" sz="2200" dirty="0">
+                <a:solidFill>
+                  <a:schemeClr val="bg1">
+                    <a:lumMod val="95000"/>
+                    <a:lumOff val="5000"/>
+                  </a:schemeClr>
+                </a:solidFill>
+                <a:latin typeface="Arial" panose="020B0604020202020204" pitchFamily="34" charset="0"/>
+                <a:cs typeface="Arial" panose="020B0604020202020204" pitchFamily="34" charset="0"/>
+              </a:rPr>
+              <a:t> or your </a:t>
+            </a:r>
+            <a:r>
+              <a:rPr lang="en-GB" sz="2200" b="1" dirty="0">
+                <a:solidFill>
+                  <a:schemeClr val="bg1">
+                    <a:lumMod val="95000"/>
+                    <a:lumOff val="5000"/>
+                  </a:schemeClr>
+                </a:solidFill>
+                <a:latin typeface="Arial" panose="020B0604020202020204" pitchFamily="34" charset="0"/>
+                <a:cs typeface="Arial" panose="020B0604020202020204" pitchFamily="34" charset="0"/>
+              </a:rPr>
+              <a:t>confidence in your decision</a:t>
+            </a:r>
+            <a:r>
+              <a:rPr lang="en-GB" sz="2200" dirty="0">
+                <a:solidFill>
+                  <a:schemeClr val="bg1">
+                    <a:lumMod val="95000"/>
+                    <a:lumOff val="5000"/>
+                  </a:schemeClr>
+                </a:solidFill>
+                <a:latin typeface="Arial" panose="020B0604020202020204" pitchFamily="34" charset="0"/>
+                <a:cs typeface="Arial" panose="020B0604020202020204" pitchFamily="34" charset="0"/>
+              </a:rPr>
+              <a:t>.</a:t>
+            </a:r>
+            <a:endParaRPr lang="en-GB" sz="2200" b="1" dirty="0">
+              <a:solidFill>
+                <a:schemeClr val="bg1">
+                  <a:lumMod val="95000"/>
+                  <a:lumOff val="5000"/>
+                </a:schemeClr>
+              </a:solidFill>
+              <a:latin typeface="Arial" panose="020B0604020202020204" pitchFamily="34" charset="0"/>
+              <a:cs typeface="Arial" panose="020B0604020202020204" pitchFamily="34" charset="0"/>
+            </a:endParaRPr>
+          </a:p>
+          <a:p>
+            <a:pPr algn="ctr"/>
+            <a:endParaRPr lang="en-GB" sz="2200" dirty="0">
+              <a:solidFill>
+                <a:schemeClr val="bg1">
+                  <a:lumMod val="95000"/>
+                  <a:lumOff val="5000"/>
+                </a:schemeClr>
+              </a:solidFill>
+              <a:latin typeface="Arial" panose="020B0604020202020204" pitchFamily="34" charset="0"/>
+              <a:cs typeface="Arial" panose="020B0604020202020204" pitchFamily="34" charset="0"/>
+            </a:endParaRPr>
+          </a:p>
+        </p:txBody>
+      </p:sp>
+      <p:graphicFrame>
+        <p:nvGraphicFramePr>
+          <p:cNvPr id="4" name="Table 3"/>
+          <p:cNvGraphicFramePr>
+            <a:graphicFrameLocks noGrp="1"/>
+          </p:cNvGraphicFramePr>
+          <p:nvPr>
+            <p:extLst>
+              <p:ext uri="{D42A27DB-BD31-4B8C-83A1-F6EECF244321}">
+                <p14:modId xmlns:p14="http://schemas.microsoft.com/office/powerpoint/2010/main" val="2604197253"/>
+              </p:ext>
+            </p:extLst>
+          </p:nvPr>
+        </p:nvGraphicFramePr>
+        <p:xfrm>
+          <a:off x="-1" y="6493100"/>
+          <a:ext cx="15621000" cy="680604"/>
+        </p:xfrm>
+        <a:graphic>
+          <a:graphicData uri="http://schemas.openxmlformats.org/drawingml/2006/table">
+            <a:tbl>
+              <a:tblPr firstRow="1" bandRow="1">
+                <a:tableStyleId>{2D5ABB26-0587-4C30-8999-92F81FD0307C}</a:tableStyleId>
+              </a:tblPr>
+              <a:tblGrid>
+                <a:gridCol w="15621000">
+                  <a:extLst>
+                    <a:ext uri="{9D8B030D-6E8A-4147-A177-3AD203B41FA5}">
+                      <a16:colId xmlns:a16="http://schemas.microsoft.com/office/drawing/2014/main" val="1309862621"/>
+                    </a:ext>
+                  </a:extLst>
+                </a:gridCol>
+              </a:tblGrid>
+              <a:tr h="680604">
+                <a:tc>
+                  <a:txBody>
+                    <a:bodyPr/>
+                    <a:lstStyle/>
+                    <a:p>
+                      <a:pPr algn="ctr"/>
+                      <a:r>
+                        <a:rPr lang="en-GB" sz="3200" i="1" dirty="0" smtClean="0"/>
+                        <a:t>any</a:t>
+                      </a:r>
+                      <a:r>
+                        <a:rPr lang="en-GB" sz="3200" i="1" baseline="0" dirty="0" smtClean="0"/>
+                        <a:t> key</a:t>
+                      </a:r>
+                      <a:r>
+                        <a:rPr lang="en-GB" sz="3200" i="0" baseline="0" dirty="0" smtClean="0"/>
+                        <a:t>: Next</a:t>
+                      </a:r>
+                      <a:endParaRPr lang="en-GB" sz="3200" i="1" dirty="0"/>
+                    </a:p>
+                  </a:txBody>
+                  <a:tcPr marL="182880" marR="182880" marT="91440" marB="91440"/>
+                </a:tc>
+                <a:extLst>
+                  <a:ext uri="{0D108BD9-81ED-4DB2-BD59-A6C34878D82A}">
+                    <a16:rowId xmlns:a16="http://schemas.microsoft.com/office/drawing/2014/main" val="610358735"/>
+                  </a:ext>
+                </a:extLst>
+              </a:tr>
+            </a:tbl>
+          </a:graphicData>
+        </a:graphic>
+      </p:graphicFrame>
+    </p:spTree>
+    <p:extLst>
+      <p:ext uri="{BB962C8B-B14F-4D97-AF65-F5344CB8AC3E}">
+        <p14:creationId xmlns:p14="http://schemas.microsoft.com/office/powerpoint/2010/main" val="637061085"/>
+      </p:ext>
+    </p:extLst>
+  </p:cSld>
+  <p:clrMapOvr>
+    <a:masterClrMapping/>
+  </p:clrMapOvr>
+</p:sld>
+</file>
+
+<file path=ppt/slides/slide12.xml><?xml version="1.0" encoding="utf-8"?>
+<p:sld xmlns:a="http://schemas.openxmlformats.org/drawingml/2006/main" xmlns:r="http://schemas.openxmlformats.org/officeDocument/2006/relationships" xmlns:p="http://schemas.openxmlformats.org/presentationml/2006/main">
+  <p:cSld>
+    <p:spTree>
+      <p:nvGrpSpPr>
+        <p:cNvPr id="1" name=""/>
+        <p:cNvGrpSpPr/>
+        <p:nvPr/>
+      </p:nvGrpSpPr>
+      <p:grpSpPr>
+        <a:xfrm>
+          <a:off x="0" y="0"/>
+          <a:ext cx="0" cy="0"/>
+          <a:chOff x="0" y="0"/>
+          <a:chExt cx="0" cy="0"/>
+        </a:xfrm>
+      </p:grpSpPr>
+      <p:sp>
+        <p:nvSpPr>
+          <p:cNvPr id="2" name="Title 1"/>
+          <p:cNvSpPr txBox="1">
+            <a:spLocks/>
+          </p:cNvSpPr>
+          <p:nvPr/>
+        </p:nvSpPr>
+        <p:spPr>
+          <a:xfrm>
+            <a:off x="-1" y="12936"/>
+            <a:ext cx="15624176" cy="772588"/>
+          </a:xfrm>
+          <a:prstGeom prst="rect">
+            <a:avLst/>
+          </a:prstGeom>
+        </p:spPr>
+        <p:txBody>
+          <a:bodyPr>
+            <a:normAutofit/>
+          </a:bodyPr>
+          <a:lstStyle>
+            <a:lvl1pPr algn="l" defTabSz="480060" rtl="0" eaLnBrk="1" latinLnBrk="0" hangingPunct="1">
+              <a:lnSpc>
+                <a:spcPct val="90000"/>
+              </a:lnSpc>
+              <a:spcBef>
+                <a:spcPct val="0"/>
+              </a:spcBef>
+              <a:buNone/>
+              <a:defRPr sz="2310" kern="1200">
+                <a:solidFill>
+                  <a:schemeClr val="tx1"/>
+                </a:solidFill>
+                <a:latin typeface="+mj-lt"/>
+                <a:ea typeface="+mj-ea"/>
+                <a:cs typeface="+mj-cs"/>
+              </a:defRPr>
+            </a:lvl1pPr>
+          </a:lstStyle>
+          <a:p>
+            <a:pPr algn="ctr"/>
+            <a:r>
+              <a:rPr lang="en-GB" sz="3600" dirty="0">
+                <a:solidFill>
+                  <a:schemeClr val="accent1">
+                    <a:lumMod val="50000"/>
+                  </a:schemeClr>
+                </a:solidFill>
+                <a:latin typeface="Arial" panose="020B0604020202020204" pitchFamily="34" charset="0"/>
+                <a:cs typeface="Arial" panose="020B0604020202020204" pitchFamily="34" charset="0"/>
+              </a:rPr>
+              <a:t>Well done</a:t>
+            </a:r>
+            <a:r>
+              <a:rPr lang="de-DE" sz="3600" dirty="0">
+                <a:solidFill>
+                  <a:schemeClr val="accent1">
+                    <a:lumMod val="50000"/>
+                  </a:schemeClr>
+                </a:solidFill>
+                <a:latin typeface="Arial" panose="020B0604020202020204" pitchFamily="34" charset="0"/>
+                <a:cs typeface="Arial" panose="020B0604020202020204" pitchFamily="34" charset="0"/>
+              </a:rPr>
+              <a:t>!</a:t>
+            </a:r>
+            <a:endParaRPr lang="en-GB" sz="3600" dirty="0">
+              <a:solidFill>
+                <a:schemeClr val="accent1">
+                  <a:lumMod val="50000"/>
+                </a:schemeClr>
+              </a:solidFill>
+              <a:latin typeface="Arial" panose="020B0604020202020204" pitchFamily="34" charset="0"/>
+              <a:cs typeface="Arial" panose="020B0604020202020204" pitchFamily="34" charset="0"/>
+            </a:endParaRPr>
+          </a:p>
+        </p:txBody>
+      </p:sp>
+      <p:sp>
+        <p:nvSpPr>
+          <p:cNvPr id="3" name="Rectangle 2"/>
+          <p:cNvSpPr/>
+          <p:nvPr/>
+        </p:nvSpPr>
+        <p:spPr>
+          <a:xfrm>
+            <a:off x="50681" y="700674"/>
+            <a:ext cx="15621000" cy="5509200"/>
+          </a:xfrm>
+          <a:prstGeom prst="rect">
+            <a:avLst/>
+          </a:prstGeom>
+        </p:spPr>
+        <p:txBody>
+          <a:bodyPr wrap="square">
+            <a:spAutoFit/>
+          </a:bodyPr>
+          <a:lstStyle/>
+          <a:p>
+            <a:pPr algn="ctr"/>
+            <a:r>
+              <a:rPr lang="en-US" sz="2200" dirty="0">
+                <a:solidFill>
+                  <a:schemeClr val="bg1">
+                    <a:lumMod val="95000"/>
+                    <a:lumOff val="5000"/>
+                  </a:schemeClr>
+                </a:solidFill>
+                <a:latin typeface="Arial" panose="020B0604020202020204" pitchFamily="34" charset="0"/>
+                <a:cs typeface="Arial" panose="020B0604020202020204" pitchFamily="34" charset="0"/>
+              </a:rPr>
+              <a:t>From now on you will receive advice on your decisions from </a:t>
+            </a:r>
+            <a:r>
+              <a:rPr lang="en-US" sz="2200" b="1" dirty="0">
+                <a:solidFill>
+                  <a:schemeClr val="bg1">
+                    <a:lumMod val="95000"/>
+                    <a:lumOff val="5000"/>
+                  </a:schemeClr>
+                </a:solidFill>
+                <a:latin typeface="Arial" panose="020B0604020202020204" pitchFamily="34" charset="0"/>
+                <a:cs typeface="Arial" panose="020B0604020202020204" pitchFamily="34" charset="0"/>
+              </a:rPr>
+              <a:t>virtual agents</a:t>
+            </a:r>
+            <a:r>
+              <a:rPr lang="en-US" sz="2200" dirty="0">
+                <a:solidFill>
+                  <a:schemeClr val="bg1">
+                    <a:lumMod val="95000"/>
+                    <a:lumOff val="5000"/>
+                  </a:schemeClr>
+                </a:solidFill>
+                <a:latin typeface="Arial" panose="020B0604020202020204" pitchFamily="34" charset="0"/>
+                <a:cs typeface="Arial" panose="020B0604020202020204" pitchFamily="34" charset="0"/>
+              </a:rPr>
+              <a:t>. </a:t>
+            </a:r>
+          </a:p>
+          <a:p>
+            <a:pPr algn="ctr"/>
+            <a:endParaRPr lang="en-US" sz="2200" dirty="0">
+              <a:solidFill>
+                <a:schemeClr val="bg1">
+                  <a:lumMod val="95000"/>
+                  <a:lumOff val="5000"/>
+                </a:schemeClr>
+              </a:solidFill>
+              <a:latin typeface="Arial" panose="020B0604020202020204" pitchFamily="34" charset="0"/>
+              <a:cs typeface="Arial" panose="020B0604020202020204" pitchFamily="34" charset="0"/>
+            </a:endParaRPr>
+          </a:p>
+          <a:p>
+            <a:pPr algn="ctr"/>
+            <a:r>
+              <a:rPr lang="en-US" sz="2200" dirty="0">
+                <a:solidFill>
+                  <a:schemeClr val="bg1">
+                    <a:lumMod val="95000"/>
+                    <a:lumOff val="5000"/>
+                  </a:schemeClr>
+                </a:solidFill>
+                <a:latin typeface="Arial" panose="020B0604020202020204" pitchFamily="34" charset="0"/>
+                <a:cs typeface="Arial" panose="020B0604020202020204" pitchFamily="34" charset="0"/>
+              </a:rPr>
+              <a:t>These virtual agents are performing the same task as you do, and they will inform you as to whether they think the box with the most dots was on the left or the right.</a:t>
+            </a:r>
+          </a:p>
+          <a:p>
+            <a:pPr algn="ctr"/>
+            <a:endParaRPr lang="en-US" sz="2200" dirty="0">
+              <a:solidFill>
+                <a:schemeClr val="bg1">
+                  <a:lumMod val="95000"/>
+                  <a:lumOff val="5000"/>
+                </a:schemeClr>
+              </a:solidFill>
+              <a:latin typeface="Arial" panose="020B0604020202020204" pitchFamily="34" charset="0"/>
+              <a:cs typeface="Arial" panose="020B0604020202020204" pitchFamily="34" charset="0"/>
+            </a:endParaRPr>
+          </a:p>
+          <a:p>
+            <a:pPr algn="ctr"/>
+            <a:r>
+              <a:rPr lang="en-GB" sz="2200" dirty="0">
+                <a:solidFill>
+                  <a:schemeClr val="bg1">
+                    <a:lumMod val="95000"/>
+                    <a:lumOff val="5000"/>
+                  </a:schemeClr>
+                </a:solidFill>
+                <a:latin typeface="Arial" panose="020B0604020202020204" pitchFamily="34" charset="0"/>
+                <a:cs typeface="Arial" panose="020B0604020202020204" pitchFamily="34" charset="0"/>
+              </a:rPr>
+              <a:t>You will see the boxes and place your marker as before.</a:t>
+            </a:r>
+          </a:p>
+          <a:p>
+            <a:pPr algn="ctr"/>
+            <a:endParaRPr lang="en-GB" sz="2200" dirty="0">
+              <a:solidFill>
+                <a:schemeClr val="bg1">
+                  <a:lumMod val="95000"/>
+                  <a:lumOff val="5000"/>
+                </a:schemeClr>
+              </a:solidFill>
+              <a:latin typeface="Arial" panose="020B0604020202020204" pitchFamily="34" charset="0"/>
+              <a:cs typeface="Arial" panose="020B0604020202020204" pitchFamily="34" charset="0"/>
+            </a:endParaRPr>
+          </a:p>
+          <a:p>
+            <a:pPr algn="ctr"/>
+            <a:r>
+              <a:rPr lang="en-GB" sz="2200" dirty="0">
+                <a:solidFill>
+                  <a:schemeClr val="bg1">
+                    <a:lumMod val="95000"/>
+                    <a:lumOff val="5000"/>
+                  </a:schemeClr>
+                </a:solidFill>
+                <a:latin typeface="Arial" panose="020B0604020202020204" pitchFamily="34" charset="0"/>
+                <a:cs typeface="Arial" panose="020B0604020202020204" pitchFamily="34" charset="0"/>
+              </a:rPr>
+              <a:t>You will then be asked to </a:t>
+            </a:r>
+            <a:r>
+              <a:rPr lang="en-GB" sz="2200" b="1" dirty="0">
+                <a:solidFill>
+                  <a:schemeClr val="bg1">
+                    <a:lumMod val="95000"/>
+                    <a:lumOff val="5000"/>
+                  </a:schemeClr>
+                </a:solidFill>
+                <a:latin typeface="Arial" panose="020B0604020202020204" pitchFamily="34" charset="0"/>
+                <a:cs typeface="Arial" panose="020B0604020202020204" pitchFamily="34" charset="0"/>
+              </a:rPr>
+              <a:t>choose an advisor</a:t>
+            </a:r>
+            <a:r>
+              <a:rPr lang="en-GB" sz="2200" dirty="0">
+                <a:solidFill>
+                  <a:schemeClr val="bg1">
+                    <a:lumMod val="95000"/>
+                    <a:lumOff val="5000"/>
+                  </a:schemeClr>
+                </a:solidFill>
+                <a:latin typeface="Arial" panose="020B0604020202020204" pitchFamily="34" charset="0"/>
+                <a:cs typeface="Arial" panose="020B0604020202020204" pitchFamily="34" charset="0"/>
+              </a:rPr>
+              <a:t>. You choose an advisor by clicking their portrait with the </a:t>
+            </a:r>
+            <a:r>
+              <a:rPr lang="en-GB" sz="2200" b="1" dirty="0">
+                <a:solidFill>
+                  <a:schemeClr val="bg1">
+                    <a:lumMod val="95000"/>
+                    <a:lumOff val="5000"/>
+                  </a:schemeClr>
+                </a:solidFill>
+                <a:latin typeface="Arial" panose="020B0604020202020204" pitchFamily="34" charset="0"/>
+                <a:cs typeface="Arial" panose="020B0604020202020204" pitchFamily="34" charset="0"/>
+              </a:rPr>
+              <a:t>mouse</a:t>
+            </a:r>
+            <a:r>
+              <a:rPr lang="en-GB" sz="2200" dirty="0">
+                <a:solidFill>
+                  <a:schemeClr val="bg1">
+                    <a:lumMod val="95000"/>
+                    <a:lumOff val="5000"/>
+                  </a:schemeClr>
+                </a:solidFill>
+                <a:latin typeface="Arial" panose="020B0604020202020204" pitchFamily="34" charset="0"/>
+                <a:cs typeface="Arial" panose="020B0604020202020204" pitchFamily="34" charset="0"/>
+              </a:rPr>
+              <a:t>.</a:t>
+            </a:r>
+          </a:p>
+          <a:p>
+            <a:pPr algn="ctr"/>
+            <a:endParaRPr lang="en-GB" sz="2200" dirty="0">
+              <a:solidFill>
+                <a:schemeClr val="bg1">
+                  <a:lumMod val="95000"/>
+                  <a:lumOff val="5000"/>
+                </a:schemeClr>
+              </a:solidFill>
+              <a:latin typeface="Arial" panose="020B0604020202020204" pitchFamily="34" charset="0"/>
+              <a:cs typeface="Arial" panose="020B0604020202020204" pitchFamily="34" charset="0"/>
+            </a:endParaRPr>
+          </a:p>
+          <a:p>
+            <a:pPr algn="ctr"/>
+            <a:r>
+              <a:rPr lang="en-GB" sz="2200" dirty="0">
+                <a:solidFill>
+                  <a:schemeClr val="bg1">
+                    <a:lumMod val="95000"/>
+                    <a:lumOff val="5000"/>
+                  </a:schemeClr>
+                </a:solidFill>
+                <a:latin typeface="Arial" panose="020B0604020202020204" pitchFamily="34" charset="0"/>
+                <a:cs typeface="Arial" panose="020B0604020202020204" pitchFamily="34" charset="0"/>
+              </a:rPr>
+              <a:t>Once you have chosen an advisor, they will tell you what they think the answer is. You will then see the scale again, with </a:t>
+            </a:r>
+            <a:r>
+              <a:rPr lang="en-GB" sz="2200" b="1" dirty="0">
+                <a:solidFill>
+                  <a:srgbClr val="FFFF00"/>
+                </a:solidFill>
+                <a:latin typeface="Arial" panose="020B0604020202020204" pitchFamily="34" charset="0"/>
+                <a:cs typeface="Arial" panose="020B0604020202020204" pitchFamily="34" charset="0"/>
+              </a:rPr>
+              <a:t>your previous marker position</a:t>
+            </a:r>
+            <a:r>
+              <a:rPr lang="en-GB" sz="2200" dirty="0">
+                <a:solidFill>
+                  <a:srgbClr val="FFFF00"/>
+                </a:solidFill>
+                <a:latin typeface="Arial" panose="020B0604020202020204" pitchFamily="34" charset="0"/>
+                <a:cs typeface="Arial" panose="020B0604020202020204" pitchFamily="34" charset="0"/>
+              </a:rPr>
+              <a:t> highlighted in </a:t>
+            </a:r>
+            <a:r>
+              <a:rPr lang="en-GB" sz="2200" b="1" dirty="0">
+                <a:solidFill>
+                  <a:srgbClr val="FFFF00"/>
+                </a:solidFill>
+                <a:latin typeface="Arial" panose="020B0604020202020204" pitchFamily="34" charset="0"/>
+                <a:cs typeface="Arial" panose="020B0604020202020204" pitchFamily="34" charset="0"/>
+              </a:rPr>
+              <a:t>yellow</a:t>
+            </a:r>
+            <a:r>
+              <a:rPr lang="en-GB" sz="2200" dirty="0">
+                <a:solidFill>
+                  <a:schemeClr val="bg1">
+                    <a:lumMod val="95000"/>
+                    <a:lumOff val="5000"/>
+                  </a:schemeClr>
+                </a:solidFill>
+                <a:latin typeface="Arial" panose="020B0604020202020204" pitchFamily="34" charset="0"/>
+                <a:cs typeface="Arial" panose="020B0604020202020204" pitchFamily="34" charset="0"/>
+              </a:rPr>
+              <a:t>. You will then place another marker; this marker can be in a </a:t>
+            </a:r>
+            <a:r>
+              <a:rPr lang="en-GB" sz="2200" b="1" dirty="0">
+                <a:solidFill>
+                  <a:schemeClr val="bg1">
+                    <a:lumMod val="95000"/>
+                    <a:lumOff val="5000"/>
+                  </a:schemeClr>
+                </a:solidFill>
+                <a:latin typeface="Arial" panose="020B0604020202020204" pitchFamily="34" charset="0"/>
+                <a:cs typeface="Arial" panose="020B0604020202020204" pitchFamily="34" charset="0"/>
+              </a:rPr>
+              <a:t>different place</a:t>
+            </a:r>
+            <a:r>
+              <a:rPr lang="en-GB" sz="2200" dirty="0">
+                <a:solidFill>
+                  <a:schemeClr val="bg1">
+                    <a:lumMod val="95000"/>
+                    <a:lumOff val="5000"/>
+                  </a:schemeClr>
+                </a:solidFill>
+                <a:latin typeface="Arial" panose="020B0604020202020204" pitchFamily="34" charset="0"/>
+                <a:cs typeface="Arial" panose="020B0604020202020204" pitchFamily="34" charset="0"/>
+              </a:rPr>
+              <a:t> if you change either your </a:t>
+            </a:r>
+            <a:r>
+              <a:rPr lang="en-GB" sz="2200" b="1" dirty="0">
+                <a:solidFill>
+                  <a:schemeClr val="bg1">
+                    <a:lumMod val="95000"/>
+                    <a:lumOff val="5000"/>
+                  </a:schemeClr>
+                </a:solidFill>
+                <a:latin typeface="Arial" panose="020B0604020202020204" pitchFamily="34" charset="0"/>
+                <a:cs typeface="Arial" panose="020B0604020202020204" pitchFamily="34" charset="0"/>
+              </a:rPr>
+              <a:t>decision</a:t>
+            </a:r>
+            <a:r>
+              <a:rPr lang="en-GB" sz="2200" dirty="0">
+                <a:solidFill>
+                  <a:schemeClr val="bg1">
+                    <a:lumMod val="95000"/>
+                    <a:lumOff val="5000"/>
+                  </a:schemeClr>
+                </a:solidFill>
+                <a:latin typeface="Arial" panose="020B0604020202020204" pitchFamily="34" charset="0"/>
+                <a:cs typeface="Arial" panose="020B0604020202020204" pitchFamily="34" charset="0"/>
+              </a:rPr>
+              <a:t> or your </a:t>
+            </a:r>
+            <a:r>
+              <a:rPr lang="en-GB" sz="2200" b="1" dirty="0">
+                <a:solidFill>
+                  <a:schemeClr val="bg1">
+                    <a:lumMod val="95000"/>
+                    <a:lumOff val="5000"/>
+                  </a:schemeClr>
+                </a:solidFill>
+                <a:latin typeface="Arial" panose="020B0604020202020204" pitchFamily="34" charset="0"/>
+                <a:cs typeface="Arial" panose="020B0604020202020204" pitchFamily="34" charset="0"/>
+              </a:rPr>
+              <a:t>confidence in your decision</a:t>
+            </a:r>
+            <a:r>
+              <a:rPr lang="en-GB" sz="2200" dirty="0">
+                <a:solidFill>
+                  <a:schemeClr val="bg1">
+                    <a:lumMod val="95000"/>
+                    <a:lumOff val="5000"/>
+                  </a:schemeClr>
+                </a:solidFill>
+                <a:latin typeface="Arial" panose="020B0604020202020204" pitchFamily="34" charset="0"/>
+                <a:cs typeface="Arial" panose="020B0604020202020204" pitchFamily="34" charset="0"/>
+              </a:rPr>
+              <a:t>.</a:t>
+            </a:r>
+            <a:endParaRPr lang="en-GB" sz="2200" b="1" dirty="0">
+              <a:solidFill>
+                <a:schemeClr val="bg1">
+                  <a:lumMod val="95000"/>
+                  <a:lumOff val="5000"/>
+                </a:schemeClr>
+              </a:solidFill>
+              <a:latin typeface="Arial" panose="020B0604020202020204" pitchFamily="34" charset="0"/>
+              <a:cs typeface="Arial" panose="020B0604020202020204" pitchFamily="34" charset="0"/>
+            </a:endParaRPr>
+          </a:p>
+          <a:p>
+            <a:pPr algn="ctr"/>
+            <a:endParaRPr lang="en-GB" sz="2200" dirty="0">
+              <a:solidFill>
+                <a:schemeClr val="bg1">
+                  <a:lumMod val="95000"/>
+                  <a:lumOff val="5000"/>
+                </a:schemeClr>
+              </a:solidFill>
+              <a:latin typeface="Arial" panose="020B0604020202020204" pitchFamily="34" charset="0"/>
+              <a:cs typeface="Arial" panose="020B0604020202020204" pitchFamily="34" charset="0"/>
+            </a:endParaRPr>
+          </a:p>
+          <a:p>
+            <a:pPr algn="ctr"/>
+            <a:r>
+              <a:rPr lang="en-GB" sz="2200" b="1" dirty="0">
+                <a:solidFill>
+                  <a:schemeClr val="bg1">
+                    <a:lumMod val="95000"/>
+                    <a:lumOff val="5000"/>
+                  </a:schemeClr>
+                </a:solidFill>
+                <a:latin typeface="Arial" panose="020B0604020202020204" pitchFamily="34" charset="0"/>
+                <a:cs typeface="Arial" panose="020B0604020202020204" pitchFamily="34" charset="0"/>
+              </a:rPr>
+              <a:t>The advisors perform the task differently from one another</a:t>
+            </a:r>
+            <a:r>
+              <a:rPr lang="en-GB" sz="2200" dirty="0">
+                <a:solidFill>
+                  <a:schemeClr val="bg1">
+                    <a:lumMod val="95000"/>
+                    <a:lumOff val="5000"/>
+                  </a:schemeClr>
+                </a:solidFill>
+                <a:latin typeface="Arial" panose="020B0604020202020204" pitchFamily="34" charset="0"/>
+                <a:cs typeface="Arial" panose="020B0604020202020204" pitchFamily="34" charset="0"/>
+              </a:rPr>
+              <a:t>.</a:t>
+            </a:r>
+          </a:p>
+          <a:p>
+            <a:pPr algn="ctr"/>
+            <a:endParaRPr lang="en-GB" sz="2200" dirty="0">
+              <a:solidFill>
+                <a:schemeClr val="bg1">
+                  <a:lumMod val="95000"/>
+                  <a:lumOff val="5000"/>
+                </a:schemeClr>
+              </a:solidFill>
+              <a:latin typeface="Arial" panose="020B0604020202020204" pitchFamily="34" charset="0"/>
+              <a:cs typeface="Arial" panose="020B0604020202020204" pitchFamily="34" charset="0"/>
+            </a:endParaRPr>
+          </a:p>
+          <a:p>
+            <a:pPr algn="ctr"/>
+            <a:r>
+              <a:rPr lang="en-GB" sz="2200" dirty="0">
+                <a:solidFill>
+                  <a:schemeClr val="bg1">
+                    <a:lumMod val="95000"/>
+                    <a:lumOff val="5000"/>
+                  </a:schemeClr>
+                </a:solidFill>
+                <a:latin typeface="Arial" panose="020B0604020202020204" pitchFamily="34" charset="0"/>
+                <a:cs typeface="Arial" panose="020B0604020202020204" pitchFamily="34" charset="0"/>
+              </a:rPr>
+              <a:t>The </a:t>
+            </a:r>
+            <a:r>
+              <a:rPr lang="en-GB" sz="2200" b="1" dirty="0">
+                <a:solidFill>
+                  <a:schemeClr val="bg1">
+                    <a:lumMod val="95000"/>
+                    <a:lumOff val="5000"/>
+                  </a:schemeClr>
+                </a:solidFill>
+                <a:latin typeface="Arial" panose="020B0604020202020204" pitchFamily="34" charset="0"/>
+                <a:cs typeface="Arial" panose="020B0604020202020204" pitchFamily="34" charset="0"/>
+              </a:rPr>
+              <a:t>advisors can be wrong</a:t>
+            </a:r>
+            <a:r>
+              <a:rPr lang="en-GB" sz="2200" dirty="0">
+                <a:solidFill>
+                  <a:schemeClr val="bg1">
+                    <a:lumMod val="95000"/>
+                    <a:lumOff val="5000"/>
+                  </a:schemeClr>
+                </a:solidFill>
+                <a:latin typeface="Arial" panose="020B0604020202020204" pitchFamily="34" charset="0"/>
+                <a:cs typeface="Arial" panose="020B0604020202020204" pitchFamily="34" charset="0"/>
+              </a:rPr>
+              <a:t>.</a:t>
+            </a:r>
+          </a:p>
+        </p:txBody>
+      </p:sp>
+      <p:graphicFrame>
+        <p:nvGraphicFramePr>
+          <p:cNvPr id="4" name="Table 3"/>
+          <p:cNvGraphicFramePr>
+            <a:graphicFrameLocks noGrp="1"/>
+          </p:cNvGraphicFramePr>
+          <p:nvPr>
+            <p:extLst>
+              <p:ext uri="{D42A27DB-BD31-4B8C-83A1-F6EECF244321}">
+                <p14:modId xmlns:p14="http://schemas.microsoft.com/office/powerpoint/2010/main" val="2604197253"/>
+              </p:ext>
+            </p:extLst>
+          </p:nvPr>
+        </p:nvGraphicFramePr>
+        <p:xfrm>
+          <a:off x="-1" y="6493100"/>
+          <a:ext cx="15621000" cy="680604"/>
+        </p:xfrm>
+        <a:graphic>
+          <a:graphicData uri="http://schemas.openxmlformats.org/drawingml/2006/table">
+            <a:tbl>
+              <a:tblPr firstRow="1" bandRow="1">
+                <a:tableStyleId>{2D5ABB26-0587-4C30-8999-92F81FD0307C}</a:tableStyleId>
+              </a:tblPr>
+              <a:tblGrid>
+                <a:gridCol w="15621000">
+                  <a:extLst>
+                    <a:ext uri="{9D8B030D-6E8A-4147-A177-3AD203B41FA5}">
+                      <a16:colId xmlns:a16="http://schemas.microsoft.com/office/drawing/2014/main" val="1309862621"/>
+                    </a:ext>
+                  </a:extLst>
+                </a:gridCol>
+              </a:tblGrid>
+              <a:tr h="680604">
+                <a:tc>
+                  <a:txBody>
+                    <a:bodyPr/>
+                    <a:lstStyle/>
+                    <a:p>
+                      <a:pPr algn="ctr"/>
+                      <a:r>
+                        <a:rPr lang="en-GB" sz="3200" i="1" dirty="0" smtClean="0"/>
+                        <a:t>any</a:t>
+                      </a:r>
+                      <a:r>
+                        <a:rPr lang="en-GB" sz="3200" i="1" baseline="0" dirty="0" smtClean="0"/>
+                        <a:t> key</a:t>
+                      </a:r>
+                      <a:r>
+                        <a:rPr lang="en-GB" sz="3200" i="0" baseline="0" dirty="0" smtClean="0"/>
+                        <a:t>: Next</a:t>
+                      </a:r>
+                      <a:endParaRPr lang="en-GB" sz="3200" i="1" dirty="0"/>
+                    </a:p>
+                  </a:txBody>
+                  <a:tcPr marL="182880" marR="182880" marT="91440" marB="91440"/>
+                </a:tc>
+                <a:extLst>
+                  <a:ext uri="{0D108BD9-81ED-4DB2-BD59-A6C34878D82A}">
+                    <a16:rowId xmlns:a16="http://schemas.microsoft.com/office/drawing/2014/main" val="610358735"/>
+                  </a:ext>
+                </a:extLst>
+              </a:tr>
+            </a:tbl>
+          </a:graphicData>
+        </a:graphic>
+      </p:graphicFrame>
+    </p:spTree>
+    <p:extLst>
+      <p:ext uri="{BB962C8B-B14F-4D97-AF65-F5344CB8AC3E}">
+        <p14:creationId xmlns:p14="http://schemas.microsoft.com/office/powerpoint/2010/main" val="1635129669"/>
+      </p:ext>
+    </p:extLst>
+  </p:cSld>
+  <p:clrMapOvr>
+    <a:masterClrMapping/>
+  </p:clrMapOvr>
+</p:sld>
+</file>
+
+<file path=ppt/slides/slide13.xml><?xml version="1.0" encoding="utf-8"?>
 <p:sld xmlns:a="http://schemas.openxmlformats.org/drawingml/2006/main" xmlns:r="http://schemas.openxmlformats.org/officeDocument/2006/relationships" xmlns:p="http://schemas.openxmlformats.org/presentationml/2006/main">
   <p:cSld>
     <p:spTree>
@@ -3599,7 +5075,7 @@
 </p:sld>
 </file>
 
-<file path=ppt/slides/slide11.xml><?xml version="1.0" encoding="utf-8"?>
+<file path=ppt/slides/slide14.xml><?xml version="1.0" encoding="utf-8"?>
 <p:sld xmlns:a="http://schemas.openxmlformats.org/drawingml/2006/main" xmlns:r="http://schemas.openxmlformats.org/officeDocument/2006/relationships" xmlns:p="http://schemas.openxmlformats.org/presentationml/2006/main">
   <p:cSld>
     <p:spTree>
@@ -3708,16 +5184,6 @@
               </a:rPr>
               <a:t>There are three kinds of picture you will see in either the top or bottom of the selection screen:</a:t>
             </a:r>
-            <a:endParaRPr lang="en-GB" sz="2200" dirty="0">
-              <a:solidFill>
-                <a:schemeClr val="bg1">
-                  <a:lumMod val="95000"/>
-                  <a:lumOff val="5000"/>
-                </a:schemeClr>
-              </a:solidFill>
-              <a:latin typeface="Arial" panose="020B0604020202020204" pitchFamily="34" charset="0"/>
-              <a:cs typeface="Arial" panose="020B0604020202020204" pitchFamily="34" charset="0"/>
-            </a:endParaRPr>
           </a:p>
         </p:txBody>
       </p:sp>
@@ -4217,7 +5683,7 @@
 </p:sld>
 </file>
 
-<file path=ppt/slides/slide12.xml><?xml version="1.0" encoding="utf-8"?>
+<file path=ppt/slides/slide15.xml><?xml version="1.0" encoding="utf-8"?>
 <p:sld xmlns:a="http://schemas.openxmlformats.org/drawingml/2006/main" xmlns:r="http://schemas.openxmlformats.org/officeDocument/2006/relationships" xmlns:p="http://schemas.openxmlformats.org/presentationml/2006/main">
   <p:cSld>
     <p:spTree>
@@ -4539,20 +6005,20 @@
                 <a:latin typeface="Arial" panose="020B0604020202020204" pitchFamily="34" charset="0"/>
                 <a:cs typeface="Arial" panose="020B0604020202020204" pitchFamily="34" charset="0"/>
               </a:rPr>
-              <a:t> and as well </a:t>
-            </a:r>
-            <a:r>
-              <a:rPr lang="en-GB" sz="2200" b="1" dirty="0">
-                <a:solidFill>
-                  <a:schemeClr val="bg1">
-                    <a:lumMod val="95000"/>
-                    <a:lumOff val="5000"/>
-                  </a:schemeClr>
-                </a:solidFill>
-                <a:latin typeface="Arial" panose="020B0604020202020204" pitchFamily="34" charset="0"/>
-                <a:cs typeface="Arial" panose="020B0604020202020204" pitchFamily="34" charset="0"/>
-              </a:rPr>
-              <a:t>calibrated </a:t>
+              <a:t> and as </a:t>
+            </a:r>
+            <a:r>
+              <a:rPr lang="en-GB" sz="2200" b="1" dirty="0" smtClean="0">
+                <a:solidFill>
+                  <a:schemeClr val="bg1">
+                    <a:lumMod val="95000"/>
+                    <a:lumOff val="5000"/>
+                  </a:schemeClr>
+                </a:solidFill>
+                <a:latin typeface="Arial" panose="020B0604020202020204" pitchFamily="34" charset="0"/>
+                <a:cs typeface="Arial" panose="020B0604020202020204" pitchFamily="34" charset="0"/>
+              </a:rPr>
+              <a:t>honest </a:t>
             </a:r>
             <a:r>
               <a:rPr lang="en-GB" sz="2200" dirty="0">
@@ -4730,7 +6196,7 @@
 </p:sld>
 </file>
 
-<file path=ppt/slides/slide13.xml><?xml version="1.0" encoding="utf-8"?>
+<file path=ppt/slides/slide16.xml><?xml version="1.0" encoding="utf-8"?>
 <p:sld xmlns:a="http://schemas.openxmlformats.org/drawingml/2006/main" xmlns:r="http://schemas.openxmlformats.org/officeDocument/2006/relationships" xmlns:p="http://schemas.openxmlformats.org/presentationml/2006/main">
   <p:cSld>
     <p:spTree>
@@ -4874,7 +6340,7 @@
       </p:grpSpPr>
       <p:pic>
         <p:nvPicPr>
-          <p:cNvPr id="4" name="Picture 3"/>
+          <p:cNvPr id="6" name="Picture 5"/>
           <p:cNvPicPr>
             <a:picLocks noChangeAspect="1"/>
           </p:cNvPicPr>
@@ -4888,8 +6354,8 @@
         </p:blipFill>
         <p:spPr>
           <a:xfrm>
-            <a:off x="4535030" y="1183021"/>
-            <a:ext cx="6554114" cy="1790950"/>
+            <a:off x="2256650" y="2071979"/>
+            <a:ext cx="11107700" cy="2210108"/>
           </a:xfrm>
           <a:prstGeom prst="rect">
             <a:avLst/>
@@ -4904,8 +6370,8 @@
         </p:nvSpPr>
         <p:spPr>
           <a:xfrm>
-            <a:off x="-1" y="2608038"/>
-            <a:ext cx="15621000" cy="3139321"/>
+            <a:off x="3175" y="4536908"/>
+            <a:ext cx="15621000" cy="1446550"/>
           </a:xfrm>
           <a:prstGeom prst="rect">
             <a:avLst/>
@@ -4971,7 +6437,7 @@
               <a:t>confidence in your decision</a:t>
             </a:r>
             <a:r>
-              <a:rPr lang="en-GB" sz="2200" dirty="0">
+              <a:rPr lang="en-GB" sz="2200" dirty="0" smtClean="0">
                 <a:solidFill>
                   <a:schemeClr val="bg1">
                     <a:lumMod val="95000"/>
@@ -4986,7 +6452,7 @@
           </a:p>
           <a:p>
             <a:pPr algn="ctr"/>
-            <a:endParaRPr lang="en-GB" sz="2200" dirty="0">
+            <a:endParaRPr lang="en-GB" sz="2200" dirty="0" smtClean="0">
               <a:solidFill>
                 <a:schemeClr val="bg1">
                   <a:lumMod val="95000"/>
@@ -5039,210 +6505,6 @@
               <a:t> by choosing to place your marker (shown in white in the right box above) in either the left or the right bar. </a:t>
             </a:r>
           </a:p>
-          <a:p>
-            <a:pPr algn="ctr"/>
-            <a:endParaRPr lang="en-GB" sz="2200" dirty="0">
-              <a:solidFill>
-                <a:schemeClr val="bg1">
-                  <a:lumMod val="95000"/>
-                  <a:lumOff val="5000"/>
-                </a:schemeClr>
-              </a:solidFill>
-              <a:latin typeface="Arial" panose="020B0604020202020204" pitchFamily="34" charset="0"/>
-              <a:cs typeface="Arial" panose="020B0604020202020204" pitchFamily="34" charset="0"/>
-            </a:endParaRPr>
-          </a:p>
-          <a:p>
-            <a:pPr algn="ctr"/>
-            <a:r>
-              <a:rPr lang="en-GB" sz="2200" dirty="0">
-                <a:solidFill>
-                  <a:schemeClr val="bg1">
-                    <a:lumMod val="95000"/>
-                    <a:lumOff val="5000"/>
-                  </a:schemeClr>
-                </a:solidFill>
-                <a:latin typeface="Arial" panose="020B0604020202020204" pitchFamily="34" charset="0"/>
-                <a:cs typeface="Arial" panose="020B0604020202020204" pitchFamily="34" charset="0"/>
-              </a:rPr>
-              <a:t>If you think the </a:t>
-            </a:r>
-            <a:r>
-              <a:rPr lang="en-GB" sz="2200" b="1" dirty="0">
-                <a:solidFill>
-                  <a:schemeClr val="bg1">
-                    <a:lumMod val="95000"/>
-                    <a:lumOff val="5000"/>
-                  </a:schemeClr>
-                </a:solidFill>
-                <a:latin typeface="Arial" panose="020B0604020202020204" pitchFamily="34" charset="0"/>
-                <a:cs typeface="Arial" panose="020B0604020202020204" pitchFamily="34" charset="0"/>
-              </a:rPr>
-              <a:t>left box</a:t>
-            </a:r>
-            <a:r>
-              <a:rPr lang="en-GB" sz="2200" dirty="0">
-                <a:solidFill>
-                  <a:schemeClr val="bg1">
-                    <a:lumMod val="95000"/>
-                    <a:lumOff val="5000"/>
-                  </a:schemeClr>
-                </a:solidFill>
-                <a:latin typeface="Arial" panose="020B0604020202020204" pitchFamily="34" charset="0"/>
-                <a:cs typeface="Arial" panose="020B0604020202020204" pitchFamily="34" charset="0"/>
-              </a:rPr>
-              <a:t> had more dots you would place your marker in the </a:t>
-            </a:r>
-            <a:r>
-              <a:rPr lang="en-GB" sz="2200" b="1" dirty="0">
-                <a:solidFill>
-                  <a:schemeClr val="bg1">
-                    <a:lumMod val="95000"/>
-                    <a:lumOff val="5000"/>
-                  </a:schemeClr>
-                </a:solidFill>
-                <a:latin typeface="Arial" panose="020B0604020202020204" pitchFamily="34" charset="0"/>
-                <a:cs typeface="Arial" panose="020B0604020202020204" pitchFamily="34" charset="0"/>
-              </a:rPr>
-              <a:t>left bar</a:t>
-            </a:r>
-            <a:r>
-              <a:rPr lang="en-GB" sz="2200" dirty="0">
-                <a:solidFill>
-                  <a:schemeClr val="bg1">
-                    <a:lumMod val="95000"/>
-                    <a:lumOff val="5000"/>
-                  </a:schemeClr>
-                </a:solidFill>
-                <a:latin typeface="Arial" panose="020B0604020202020204" pitchFamily="34" charset="0"/>
-                <a:cs typeface="Arial" panose="020B0604020202020204" pitchFamily="34" charset="0"/>
-              </a:rPr>
-              <a:t>.</a:t>
-            </a:r>
-          </a:p>
-          <a:p>
-            <a:pPr algn="ctr"/>
-            <a:r>
-              <a:rPr lang="en-GB" sz="2200" dirty="0">
-                <a:solidFill>
-                  <a:schemeClr val="bg1">
-                    <a:lumMod val="95000"/>
-                    <a:lumOff val="5000"/>
-                  </a:schemeClr>
-                </a:solidFill>
-                <a:latin typeface="Arial" panose="020B0604020202020204" pitchFamily="34" charset="0"/>
-                <a:cs typeface="Arial" panose="020B0604020202020204" pitchFamily="34" charset="0"/>
-              </a:rPr>
-              <a:t>If you think the </a:t>
-            </a:r>
-            <a:r>
-              <a:rPr lang="en-GB" sz="2200" b="1" dirty="0">
-                <a:solidFill>
-                  <a:schemeClr val="bg1">
-                    <a:lumMod val="95000"/>
-                    <a:lumOff val="5000"/>
-                  </a:schemeClr>
-                </a:solidFill>
-                <a:latin typeface="Arial" panose="020B0604020202020204" pitchFamily="34" charset="0"/>
-                <a:cs typeface="Arial" panose="020B0604020202020204" pitchFamily="34" charset="0"/>
-              </a:rPr>
-              <a:t>right box</a:t>
-            </a:r>
-            <a:r>
-              <a:rPr lang="en-GB" sz="2200" dirty="0">
-                <a:solidFill>
-                  <a:schemeClr val="bg1">
-                    <a:lumMod val="95000"/>
-                    <a:lumOff val="5000"/>
-                  </a:schemeClr>
-                </a:solidFill>
-                <a:latin typeface="Arial" panose="020B0604020202020204" pitchFamily="34" charset="0"/>
-                <a:cs typeface="Arial" panose="020B0604020202020204" pitchFamily="34" charset="0"/>
-              </a:rPr>
-              <a:t> had more dots you would place your marker in the </a:t>
-            </a:r>
-            <a:r>
-              <a:rPr lang="en-GB" sz="2200" b="1" dirty="0">
-                <a:solidFill>
-                  <a:schemeClr val="bg1">
-                    <a:lumMod val="95000"/>
-                    <a:lumOff val="5000"/>
-                  </a:schemeClr>
-                </a:solidFill>
-                <a:latin typeface="Arial" panose="020B0604020202020204" pitchFamily="34" charset="0"/>
-                <a:cs typeface="Arial" panose="020B0604020202020204" pitchFamily="34" charset="0"/>
-              </a:rPr>
-              <a:t>right bar</a:t>
-            </a:r>
-            <a:r>
-              <a:rPr lang="en-GB" sz="2200" dirty="0">
-                <a:solidFill>
-                  <a:schemeClr val="bg1">
-                    <a:lumMod val="95000"/>
-                    <a:lumOff val="5000"/>
-                  </a:schemeClr>
-                </a:solidFill>
-                <a:latin typeface="Arial" panose="020B0604020202020204" pitchFamily="34" charset="0"/>
-                <a:cs typeface="Arial" panose="020B0604020202020204" pitchFamily="34" charset="0"/>
-              </a:rPr>
-              <a:t>.  </a:t>
-            </a:r>
-          </a:p>
-          <a:p>
-            <a:pPr algn="ctr"/>
-            <a:endParaRPr lang="en-GB" sz="2200" dirty="0">
-              <a:solidFill>
-                <a:schemeClr val="bg1">
-                  <a:lumMod val="95000"/>
-                  <a:lumOff val="5000"/>
-                </a:schemeClr>
-              </a:solidFill>
-              <a:latin typeface="Arial" panose="020B0604020202020204" pitchFamily="34" charset="0"/>
-              <a:cs typeface="Arial" panose="020B0604020202020204" pitchFamily="34" charset="0"/>
-            </a:endParaRPr>
-          </a:p>
-          <a:p>
-            <a:pPr algn="ctr"/>
-            <a:r>
-              <a:rPr lang="en-GB" sz="2200" dirty="0">
-                <a:solidFill>
-                  <a:schemeClr val="bg1">
-                    <a:lumMod val="95000"/>
-                    <a:lumOff val="5000"/>
-                  </a:schemeClr>
-                </a:solidFill>
-                <a:latin typeface="Arial" panose="020B0604020202020204" pitchFamily="34" charset="0"/>
-                <a:cs typeface="Arial" panose="020B0604020202020204" pitchFamily="34" charset="0"/>
-              </a:rPr>
-              <a:t>You place your marker by clicking the </a:t>
-            </a:r>
-            <a:r>
-              <a:rPr lang="en-GB" sz="2200" b="1" dirty="0">
-                <a:solidFill>
-                  <a:schemeClr val="bg1">
-                    <a:lumMod val="95000"/>
-                    <a:lumOff val="5000"/>
-                  </a:schemeClr>
-                </a:solidFill>
-                <a:latin typeface="Arial" panose="020B0604020202020204" pitchFamily="34" charset="0"/>
-                <a:cs typeface="Arial" panose="020B0604020202020204" pitchFamily="34" charset="0"/>
-              </a:rPr>
-              <a:t>mouse</a:t>
-            </a:r>
-            <a:r>
-              <a:rPr lang="en-GB" sz="2200" dirty="0">
-                <a:solidFill>
-                  <a:schemeClr val="bg1">
-                    <a:lumMod val="95000"/>
-                    <a:lumOff val="5000"/>
-                  </a:schemeClr>
-                </a:solidFill>
-                <a:latin typeface="Arial" panose="020B0604020202020204" pitchFamily="34" charset="0"/>
-                <a:cs typeface="Arial" panose="020B0604020202020204" pitchFamily="34" charset="0"/>
-              </a:rPr>
-              <a:t>.</a:t>
-            </a:r>
-          </a:p>
         </p:txBody>
       </p:sp>
       <p:sp>
@@ -5253,7 +6515,7 @@
         </p:nvSpPr>
         <p:spPr>
           <a:xfrm>
-            <a:off x="0" y="857396"/>
+            <a:off x="0" y="650563"/>
             <a:ext cx="15624174" cy="507831"/>
           </a:xfrm>
           <a:prstGeom prst="rect">
@@ -5460,7 +6722,7 @@
     </p:spTree>
     <p:extLst>
       <p:ext uri="{BB962C8B-B14F-4D97-AF65-F5344CB8AC3E}">
-        <p14:creationId xmlns:p14="http://schemas.microsoft.com/office/powerpoint/2010/main" val="3408174900"/>
+        <p14:creationId xmlns:p14="http://schemas.microsoft.com/office/powerpoint/2010/main" val="3482314652"/>
       </p:ext>
     </p:extLst>
   </p:cSld>
@@ -5489,7 +6751,7 @@
       </p:grpSpPr>
       <p:pic>
         <p:nvPicPr>
-          <p:cNvPr id="8" name="Picture 7"/>
+          <p:cNvPr id="6" name="Picture 5"/>
           <p:cNvPicPr>
             <a:picLocks noChangeAspect="1"/>
           </p:cNvPicPr>
@@ -5503,8 +6765,8 @@
         </p:blipFill>
         <p:spPr>
           <a:xfrm>
-            <a:off x="4535030" y="1183021"/>
-            <a:ext cx="6554114" cy="1790950"/>
+            <a:off x="2258237" y="2106555"/>
+            <a:ext cx="11107700" cy="2210108"/>
           </a:xfrm>
           <a:prstGeom prst="rect">
             <a:avLst/>
@@ -5513,76 +6775,14 @@
       </p:pic>
       <p:sp>
         <p:nvSpPr>
-          <p:cNvPr id="9" name="TextBox 8"/>
-          <p:cNvSpPr txBox="1"/>
-          <p:nvPr/>
-        </p:nvSpPr>
-        <p:spPr>
-          <a:xfrm>
-            <a:off x="0" y="857396"/>
-            <a:ext cx="15624174" cy="507831"/>
-          </a:xfrm>
-          <a:prstGeom prst="rect">
-            <a:avLst/>
-          </a:prstGeom>
-          <a:noFill/>
-        </p:spPr>
-        <p:txBody>
-          <a:bodyPr wrap="square" rtlCol="0">
-            <a:spAutoFit/>
-          </a:bodyPr>
-          <a:lstStyle/>
-          <a:p>
-            <a:pPr algn="ctr"/>
-            <a:r>
-              <a:rPr lang="en-GB" sz="2700" dirty="0">
-                <a:solidFill>
-                  <a:schemeClr val="bg1">
-                    <a:lumMod val="95000"/>
-                    <a:lumOff val="5000"/>
-                  </a:schemeClr>
-                </a:solidFill>
-                <a:latin typeface="Arial" panose="020B0604020202020204" pitchFamily="34" charset="0"/>
-                <a:cs typeface="Arial" panose="020B0604020202020204" pitchFamily="34" charset="0"/>
-              </a:rPr>
-              <a:t>To make your choice you use the scale shown below</a:t>
-            </a:r>
-            <a:r>
-              <a:rPr lang="en-US" sz="2700" dirty="0">
-                <a:solidFill>
-                  <a:schemeClr val="bg1">
-                    <a:lumMod val="95000"/>
-                    <a:lumOff val="5000"/>
-                  </a:schemeClr>
-                </a:solidFill>
-                <a:latin typeface="Arial" panose="020B0604020202020204" pitchFamily="34" charset="0"/>
-                <a:cs typeface="Arial" panose="020B0604020202020204" pitchFamily="34" charset="0"/>
-              </a:rPr>
-              <a:t>:</a:t>
-            </a:r>
-            <a:endParaRPr lang="en-GB" sz="2700" dirty="0">
-              <a:solidFill>
-                <a:schemeClr val="bg1">
-                  <a:lumMod val="95000"/>
-                  <a:lumOff val="5000"/>
-                </a:schemeClr>
-              </a:solidFill>
-              <a:latin typeface="Arial" panose="020B0604020202020204" pitchFamily="34" charset="0"/>
-              <a:cs typeface="Arial" panose="020B0604020202020204" pitchFamily="34" charset="0"/>
-            </a:endParaRPr>
-          </a:p>
-        </p:txBody>
-      </p:sp>
-      <p:sp>
-        <p:nvSpPr>
           <p:cNvPr id="5" name="Rectangle 4"/>
           <p:cNvSpPr/>
           <p:nvPr/>
         </p:nvSpPr>
         <p:spPr>
           <a:xfrm>
-            <a:off x="-1" y="2608038"/>
-            <a:ext cx="15621000" cy="3139321"/>
+            <a:off x="-1" y="4567578"/>
+            <a:ext cx="15621000" cy="1446550"/>
           </a:xfrm>
           <a:prstGeom prst="rect">
             <a:avLst/>
@@ -5596,6 +6796,22 @@
           <a:p>
             <a:pPr algn="ctr"/>
             <a:r>
+              <a:rPr lang="en-GB" sz="2200" dirty="0" smtClean="0">
+                <a:solidFill>
+                  <a:schemeClr val="bg1">
+                    <a:lumMod val="95000"/>
+                    <a:lumOff val="5000"/>
+                  </a:schemeClr>
+                </a:solidFill>
+                <a:latin typeface="Arial" panose="020B0604020202020204" pitchFamily="34" charset="0"/>
+                <a:cs typeface="Arial" panose="020B0604020202020204" pitchFamily="34" charset="0"/>
+              </a:rPr>
+              <a:t>For example:</a:t>
+            </a:r>
+          </a:p>
+          <a:p>
+            <a:pPr algn="ctr"/>
+            <a:r>
               <a:rPr lang="en-GB" sz="2200" dirty="0">
                 <a:solidFill>
                   <a:schemeClr val="bg1">
@@ -5606,7 +6822,33 @@
                 <a:latin typeface="Arial" panose="020B0604020202020204" pitchFamily="34" charset="0"/>
                 <a:cs typeface="Arial" panose="020B0604020202020204" pitchFamily="34" charset="0"/>
               </a:rPr>
-              <a:t>The scale allows you to indicate two things: your </a:t>
+              <a:t>i</a:t>
+            </a:r>
+            <a:r>
+              <a:rPr lang="en-GB" sz="2200" dirty="0" smtClean="0">
+                <a:solidFill>
+                  <a:schemeClr val="bg1">
+                    <a:lumMod val="95000"/>
+                    <a:lumOff val="5000"/>
+                  </a:schemeClr>
+                </a:solidFill>
+                <a:latin typeface="Arial" panose="020B0604020202020204" pitchFamily="34" charset="0"/>
+                <a:cs typeface="Arial" panose="020B0604020202020204" pitchFamily="34" charset="0"/>
+              </a:rPr>
+              <a:t>f </a:t>
+            </a:r>
+            <a:r>
+              <a:rPr lang="en-GB" sz="2200" dirty="0">
+                <a:solidFill>
+                  <a:schemeClr val="bg1">
+                    <a:lumMod val="95000"/>
+                    <a:lumOff val="5000"/>
+                  </a:schemeClr>
+                </a:solidFill>
+                <a:latin typeface="Arial" panose="020B0604020202020204" pitchFamily="34" charset="0"/>
+                <a:cs typeface="Arial" panose="020B0604020202020204" pitchFamily="34" charset="0"/>
+              </a:rPr>
+              <a:t>you think the </a:t>
             </a:r>
             <a:r>
               <a:rPr lang="en-GB" sz="2200" b="1" dirty="0">
@@ -5619,7 +6861,7 @@
                 <a:latin typeface="Arial" panose="020B0604020202020204" pitchFamily="34" charset="0"/>
                 <a:cs typeface="Arial" panose="020B0604020202020204" pitchFamily="34" charset="0"/>
               </a:rPr>
-              <a:t>decision</a:t>
+              <a:t>right box</a:t>
             </a:r>
             <a:r>
               <a:rPr lang="en-GB" sz="2200" dirty="0">
@@ -5632,7 +6874,7 @@
                 <a:latin typeface="Arial" panose="020B0604020202020204" pitchFamily="34" charset="0"/>
                 <a:cs typeface="Arial" panose="020B0604020202020204" pitchFamily="34" charset="0"/>
               </a:rPr>
-              <a:t> and your </a:t>
+              <a:t> had more dots you would place your marker in the </a:t>
             </a:r>
             <a:r>
               <a:rPr lang="en-GB" sz="2200" b="1" dirty="0">
@@ -5645,7 +6887,7 @@
                 <a:latin typeface="Arial" panose="020B0604020202020204" pitchFamily="34" charset="0"/>
                 <a:cs typeface="Arial" panose="020B0604020202020204" pitchFamily="34" charset="0"/>
               </a:rPr>
-              <a:t>confidence in your decision</a:t>
+              <a:t>right bar</a:t>
             </a:r>
             <a:r>
               <a:rPr lang="en-GB" sz="2200" dirty="0">
@@ -5658,7 +6900,7 @@
                 <a:latin typeface="Arial" panose="020B0604020202020204" pitchFamily="34" charset="0"/>
                 <a:cs typeface="Arial" panose="020B0604020202020204" pitchFamily="34" charset="0"/>
               </a:rPr>
-              <a:t>.</a:t>
+              <a:t>.  </a:t>
             </a:r>
           </a:p>
           <a:p>
@@ -5687,7 +6929,7 @@
                 <a:latin typeface="Arial" panose="020B0604020202020204" pitchFamily="34" charset="0"/>
                 <a:cs typeface="Arial" panose="020B0604020202020204" pitchFamily="34" charset="0"/>
               </a:rPr>
-              <a:t>You indicate your </a:t>
+              <a:t>You place your marker by clicking the </a:t>
             </a:r>
             <a:r>
               <a:rPr lang="en-GB" sz="2200" b="1" dirty="0">
@@ -5700,6 +6942,299 @@
                 <a:latin typeface="Arial" panose="020B0604020202020204" pitchFamily="34" charset="0"/>
                 <a:cs typeface="Arial" panose="020B0604020202020204" pitchFamily="34" charset="0"/>
               </a:rPr>
+              <a:t>mouse</a:t>
+            </a:r>
+            <a:r>
+              <a:rPr lang="en-GB" sz="2200" dirty="0">
+                <a:solidFill>
+                  <a:schemeClr val="bg1">
+                    <a:lumMod val="95000"/>
+                    <a:lumOff val="5000"/>
+                  </a:schemeClr>
+                </a:solidFill>
+                <a:latin typeface="Arial" panose="020B0604020202020204" pitchFamily="34" charset="0"/>
+                <a:cs typeface="Arial" panose="020B0604020202020204" pitchFamily="34" charset="0"/>
+              </a:rPr>
+              <a:t>.</a:t>
+            </a:r>
+          </a:p>
+        </p:txBody>
+      </p:sp>
+      <p:sp>
+        <p:nvSpPr>
+          <p:cNvPr id="7" name="Title 1"/>
+          <p:cNvSpPr txBox="1">
+            <a:spLocks/>
+          </p:cNvSpPr>
+          <p:nvPr/>
+        </p:nvSpPr>
+        <p:spPr>
+          <a:xfrm>
+            <a:off x="-1" y="12936"/>
+            <a:ext cx="15624176" cy="772588"/>
+          </a:xfrm>
+          <a:prstGeom prst="rect">
+            <a:avLst/>
+          </a:prstGeom>
+        </p:spPr>
+        <p:txBody>
+          <a:bodyPr>
+            <a:normAutofit/>
+          </a:bodyPr>
+          <a:lstStyle>
+            <a:lvl1pPr algn="l" defTabSz="480060" rtl="0" eaLnBrk="1" latinLnBrk="0" hangingPunct="1">
+              <a:lnSpc>
+                <a:spcPct val="90000"/>
+              </a:lnSpc>
+              <a:spcBef>
+                <a:spcPct val="0"/>
+              </a:spcBef>
+              <a:buNone/>
+              <a:defRPr sz="2310" kern="1200">
+                <a:solidFill>
+                  <a:schemeClr val="tx1"/>
+                </a:solidFill>
+                <a:latin typeface="+mj-lt"/>
+                <a:ea typeface="+mj-ea"/>
+                <a:cs typeface="+mj-cs"/>
+              </a:defRPr>
+            </a:lvl1pPr>
+          </a:lstStyle>
+          <a:p>
+            <a:pPr algn="ctr"/>
+            <a:r>
+              <a:rPr lang="en-GB" sz="3600" dirty="0">
+                <a:solidFill>
+                  <a:schemeClr val="accent1">
+                    <a:lumMod val="50000"/>
+                  </a:schemeClr>
+                </a:solidFill>
+                <a:latin typeface="Arial" panose="020B0604020202020204" pitchFamily="34" charset="0"/>
+                <a:cs typeface="Arial" panose="020B0604020202020204" pitchFamily="34" charset="0"/>
+              </a:rPr>
+              <a:t>Indicating your Decision</a:t>
+            </a:r>
+          </a:p>
+        </p:txBody>
+      </p:sp>
+      <p:graphicFrame>
+        <p:nvGraphicFramePr>
+          <p:cNvPr id="9" name="Table 8"/>
+          <p:cNvGraphicFramePr>
+            <a:graphicFrameLocks noGrp="1"/>
+          </p:cNvGraphicFramePr>
+          <p:nvPr>
+            <p:extLst>
+              <p:ext uri="{D42A27DB-BD31-4B8C-83A1-F6EECF244321}">
+                <p14:modId xmlns:p14="http://schemas.microsoft.com/office/powerpoint/2010/main" val="2214351217"/>
+              </p:ext>
+            </p:extLst>
+          </p:nvPr>
+        </p:nvGraphicFramePr>
+        <p:xfrm>
+          <a:off x="-1" y="6493100"/>
+          <a:ext cx="15624176" cy="680604"/>
+        </p:xfrm>
+        <a:graphic>
+          <a:graphicData uri="http://schemas.openxmlformats.org/drawingml/2006/table">
+            <a:tbl>
+              <a:tblPr firstRow="1" bandRow="1">
+                <a:tableStyleId>{2D5ABB26-0587-4C30-8999-92F81FD0307C}</a:tableStyleId>
+              </a:tblPr>
+              <a:tblGrid>
+                <a:gridCol w="7812088">
+                  <a:extLst>
+                    <a:ext uri="{9D8B030D-6E8A-4147-A177-3AD203B41FA5}">
+                      <a16:colId xmlns:a16="http://schemas.microsoft.com/office/drawing/2014/main" val="3649932964"/>
+                    </a:ext>
+                  </a:extLst>
+                </a:gridCol>
+                <a:gridCol w="7812088">
+                  <a:extLst>
+                    <a:ext uri="{9D8B030D-6E8A-4147-A177-3AD203B41FA5}">
+                      <a16:colId xmlns:a16="http://schemas.microsoft.com/office/drawing/2014/main" val="1309862621"/>
+                    </a:ext>
+                  </a:extLst>
+                </a:gridCol>
+              </a:tblGrid>
+              <a:tr h="680604">
+                <a:tc>
+                  <a:txBody>
+                    <a:bodyPr/>
+                    <a:lstStyle/>
+                    <a:p>
+                      <a:pPr algn="ctr"/>
+                      <a:r>
+                        <a:rPr lang="en-GB" sz="3200" dirty="0" smtClean="0"/>
+                        <a:t>Left</a:t>
+                      </a:r>
+                      <a:r>
+                        <a:rPr lang="en-GB" sz="3200" baseline="0" dirty="0" smtClean="0"/>
+                        <a:t> Arrow: Previous</a:t>
+                      </a:r>
+                      <a:endParaRPr lang="en-GB" sz="3200" dirty="0"/>
+                    </a:p>
+                  </a:txBody>
+                  <a:tcPr marL="182880" marR="182880" marT="91440" marB="91440"/>
+                </a:tc>
+                <a:tc>
+                  <a:txBody>
+                    <a:bodyPr/>
+                    <a:lstStyle/>
+                    <a:p>
+                      <a:pPr algn="ctr"/>
+                      <a:r>
+                        <a:rPr lang="en-GB" sz="3200" i="1" dirty="0" smtClean="0"/>
+                        <a:t>any</a:t>
+                      </a:r>
+                      <a:r>
+                        <a:rPr lang="en-GB" sz="3200" i="1" baseline="0" dirty="0" smtClean="0"/>
+                        <a:t> other key</a:t>
+                      </a:r>
+                      <a:r>
+                        <a:rPr lang="en-GB" sz="3200" i="0" baseline="0" dirty="0" smtClean="0"/>
+                        <a:t>: Next</a:t>
+                      </a:r>
+                      <a:endParaRPr lang="en-GB" sz="3200" i="1" dirty="0"/>
+                    </a:p>
+                  </a:txBody>
+                  <a:tcPr marL="182880" marR="182880" marT="91440" marB="91440"/>
+                </a:tc>
+                <a:extLst>
+                  <a:ext uri="{0D108BD9-81ED-4DB2-BD59-A6C34878D82A}">
+                    <a16:rowId xmlns:a16="http://schemas.microsoft.com/office/drawing/2014/main" val="610358735"/>
+                  </a:ext>
+                </a:extLst>
+              </a:tr>
+            </a:tbl>
+          </a:graphicData>
+        </a:graphic>
+      </p:graphicFrame>
+      <p:cxnSp>
+        <p:nvCxnSpPr>
+          <p:cNvPr id="10" name="Straight Arrow Connector 9"/>
+          <p:cNvCxnSpPr/>
+          <p:nvPr/>
+        </p:nvCxnSpPr>
+        <p:spPr>
+          <a:xfrm flipH="1" flipV="1">
+            <a:off x="10757044" y="3608391"/>
+            <a:ext cx="1705509" cy="1271834"/>
+          </a:xfrm>
+          <a:prstGeom prst="straightConnector1">
+            <a:avLst/>
+          </a:prstGeom>
+          <a:ln w="76200">
+            <a:solidFill>
+              <a:schemeClr val="bg1"/>
+            </a:solidFill>
+            <a:tailEnd type="triangle"/>
+          </a:ln>
+        </p:spPr>
+        <p:style>
+          <a:lnRef idx="1">
+            <a:schemeClr val="accent1"/>
+          </a:lnRef>
+          <a:fillRef idx="0">
+            <a:schemeClr val="accent1"/>
+          </a:fillRef>
+          <a:effectRef idx="0">
+            <a:schemeClr val="accent1"/>
+          </a:effectRef>
+          <a:fontRef idx="minor">
+            <a:schemeClr val="tx1"/>
+          </a:fontRef>
+        </p:style>
+      </p:cxnSp>
+    </p:spTree>
+    <p:extLst>
+      <p:ext uri="{BB962C8B-B14F-4D97-AF65-F5344CB8AC3E}">
+        <p14:creationId xmlns:p14="http://schemas.microsoft.com/office/powerpoint/2010/main" val="3408174900"/>
+      </p:ext>
+    </p:extLst>
+  </p:cSld>
+  <p:clrMapOvr>
+    <a:masterClrMapping/>
+  </p:clrMapOvr>
+</p:sld>
+</file>
+
+<file path=ppt/slides/slide4.xml><?xml version="1.0" encoding="utf-8"?>
+<p:sld xmlns:a="http://schemas.openxmlformats.org/drawingml/2006/main" xmlns:r="http://schemas.openxmlformats.org/officeDocument/2006/relationships" xmlns:p="http://schemas.openxmlformats.org/presentationml/2006/main">
+  <p:cSld>
+    <p:spTree>
+      <p:nvGrpSpPr>
+        <p:cNvPr id="1" name=""/>
+        <p:cNvGrpSpPr/>
+        <p:nvPr/>
+      </p:nvGrpSpPr>
+      <p:grpSpPr>
+        <a:xfrm>
+          <a:off x="0" y="0"/>
+          <a:ext cx="0" cy="0"/>
+          <a:chOff x="0" y="0"/>
+          <a:chExt cx="0" cy="0"/>
+        </a:xfrm>
+      </p:grpSpPr>
+      <p:sp>
+        <p:nvSpPr>
+          <p:cNvPr id="5" name="Rectangle 4"/>
+          <p:cNvSpPr/>
+          <p:nvPr/>
+        </p:nvSpPr>
+        <p:spPr>
+          <a:xfrm>
+            <a:off x="-1" y="3600450"/>
+            <a:ext cx="15621000" cy="2123658"/>
+          </a:xfrm>
+          <a:prstGeom prst="rect">
+            <a:avLst/>
+          </a:prstGeom>
+        </p:spPr>
+        <p:txBody>
+          <a:bodyPr wrap="square">
+            <a:spAutoFit/>
+          </a:bodyPr>
+          <a:lstStyle/>
+          <a:p>
+            <a:pPr algn="ctr"/>
+            <a:r>
+              <a:rPr lang="en-GB" sz="2200" dirty="0" smtClean="0">
+                <a:solidFill>
+                  <a:schemeClr val="bg1">
+                    <a:lumMod val="95000"/>
+                    <a:lumOff val="5000"/>
+                  </a:schemeClr>
+                </a:solidFill>
+                <a:latin typeface="Arial" panose="020B0604020202020204" pitchFamily="34" charset="0"/>
+                <a:cs typeface="Arial" panose="020B0604020202020204" pitchFamily="34" charset="0"/>
+              </a:rPr>
+              <a:t>You </a:t>
+            </a:r>
+            <a:r>
+              <a:rPr lang="en-GB" sz="2200" dirty="0">
+                <a:solidFill>
+                  <a:schemeClr val="bg1">
+                    <a:lumMod val="95000"/>
+                    <a:lumOff val="5000"/>
+                  </a:schemeClr>
+                </a:solidFill>
+                <a:latin typeface="Arial" panose="020B0604020202020204" pitchFamily="34" charset="0"/>
+                <a:cs typeface="Arial" panose="020B0604020202020204" pitchFamily="34" charset="0"/>
+              </a:rPr>
+              <a:t>indicate your </a:t>
+            </a:r>
+            <a:r>
+              <a:rPr lang="en-GB" sz="2200" b="1" dirty="0">
+                <a:solidFill>
+                  <a:schemeClr val="bg1">
+                    <a:lumMod val="95000"/>
+                    <a:lumOff val="5000"/>
+                  </a:schemeClr>
+                </a:solidFill>
+                <a:latin typeface="Arial" panose="020B0604020202020204" pitchFamily="34" charset="0"/>
+                <a:cs typeface="Arial" panose="020B0604020202020204" pitchFamily="34" charset="0"/>
+              </a:rPr>
               <a:t>confidence in your decision</a:t>
             </a:r>
             <a:r>
@@ -5713,7 +7248,20 @@
                 <a:latin typeface="Arial" panose="020B0604020202020204" pitchFamily="34" charset="0"/>
                 <a:cs typeface="Arial" panose="020B0604020202020204" pitchFamily="34" charset="0"/>
               </a:rPr>
-              <a:t> by choosing to whereabouts in the bar you place your marker. The further from the centre of the scale the more confident the decision. </a:t>
+              <a:t> by choosing to whereabouts in the bar you place your marker</a:t>
+            </a:r>
+            <a:r>
+              <a:rPr lang="en-GB" sz="2200" dirty="0" smtClean="0">
+                <a:solidFill>
+                  <a:schemeClr val="bg1">
+                    <a:lumMod val="95000"/>
+                    <a:lumOff val="5000"/>
+                  </a:schemeClr>
+                </a:solidFill>
+                <a:latin typeface="Arial" panose="020B0604020202020204" pitchFamily="34" charset="0"/>
+                <a:cs typeface="Arial" panose="020B0604020202020204" pitchFamily="34" charset="0"/>
+              </a:rPr>
+              <a:t>.</a:t>
             </a:r>
           </a:p>
           <a:p>
@@ -6098,6 +7646,30 @@
           </a:graphicData>
         </a:graphic>
       </p:graphicFrame>
+      <p:pic>
+        <p:nvPicPr>
+          <p:cNvPr id="2" name="Picture 1"/>
+          <p:cNvPicPr>
+            <a:picLocks noChangeAspect="1"/>
+          </p:cNvPicPr>
+          <p:nvPr/>
+        </p:nvPicPr>
+        <p:blipFill>
+          <a:blip r:embed="rId2"/>
+          <a:stretch>
+            <a:fillRect/>
+          </a:stretch>
+        </p:blipFill>
+        <p:spPr>
+          <a:xfrm>
+            <a:off x="2256650" y="785524"/>
+            <a:ext cx="11107700" cy="2210108"/>
+          </a:xfrm>
+          <a:prstGeom prst="rect">
+            <a:avLst/>
+          </a:prstGeom>
+        </p:spPr>
+      </p:pic>
     </p:spTree>
     <p:extLst>
       <p:ext uri="{BB962C8B-B14F-4D97-AF65-F5344CB8AC3E}">
@@ -6111,7 +7683,678 @@
 </p:sld>
 </file>
 
-<file path=ppt/slides/slide4.xml><?xml version="1.0" encoding="utf-8"?>
+<file path=ppt/slides/slide5.xml><?xml version="1.0" encoding="utf-8"?>
+<p:sld xmlns:a="http://schemas.openxmlformats.org/drawingml/2006/main" xmlns:r="http://schemas.openxmlformats.org/officeDocument/2006/relationships" xmlns:p="http://schemas.openxmlformats.org/presentationml/2006/main">
+  <p:cSld>
+    <p:spTree>
+      <p:nvGrpSpPr>
+        <p:cNvPr id="1" name=""/>
+        <p:cNvGrpSpPr/>
+        <p:nvPr/>
+      </p:nvGrpSpPr>
+      <p:grpSpPr>
+        <a:xfrm>
+          <a:off x="0" y="0"/>
+          <a:ext cx="0" cy="0"/>
+          <a:chOff x="0" y="0"/>
+          <a:chExt cx="0" cy="0"/>
+        </a:xfrm>
+      </p:grpSpPr>
+      <p:sp>
+        <p:nvSpPr>
+          <p:cNvPr id="5" name="Rectangle 4"/>
+          <p:cNvSpPr/>
+          <p:nvPr/>
+        </p:nvSpPr>
+        <p:spPr>
+          <a:xfrm>
+            <a:off x="-1" y="3600450"/>
+            <a:ext cx="15621000" cy="430887"/>
+          </a:xfrm>
+          <a:prstGeom prst="rect">
+            <a:avLst/>
+          </a:prstGeom>
+        </p:spPr>
+        <p:txBody>
+          <a:bodyPr wrap="square">
+            <a:spAutoFit/>
+          </a:bodyPr>
+          <a:lstStyle/>
+          <a:p>
+            <a:pPr algn="ctr"/>
+            <a:r>
+              <a:rPr lang="en-GB" sz="2200" dirty="0" smtClean="0">
+                <a:solidFill>
+                  <a:schemeClr val="bg1">
+                    <a:lumMod val="95000"/>
+                    <a:lumOff val="5000"/>
+                  </a:schemeClr>
+                </a:solidFill>
+                <a:latin typeface="Arial" panose="020B0604020202020204" pitchFamily="34" charset="0"/>
+                <a:cs typeface="Arial" panose="020B0604020202020204" pitchFamily="34" charset="0"/>
+              </a:rPr>
+              <a:t>Placing the marker here indicates you are </a:t>
+            </a:r>
+            <a:r>
+              <a:rPr lang="en-GB" sz="2200" b="1" dirty="0" smtClean="0">
+                <a:solidFill>
+                  <a:schemeClr val="bg1">
+                    <a:lumMod val="95000"/>
+                    <a:lumOff val="5000"/>
+                  </a:schemeClr>
+                </a:solidFill>
+                <a:latin typeface="Arial" panose="020B0604020202020204" pitchFamily="34" charset="0"/>
+                <a:cs typeface="Arial" panose="020B0604020202020204" pitchFamily="34" charset="0"/>
+              </a:rPr>
+              <a:t>100% sure </a:t>
+            </a:r>
+            <a:r>
+              <a:rPr lang="en-GB" sz="2200" dirty="0" smtClean="0">
+                <a:solidFill>
+                  <a:schemeClr val="bg1">
+                    <a:lumMod val="95000"/>
+                    <a:lumOff val="5000"/>
+                  </a:schemeClr>
+                </a:solidFill>
+                <a:latin typeface="Arial" panose="020B0604020202020204" pitchFamily="34" charset="0"/>
+                <a:cs typeface="Arial" panose="020B0604020202020204" pitchFamily="34" charset="0"/>
+              </a:rPr>
+              <a:t>the </a:t>
+            </a:r>
+            <a:r>
+              <a:rPr lang="en-GB" sz="2200" b="1" dirty="0" smtClean="0">
+                <a:solidFill>
+                  <a:schemeClr val="bg1">
+                    <a:lumMod val="95000"/>
+                    <a:lumOff val="5000"/>
+                  </a:schemeClr>
+                </a:solidFill>
+                <a:latin typeface="Arial" panose="020B0604020202020204" pitchFamily="34" charset="0"/>
+                <a:cs typeface="Arial" panose="020B0604020202020204" pitchFamily="34" charset="0"/>
+              </a:rPr>
+              <a:t>right box </a:t>
+            </a:r>
+            <a:r>
+              <a:rPr lang="en-GB" sz="2200" dirty="0" smtClean="0">
+                <a:solidFill>
+                  <a:schemeClr val="bg1">
+                    <a:lumMod val="95000"/>
+                    <a:lumOff val="5000"/>
+                  </a:schemeClr>
+                </a:solidFill>
+                <a:latin typeface="Arial" panose="020B0604020202020204" pitchFamily="34" charset="0"/>
+                <a:cs typeface="Arial" panose="020B0604020202020204" pitchFamily="34" charset="0"/>
+              </a:rPr>
+              <a:t>had more dots.</a:t>
+            </a:r>
+            <a:endParaRPr lang="en-GB" sz="2200" dirty="0">
+              <a:solidFill>
+                <a:schemeClr val="bg1">
+                  <a:lumMod val="95000"/>
+                  <a:lumOff val="5000"/>
+                </a:schemeClr>
+              </a:solidFill>
+              <a:latin typeface="Arial" panose="020B0604020202020204" pitchFamily="34" charset="0"/>
+              <a:cs typeface="Arial" panose="020B0604020202020204" pitchFamily="34" charset="0"/>
+            </a:endParaRPr>
+          </a:p>
+        </p:txBody>
+      </p:sp>
+      <p:sp>
+        <p:nvSpPr>
+          <p:cNvPr id="7" name="Title 1"/>
+          <p:cNvSpPr txBox="1">
+            <a:spLocks/>
+          </p:cNvSpPr>
+          <p:nvPr/>
+        </p:nvSpPr>
+        <p:spPr>
+          <a:xfrm>
+            <a:off x="-1" y="12936"/>
+            <a:ext cx="15624176" cy="772588"/>
+          </a:xfrm>
+          <a:prstGeom prst="rect">
+            <a:avLst/>
+          </a:prstGeom>
+        </p:spPr>
+        <p:txBody>
+          <a:bodyPr>
+            <a:normAutofit/>
+          </a:bodyPr>
+          <a:lstStyle>
+            <a:lvl1pPr algn="l" defTabSz="480060" rtl="0" eaLnBrk="1" latinLnBrk="0" hangingPunct="1">
+              <a:lnSpc>
+                <a:spcPct val="90000"/>
+              </a:lnSpc>
+              <a:spcBef>
+                <a:spcPct val="0"/>
+              </a:spcBef>
+              <a:buNone/>
+              <a:defRPr sz="2310" kern="1200">
+                <a:solidFill>
+                  <a:schemeClr val="tx1"/>
+                </a:solidFill>
+                <a:latin typeface="+mj-lt"/>
+                <a:ea typeface="+mj-ea"/>
+                <a:cs typeface="+mj-cs"/>
+              </a:defRPr>
+            </a:lvl1pPr>
+          </a:lstStyle>
+          <a:p>
+            <a:pPr algn="ctr"/>
+            <a:r>
+              <a:rPr lang="en-GB" sz="3600" dirty="0">
+                <a:solidFill>
+                  <a:schemeClr val="accent1">
+                    <a:lumMod val="50000"/>
+                  </a:schemeClr>
+                </a:solidFill>
+                <a:latin typeface="Arial" panose="020B0604020202020204" pitchFamily="34" charset="0"/>
+                <a:cs typeface="Arial" panose="020B0604020202020204" pitchFamily="34" charset="0"/>
+              </a:rPr>
+              <a:t>Indicating your Confidence</a:t>
+            </a:r>
+          </a:p>
+        </p:txBody>
+      </p:sp>
+      <p:graphicFrame>
+        <p:nvGraphicFramePr>
+          <p:cNvPr id="10" name="Table 9"/>
+          <p:cNvGraphicFramePr>
+            <a:graphicFrameLocks noGrp="1"/>
+          </p:cNvGraphicFramePr>
+          <p:nvPr>
+            <p:extLst>
+              <p:ext uri="{D42A27DB-BD31-4B8C-83A1-F6EECF244321}">
+                <p14:modId xmlns:p14="http://schemas.microsoft.com/office/powerpoint/2010/main" val="4008418424"/>
+              </p:ext>
+            </p:extLst>
+          </p:nvPr>
+        </p:nvGraphicFramePr>
+        <p:xfrm>
+          <a:off x="-1" y="6493100"/>
+          <a:ext cx="15624176" cy="680604"/>
+        </p:xfrm>
+        <a:graphic>
+          <a:graphicData uri="http://schemas.openxmlformats.org/drawingml/2006/table">
+            <a:tbl>
+              <a:tblPr firstRow="1" bandRow="1">
+                <a:tableStyleId>{2D5ABB26-0587-4C30-8999-92F81FD0307C}</a:tableStyleId>
+              </a:tblPr>
+              <a:tblGrid>
+                <a:gridCol w="7812088">
+                  <a:extLst>
+                    <a:ext uri="{9D8B030D-6E8A-4147-A177-3AD203B41FA5}">
+                      <a16:colId xmlns:a16="http://schemas.microsoft.com/office/drawing/2014/main" val="3649932964"/>
+                    </a:ext>
+                  </a:extLst>
+                </a:gridCol>
+                <a:gridCol w="7812088">
+                  <a:extLst>
+                    <a:ext uri="{9D8B030D-6E8A-4147-A177-3AD203B41FA5}">
+                      <a16:colId xmlns:a16="http://schemas.microsoft.com/office/drawing/2014/main" val="1309862621"/>
+                    </a:ext>
+                  </a:extLst>
+                </a:gridCol>
+              </a:tblGrid>
+              <a:tr h="680604">
+                <a:tc>
+                  <a:txBody>
+                    <a:bodyPr/>
+                    <a:lstStyle/>
+                    <a:p>
+                      <a:pPr algn="ctr"/>
+                      <a:r>
+                        <a:rPr lang="en-GB" sz="3200" dirty="0" smtClean="0"/>
+                        <a:t>Left</a:t>
+                      </a:r>
+                      <a:r>
+                        <a:rPr lang="en-GB" sz="3200" baseline="0" dirty="0" smtClean="0"/>
+                        <a:t> Arrow: Previous</a:t>
+                      </a:r>
+                      <a:endParaRPr lang="en-GB" sz="3200" dirty="0"/>
+                    </a:p>
+                  </a:txBody>
+                  <a:tcPr marL="182880" marR="182880" marT="91440" marB="91440"/>
+                </a:tc>
+                <a:tc>
+                  <a:txBody>
+                    <a:bodyPr/>
+                    <a:lstStyle/>
+                    <a:p>
+                      <a:pPr algn="ctr"/>
+                      <a:r>
+                        <a:rPr lang="en-GB" sz="3200" i="1" dirty="0" smtClean="0"/>
+                        <a:t>any</a:t>
+                      </a:r>
+                      <a:r>
+                        <a:rPr lang="en-GB" sz="3200" i="1" baseline="0" dirty="0" smtClean="0"/>
+                        <a:t> other key</a:t>
+                      </a:r>
+                      <a:r>
+                        <a:rPr lang="en-GB" sz="3200" i="0" baseline="0" dirty="0" smtClean="0"/>
+                        <a:t>: Next</a:t>
+                      </a:r>
+                      <a:endParaRPr lang="en-GB" sz="3200" i="1" dirty="0"/>
+                    </a:p>
+                  </a:txBody>
+                  <a:tcPr marL="182880" marR="182880" marT="91440" marB="91440"/>
+                </a:tc>
+                <a:extLst>
+                  <a:ext uri="{0D108BD9-81ED-4DB2-BD59-A6C34878D82A}">
+                    <a16:rowId xmlns:a16="http://schemas.microsoft.com/office/drawing/2014/main" val="610358735"/>
+                  </a:ext>
+                </a:extLst>
+              </a:tr>
+            </a:tbl>
+          </a:graphicData>
+        </a:graphic>
+      </p:graphicFrame>
+      <p:grpSp>
+        <p:nvGrpSpPr>
+          <p:cNvPr id="6" name="Group 5"/>
+          <p:cNvGrpSpPr/>
+          <p:nvPr/>
+        </p:nvGrpSpPr>
+        <p:grpSpPr>
+          <a:xfrm>
+            <a:off x="2256649" y="785524"/>
+            <a:ext cx="11107700" cy="2780740"/>
+            <a:chOff x="2256649" y="785524"/>
+            <a:chExt cx="11107700" cy="2780740"/>
+          </a:xfrm>
+        </p:grpSpPr>
+        <p:pic>
+          <p:nvPicPr>
+            <p:cNvPr id="4" name="Picture 3"/>
+            <p:cNvPicPr>
+              <a:picLocks noChangeAspect="1"/>
+            </p:cNvPicPr>
+            <p:nvPr/>
+          </p:nvPicPr>
+          <p:blipFill>
+            <a:blip r:embed="rId2"/>
+            <a:stretch>
+              <a:fillRect/>
+            </a:stretch>
+          </p:blipFill>
+          <p:spPr>
+            <a:xfrm>
+              <a:off x="2256649" y="785524"/>
+              <a:ext cx="11107700" cy="2210108"/>
+            </a:xfrm>
+            <a:prstGeom prst="rect">
+              <a:avLst/>
+            </a:prstGeom>
+          </p:spPr>
+        </p:pic>
+        <p:cxnSp>
+          <p:nvCxnSpPr>
+            <p:cNvPr id="8" name="Straight Arrow Connector 7"/>
+            <p:cNvCxnSpPr/>
+            <p:nvPr/>
+          </p:nvCxnSpPr>
+          <p:spPr>
+            <a:xfrm flipH="1" flipV="1">
+              <a:off x="13048189" y="1808698"/>
+              <a:ext cx="20548" cy="1757566"/>
+            </a:xfrm>
+            <a:prstGeom prst="straightConnector1">
+              <a:avLst/>
+            </a:prstGeom>
+            <a:ln w="76200">
+              <a:solidFill>
+                <a:schemeClr val="bg1"/>
+              </a:solidFill>
+              <a:tailEnd type="triangle"/>
+            </a:ln>
+          </p:spPr>
+          <p:style>
+            <a:lnRef idx="1">
+              <a:schemeClr val="accent1"/>
+            </a:lnRef>
+            <a:fillRef idx="0">
+              <a:schemeClr val="accent1"/>
+            </a:fillRef>
+            <a:effectRef idx="0">
+              <a:schemeClr val="accent1"/>
+            </a:effectRef>
+            <a:fontRef idx="minor">
+              <a:schemeClr val="tx1"/>
+            </a:fontRef>
+          </p:style>
+        </p:cxnSp>
+      </p:grpSp>
+    </p:spTree>
+    <p:extLst>
+      <p:ext uri="{BB962C8B-B14F-4D97-AF65-F5344CB8AC3E}">
+        <p14:creationId xmlns:p14="http://schemas.microsoft.com/office/powerpoint/2010/main" val="708930183"/>
+      </p:ext>
+    </p:extLst>
+  </p:cSld>
+  <p:clrMapOvr>
+    <a:masterClrMapping/>
+  </p:clrMapOvr>
+</p:sld>
+</file>
+
+<file path=ppt/slides/slide6.xml><?xml version="1.0" encoding="utf-8"?>
+<p:sld xmlns:a="http://schemas.openxmlformats.org/drawingml/2006/main" xmlns:r="http://schemas.openxmlformats.org/officeDocument/2006/relationships" xmlns:p="http://schemas.openxmlformats.org/presentationml/2006/main">
+  <p:cSld>
+    <p:spTree>
+      <p:nvGrpSpPr>
+        <p:cNvPr id="1" name=""/>
+        <p:cNvGrpSpPr/>
+        <p:nvPr/>
+      </p:nvGrpSpPr>
+      <p:grpSpPr>
+        <a:xfrm>
+          <a:off x="0" y="0"/>
+          <a:ext cx="0" cy="0"/>
+          <a:chOff x="0" y="0"/>
+          <a:chExt cx="0" cy="0"/>
+        </a:xfrm>
+      </p:grpSpPr>
+      <p:sp>
+        <p:nvSpPr>
+          <p:cNvPr id="5" name="Rectangle 4"/>
+          <p:cNvSpPr/>
+          <p:nvPr/>
+        </p:nvSpPr>
+        <p:spPr>
+          <a:xfrm>
+            <a:off x="-1" y="3600450"/>
+            <a:ext cx="15621000" cy="430887"/>
+          </a:xfrm>
+          <a:prstGeom prst="rect">
+            <a:avLst/>
+          </a:prstGeom>
+        </p:spPr>
+        <p:txBody>
+          <a:bodyPr wrap="square">
+            <a:spAutoFit/>
+          </a:bodyPr>
+          <a:lstStyle/>
+          <a:p>
+            <a:pPr algn="ctr"/>
+            <a:r>
+              <a:rPr lang="en-GB" sz="2200" dirty="0" smtClean="0">
+                <a:solidFill>
+                  <a:schemeClr val="bg1">
+                    <a:lumMod val="95000"/>
+                    <a:lumOff val="5000"/>
+                  </a:schemeClr>
+                </a:solidFill>
+                <a:latin typeface="Arial" panose="020B0604020202020204" pitchFamily="34" charset="0"/>
+                <a:cs typeface="Arial" panose="020B0604020202020204" pitchFamily="34" charset="0"/>
+              </a:rPr>
+              <a:t>Placing the marker here indicates you are guessing: the two boxes are almost indistinguishable</a:t>
+            </a:r>
+            <a:r>
+              <a:rPr lang="en-GB" sz="2200" dirty="0" smtClean="0">
+                <a:solidFill>
+                  <a:schemeClr val="bg1">
+                    <a:lumMod val="95000"/>
+                    <a:lumOff val="5000"/>
+                  </a:schemeClr>
+                </a:solidFill>
+                <a:latin typeface="Arial" panose="020B0604020202020204" pitchFamily="34" charset="0"/>
+                <a:cs typeface="Arial" panose="020B0604020202020204" pitchFamily="34" charset="0"/>
+              </a:rPr>
+              <a:t>.</a:t>
+            </a:r>
+            <a:endParaRPr lang="en-GB" sz="2200" dirty="0">
+              <a:solidFill>
+                <a:schemeClr val="bg1">
+                  <a:lumMod val="95000"/>
+                  <a:lumOff val="5000"/>
+                </a:schemeClr>
+              </a:solidFill>
+              <a:latin typeface="Arial" panose="020B0604020202020204" pitchFamily="34" charset="0"/>
+              <a:cs typeface="Arial" panose="020B0604020202020204" pitchFamily="34" charset="0"/>
+            </a:endParaRPr>
+          </a:p>
+        </p:txBody>
+      </p:sp>
+      <p:sp>
+        <p:nvSpPr>
+          <p:cNvPr id="7" name="Title 1"/>
+          <p:cNvSpPr txBox="1">
+            <a:spLocks/>
+          </p:cNvSpPr>
+          <p:nvPr/>
+        </p:nvSpPr>
+        <p:spPr>
+          <a:xfrm>
+            <a:off x="-1" y="12936"/>
+            <a:ext cx="15624176" cy="772588"/>
+          </a:xfrm>
+          <a:prstGeom prst="rect">
+            <a:avLst/>
+          </a:prstGeom>
+        </p:spPr>
+        <p:txBody>
+          <a:bodyPr>
+            <a:normAutofit/>
+          </a:bodyPr>
+          <a:lstStyle>
+            <a:lvl1pPr algn="l" defTabSz="480060" rtl="0" eaLnBrk="1" latinLnBrk="0" hangingPunct="1">
+              <a:lnSpc>
+                <a:spcPct val="90000"/>
+              </a:lnSpc>
+              <a:spcBef>
+                <a:spcPct val="0"/>
+              </a:spcBef>
+              <a:buNone/>
+              <a:defRPr sz="2310" kern="1200">
+                <a:solidFill>
+                  <a:schemeClr val="tx1"/>
+                </a:solidFill>
+                <a:latin typeface="+mj-lt"/>
+                <a:ea typeface="+mj-ea"/>
+                <a:cs typeface="+mj-cs"/>
+              </a:defRPr>
+            </a:lvl1pPr>
+          </a:lstStyle>
+          <a:p>
+            <a:pPr algn="ctr"/>
+            <a:r>
+              <a:rPr lang="en-GB" sz="3600" dirty="0">
+                <a:solidFill>
+                  <a:schemeClr val="accent1">
+                    <a:lumMod val="50000"/>
+                  </a:schemeClr>
+                </a:solidFill>
+                <a:latin typeface="Arial" panose="020B0604020202020204" pitchFamily="34" charset="0"/>
+                <a:cs typeface="Arial" panose="020B0604020202020204" pitchFamily="34" charset="0"/>
+              </a:rPr>
+              <a:t>Indicating your Confidence</a:t>
+            </a:r>
+          </a:p>
+        </p:txBody>
+      </p:sp>
+      <p:graphicFrame>
+        <p:nvGraphicFramePr>
+          <p:cNvPr id="10" name="Table 9"/>
+          <p:cNvGraphicFramePr>
+            <a:graphicFrameLocks noGrp="1"/>
+          </p:cNvGraphicFramePr>
+          <p:nvPr>
+            <p:extLst>
+              <p:ext uri="{D42A27DB-BD31-4B8C-83A1-F6EECF244321}">
+                <p14:modId xmlns:p14="http://schemas.microsoft.com/office/powerpoint/2010/main" val="4008418424"/>
+              </p:ext>
+            </p:extLst>
+          </p:nvPr>
+        </p:nvGraphicFramePr>
+        <p:xfrm>
+          <a:off x="-1" y="6493100"/>
+          <a:ext cx="15624176" cy="680604"/>
+        </p:xfrm>
+        <a:graphic>
+          <a:graphicData uri="http://schemas.openxmlformats.org/drawingml/2006/table">
+            <a:tbl>
+              <a:tblPr firstRow="1" bandRow="1">
+                <a:tableStyleId>{2D5ABB26-0587-4C30-8999-92F81FD0307C}</a:tableStyleId>
+              </a:tblPr>
+              <a:tblGrid>
+                <a:gridCol w="7812088">
+                  <a:extLst>
+                    <a:ext uri="{9D8B030D-6E8A-4147-A177-3AD203B41FA5}">
+                      <a16:colId xmlns:a16="http://schemas.microsoft.com/office/drawing/2014/main" val="3649932964"/>
+                    </a:ext>
+                  </a:extLst>
+                </a:gridCol>
+                <a:gridCol w="7812088">
+                  <a:extLst>
+                    <a:ext uri="{9D8B030D-6E8A-4147-A177-3AD203B41FA5}">
+                      <a16:colId xmlns:a16="http://schemas.microsoft.com/office/drawing/2014/main" val="1309862621"/>
+                    </a:ext>
+                  </a:extLst>
+                </a:gridCol>
+              </a:tblGrid>
+              <a:tr h="680604">
+                <a:tc>
+                  <a:txBody>
+                    <a:bodyPr/>
+                    <a:lstStyle/>
+                    <a:p>
+                      <a:pPr algn="ctr"/>
+                      <a:r>
+                        <a:rPr lang="en-GB" sz="3200" dirty="0" smtClean="0"/>
+                        <a:t>Left</a:t>
+                      </a:r>
+                      <a:r>
+                        <a:rPr lang="en-GB" sz="3200" baseline="0" dirty="0" smtClean="0"/>
+                        <a:t> Arrow: Previous</a:t>
+                      </a:r>
+                      <a:endParaRPr lang="en-GB" sz="3200" dirty="0"/>
+                    </a:p>
+                  </a:txBody>
+                  <a:tcPr marL="182880" marR="182880" marT="91440" marB="91440"/>
+                </a:tc>
+                <a:tc>
+                  <a:txBody>
+                    <a:bodyPr/>
+                    <a:lstStyle/>
+                    <a:p>
+                      <a:pPr algn="ctr"/>
+                      <a:r>
+                        <a:rPr lang="en-GB" sz="3200" i="1" dirty="0" smtClean="0"/>
+                        <a:t>any</a:t>
+                      </a:r>
+                      <a:r>
+                        <a:rPr lang="en-GB" sz="3200" i="1" baseline="0" dirty="0" smtClean="0"/>
+                        <a:t> other key</a:t>
+                      </a:r>
+                      <a:r>
+                        <a:rPr lang="en-GB" sz="3200" i="0" baseline="0" dirty="0" smtClean="0"/>
+                        <a:t>: Next</a:t>
+                      </a:r>
+                      <a:endParaRPr lang="en-GB" sz="3200" i="1" dirty="0"/>
+                    </a:p>
+                  </a:txBody>
+                  <a:tcPr marL="182880" marR="182880" marT="91440" marB="91440"/>
+                </a:tc>
+                <a:extLst>
+                  <a:ext uri="{0D108BD9-81ED-4DB2-BD59-A6C34878D82A}">
+                    <a16:rowId xmlns:a16="http://schemas.microsoft.com/office/drawing/2014/main" val="610358735"/>
+                  </a:ext>
+                </a:extLst>
+              </a:tr>
+            </a:tbl>
+          </a:graphicData>
+        </a:graphic>
+      </p:graphicFrame>
+      <p:grpSp>
+        <p:nvGrpSpPr>
+          <p:cNvPr id="12" name="Group 11"/>
+          <p:cNvGrpSpPr/>
+          <p:nvPr/>
+        </p:nvGrpSpPr>
+        <p:grpSpPr>
+          <a:xfrm>
+            <a:off x="2256649" y="785524"/>
+            <a:ext cx="11107700" cy="2780740"/>
+            <a:chOff x="2256649" y="785524"/>
+            <a:chExt cx="11107700" cy="2780740"/>
+          </a:xfrm>
+        </p:grpSpPr>
+        <p:pic>
+          <p:nvPicPr>
+            <p:cNvPr id="2" name="Picture 1"/>
+            <p:cNvPicPr>
+              <a:picLocks noChangeAspect="1"/>
+            </p:cNvPicPr>
+            <p:nvPr/>
+          </p:nvPicPr>
+          <p:blipFill>
+            <a:blip r:embed="rId2"/>
+            <a:stretch>
+              <a:fillRect/>
+            </a:stretch>
+          </p:blipFill>
+          <p:spPr>
+            <a:xfrm>
+              <a:off x="2256649" y="785524"/>
+              <a:ext cx="11107700" cy="2210108"/>
+            </a:xfrm>
+            <a:prstGeom prst="rect">
+              <a:avLst/>
+            </a:prstGeom>
+          </p:spPr>
+        </p:pic>
+        <p:cxnSp>
+          <p:nvCxnSpPr>
+            <p:cNvPr id="9" name="Straight Arrow Connector 8"/>
+            <p:cNvCxnSpPr/>
+            <p:nvPr/>
+          </p:nvCxnSpPr>
+          <p:spPr>
+            <a:xfrm flipH="1" flipV="1">
+              <a:off x="8393987" y="1808698"/>
+              <a:ext cx="20548" cy="1757566"/>
+            </a:xfrm>
+            <a:prstGeom prst="straightConnector1">
+              <a:avLst/>
+            </a:prstGeom>
+            <a:ln w="76200">
+              <a:solidFill>
+                <a:schemeClr val="bg1"/>
+              </a:solidFill>
+              <a:tailEnd type="triangle"/>
+            </a:ln>
+          </p:spPr>
+          <p:style>
+            <a:lnRef idx="1">
+              <a:schemeClr val="accent1"/>
+            </a:lnRef>
+            <a:fillRef idx="0">
+              <a:schemeClr val="accent1"/>
+            </a:fillRef>
+            <a:effectRef idx="0">
+              <a:schemeClr val="accent1"/>
+            </a:effectRef>
+            <a:fontRef idx="minor">
+              <a:schemeClr val="tx1"/>
+            </a:fontRef>
+          </p:style>
+        </p:cxnSp>
+      </p:grpSp>
+    </p:spTree>
+    <p:extLst>
+      <p:ext uri="{BB962C8B-B14F-4D97-AF65-F5344CB8AC3E}">
+        <p14:creationId xmlns:p14="http://schemas.microsoft.com/office/powerpoint/2010/main" val="1008176879"/>
+      </p:ext>
+    </p:extLst>
+  </p:cSld>
+  <p:clrMapOvr>
+    <a:masterClrMapping/>
+  </p:clrMapOvr>
+</p:sld>
+</file>
+
+<file path=ppt/slides/slide7.xml><?xml version="1.0" encoding="utf-8"?>
 <p:sld xmlns:a="http://schemas.openxmlformats.org/drawingml/2006/main" xmlns:r="http://schemas.openxmlformats.org/officeDocument/2006/relationships" xmlns:p="http://schemas.openxmlformats.org/presentationml/2006/main">
   <p:cSld>
     <p:spTree>
@@ -6130,7 +8373,7 @@
       </p:grpSpPr>
       <p:pic>
         <p:nvPicPr>
-          <p:cNvPr id="4" name="Picture 3"/>
+          <p:cNvPr id="2" name="Picture 1"/>
           <p:cNvPicPr>
             <a:picLocks noChangeAspect="1"/>
           </p:cNvPicPr>
@@ -6144,350 +8387,14 @@
         </p:blipFill>
         <p:spPr>
           <a:xfrm>
-            <a:off x="4535030" y="949815"/>
-            <a:ext cx="6554114" cy="1790950"/>
+            <a:off x="2256650" y="88294"/>
+            <a:ext cx="11107700" cy="2210108"/>
           </a:xfrm>
           <a:prstGeom prst="rect">
             <a:avLst/>
           </a:prstGeom>
         </p:spPr>
       </p:pic>
-      <p:sp>
-        <p:nvSpPr>
-          <p:cNvPr id="5" name="Rectangle 4"/>
-          <p:cNvSpPr/>
-          <p:nvPr/>
-        </p:nvSpPr>
-        <p:spPr>
-          <a:xfrm>
-            <a:off x="-1" y="2608038"/>
-            <a:ext cx="15621000" cy="3139321"/>
-          </a:xfrm>
-          <a:prstGeom prst="rect">
-            <a:avLst/>
-          </a:prstGeom>
-        </p:spPr>
-        <p:txBody>
-          <a:bodyPr wrap="square">
-            <a:spAutoFit/>
-          </a:bodyPr>
-          <a:lstStyle/>
-          <a:p>
-            <a:pPr algn="ctr"/>
-            <a:r>
-              <a:rPr lang="en-GB" sz="2200" dirty="0">
-                <a:solidFill>
-                  <a:schemeClr val="bg1">
-                    <a:lumMod val="95000"/>
-                    <a:lumOff val="5000"/>
-                  </a:schemeClr>
-                </a:solidFill>
-                <a:latin typeface="Arial" panose="020B0604020202020204" pitchFamily="34" charset="0"/>
-                <a:cs typeface="Arial" panose="020B0604020202020204" pitchFamily="34" charset="0"/>
-              </a:rPr>
-              <a:t>The term </a:t>
-            </a:r>
-            <a:r>
-              <a:rPr lang="en-GB" sz="2200" b="1" dirty="0">
-                <a:solidFill>
-                  <a:schemeClr val="bg1">
-                    <a:lumMod val="95000"/>
-                    <a:lumOff val="5000"/>
-                  </a:schemeClr>
-                </a:solidFill>
-                <a:latin typeface="Arial" panose="020B0604020202020204" pitchFamily="34" charset="0"/>
-                <a:cs typeface="Arial" panose="020B0604020202020204" pitchFamily="34" charset="0"/>
-              </a:rPr>
-              <a:t>calibration</a:t>
-            </a:r>
-            <a:r>
-              <a:rPr lang="en-GB" sz="2200" dirty="0">
-                <a:solidFill>
-                  <a:schemeClr val="bg1">
-                    <a:lumMod val="95000"/>
-                    <a:lumOff val="5000"/>
-                  </a:schemeClr>
-                </a:solidFill>
-                <a:latin typeface="Arial" panose="020B0604020202020204" pitchFamily="34" charset="0"/>
-                <a:cs typeface="Arial" panose="020B0604020202020204" pitchFamily="34" charset="0"/>
-              </a:rPr>
-              <a:t> refers to how closely related your </a:t>
-            </a:r>
-            <a:r>
-              <a:rPr lang="en-GB" sz="2200" b="1" dirty="0">
-                <a:solidFill>
-                  <a:schemeClr val="bg1">
-                    <a:lumMod val="95000"/>
-                    <a:lumOff val="5000"/>
-                  </a:schemeClr>
-                </a:solidFill>
-                <a:latin typeface="Arial" panose="020B0604020202020204" pitchFamily="34" charset="0"/>
-                <a:cs typeface="Arial" panose="020B0604020202020204" pitchFamily="34" charset="0"/>
-              </a:rPr>
-              <a:t>confidence</a:t>
-            </a:r>
-            <a:r>
-              <a:rPr lang="en-GB" sz="2200" dirty="0">
-                <a:solidFill>
-                  <a:schemeClr val="bg1">
-                    <a:lumMod val="95000"/>
-                    <a:lumOff val="5000"/>
-                  </a:schemeClr>
-                </a:solidFill>
-                <a:latin typeface="Arial" panose="020B0604020202020204" pitchFamily="34" charset="0"/>
-                <a:cs typeface="Arial" panose="020B0604020202020204" pitchFamily="34" charset="0"/>
-              </a:rPr>
-              <a:t> and </a:t>
-            </a:r>
-            <a:r>
-              <a:rPr lang="en-GB" sz="2200" b="1" dirty="0">
-                <a:solidFill>
-                  <a:schemeClr val="bg1">
-                    <a:lumMod val="95000"/>
-                    <a:lumOff val="5000"/>
-                  </a:schemeClr>
-                </a:solidFill>
-                <a:latin typeface="Arial" panose="020B0604020202020204" pitchFamily="34" charset="0"/>
-                <a:cs typeface="Arial" panose="020B0604020202020204" pitchFamily="34" charset="0"/>
-              </a:rPr>
-              <a:t>accuracy</a:t>
-            </a:r>
-            <a:r>
-              <a:rPr lang="en-GB" sz="2200" dirty="0">
-                <a:solidFill>
-                  <a:schemeClr val="bg1">
-                    <a:lumMod val="95000"/>
-                    <a:lumOff val="5000"/>
-                  </a:schemeClr>
-                </a:solidFill>
-                <a:latin typeface="Arial" panose="020B0604020202020204" pitchFamily="34" charset="0"/>
-                <a:cs typeface="Arial" panose="020B0604020202020204" pitchFamily="34" charset="0"/>
-              </a:rPr>
-              <a:t> are. In the example above the marker is about </a:t>
-            </a:r>
-            <a:r>
-              <a:rPr lang="en-GB" sz="2200" b="1" dirty="0">
-                <a:solidFill>
-                  <a:schemeClr val="bg1">
-                    <a:lumMod val="95000"/>
-                    <a:lumOff val="5000"/>
-                  </a:schemeClr>
-                </a:solidFill>
-                <a:latin typeface="Arial" panose="020B0604020202020204" pitchFamily="34" charset="0"/>
-                <a:cs typeface="Arial" panose="020B0604020202020204" pitchFamily="34" charset="0"/>
-              </a:rPr>
-              <a:t>4/5ths </a:t>
-            </a:r>
-            <a:r>
-              <a:rPr lang="en-GB" sz="2200" dirty="0">
-                <a:solidFill>
-                  <a:schemeClr val="bg1">
-                    <a:lumMod val="95000"/>
-                    <a:lumOff val="5000"/>
-                  </a:schemeClr>
-                </a:solidFill>
-                <a:latin typeface="Arial" panose="020B0604020202020204" pitchFamily="34" charset="0"/>
-                <a:cs typeface="Arial" panose="020B0604020202020204" pitchFamily="34" charset="0"/>
-              </a:rPr>
-              <a:t>along the right bar. For every </a:t>
-            </a:r>
-            <a:r>
-              <a:rPr lang="en-GB" sz="2200" b="1" dirty="0">
-                <a:solidFill>
-                  <a:schemeClr val="bg1">
-                    <a:lumMod val="95000"/>
-                    <a:lumOff val="5000"/>
-                  </a:schemeClr>
-                </a:solidFill>
-                <a:latin typeface="Arial" panose="020B0604020202020204" pitchFamily="34" charset="0"/>
-                <a:cs typeface="Arial" panose="020B0604020202020204" pitchFamily="34" charset="0"/>
-              </a:rPr>
-              <a:t>5</a:t>
-            </a:r>
-            <a:r>
-              <a:rPr lang="en-GB" sz="2200" dirty="0">
-                <a:solidFill>
-                  <a:schemeClr val="bg1">
-                    <a:lumMod val="95000"/>
-                    <a:lumOff val="5000"/>
-                  </a:schemeClr>
-                </a:solidFill>
-                <a:latin typeface="Arial" panose="020B0604020202020204" pitchFamily="34" charset="0"/>
-                <a:cs typeface="Arial" panose="020B0604020202020204" pitchFamily="34" charset="0"/>
-              </a:rPr>
-              <a:t> times the person put their marker here we would hope the box on the right had most dots </a:t>
-            </a:r>
-            <a:r>
-              <a:rPr lang="en-GB" sz="2200" b="1" dirty="0">
-                <a:solidFill>
-                  <a:schemeClr val="bg1">
-                    <a:lumMod val="95000"/>
-                    <a:lumOff val="5000"/>
-                  </a:schemeClr>
-                </a:solidFill>
-                <a:latin typeface="Arial" panose="020B0604020202020204" pitchFamily="34" charset="0"/>
-                <a:cs typeface="Arial" panose="020B0604020202020204" pitchFamily="34" charset="0"/>
-              </a:rPr>
-              <a:t>4</a:t>
-            </a:r>
-            <a:r>
-              <a:rPr lang="en-GB" sz="2200" dirty="0">
-                <a:solidFill>
-                  <a:schemeClr val="bg1">
-                    <a:lumMod val="95000"/>
-                    <a:lumOff val="5000"/>
-                  </a:schemeClr>
-                </a:solidFill>
-                <a:latin typeface="Arial" panose="020B0604020202020204" pitchFamily="34" charset="0"/>
-                <a:cs typeface="Arial" panose="020B0604020202020204" pitchFamily="34" charset="0"/>
-              </a:rPr>
-              <a:t> times.</a:t>
-            </a:r>
-          </a:p>
-          <a:p>
-            <a:pPr algn="ctr"/>
-            <a:endParaRPr lang="en-GB" sz="2200" dirty="0">
-              <a:solidFill>
-                <a:schemeClr val="bg1">
-                  <a:lumMod val="95000"/>
-                  <a:lumOff val="5000"/>
-                </a:schemeClr>
-              </a:solidFill>
-              <a:latin typeface="Arial" panose="020B0604020202020204" pitchFamily="34" charset="0"/>
-              <a:cs typeface="Arial" panose="020B0604020202020204" pitchFamily="34" charset="0"/>
-            </a:endParaRPr>
-          </a:p>
-          <a:p>
-            <a:pPr algn="ctr"/>
-            <a:r>
-              <a:rPr lang="en-GB" sz="2200" dirty="0">
-                <a:solidFill>
-                  <a:schemeClr val="bg1">
-                    <a:lumMod val="95000"/>
-                    <a:lumOff val="5000"/>
-                  </a:schemeClr>
-                </a:solidFill>
-                <a:latin typeface="Arial" panose="020B0604020202020204" pitchFamily="34" charset="0"/>
-                <a:cs typeface="Arial" panose="020B0604020202020204" pitchFamily="34" charset="0"/>
-              </a:rPr>
-              <a:t>Your task has two parts: </a:t>
-            </a:r>
-          </a:p>
-          <a:p>
-            <a:pPr algn="ctr"/>
-            <a:r>
-              <a:rPr lang="en-GB" sz="2200" dirty="0">
-                <a:solidFill>
-                  <a:schemeClr val="bg1">
-                    <a:lumMod val="95000"/>
-                    <a:lumOff val="5000"/>
-                  </a:schemeClr>
-                </a:solidFill>
-                <a:latin typeface="Arial" panose="020B0604020202020204" pitchFamily="34" charset="0"/>
-                <a:cs typeface="Arial" panose="020B0604020202020204" pitchFamily="34" charset="0"/>
-              </a:rPr>
-              <a:t>You should try to identify which box has the most dots as </a:t>
-            </a:r>
-            <a:r>
-              <a:rPr lang="en-GB" sz="2200" b="1" dirty="0">
-                <a:solidFill>
-                  <a:schemeClr val="bg1">
-                    <a:lumMod val="95000"/>
-                    <a:lumOff val="5000"/>
-                  </a:schemeClr>
-                </a:solidFill>
-                <a:latin typeface="Arial" panose="020B0604020202020204" pitchFamily="34" charset="0"/>
-                <a:cs typeface="Arial" panose="020B0604020202020204" pitchFamily="34" charset="0"/>
-              </a:rPr>
-              <a:t>accurately</a:t>
-            </a:r>
-            <a:r>
-              <a:rPr lang="en-GB" sz="2200" dirty="0">
-                <a:solidFill>
-                  <a:schemeClr val="bg1">
-                    <a:lumMod val="95000"/>
-                    <a:lumOff val="5000"/>
-                  </a:schemeClr>
-                </a:solidFill>
-                <a:latin typeface="Arial" panose="020B0604020202020204" pitchFamily="34" charset="0"/>
-                <a:cs typeface="Arial" panose="020B0604020202020204" pitchFamily="34" charset="0"/>
-              </a:rPr>
-              <a:t> as possible.</a:t>
-            </a:r>
-          </a:p>
-          <a:p>
-            <a:pPr algn="ctr"/>
-            <a:r>
-              <a:rPr lang="en-GB" sz="2200" dirty="0">
-                <a:solidFill>
-                  <a:schemeClr val="bg1">
-                    <a:lumMod val="95000"/>
-                    <a:lumOff val="5000"/>
-                  </a:schemeClr>
-                </a:solidFill>
-                <a:latin typeface="Arial" panose="020B0604020202020204" pitchFamily="34" charset="0"/>
-                <a:cs typeface="Arial" panose="020B0604020202020204" pitchFamily="34" charset="0"/>
-              </a:rPr>
-              <a:t>You should try to indicate your confidence so that your </a:t>
-            </a:r>
-            <a:r>
-              <a:rPr lang="en-GB" sz="2200" b="1" dirty="0">
-                <a:solidFill>
-                  <a:schemeClr val="bg1">
-                    <a:lumMod val="95000"/>
-                    <a:lumOff val="5000"/>
-                  </a:schemeClr>
-                </a:solidFill>
-                <a:latin typeface="Arial" panose="020B0604020202020204" pitchFamily="34" charset="0"/>
-                <a:cs typeface="Arial" panose="020B0604020202020204" pitchFamily="34" charset="0"/>
-              </a:rPr>
-              <a:t>calibration</a:t>
-            </a:r>
-            <a:r>
-              <a:rPr lang="en-GB" sz="2200" dirty="0">
-                <a:solidFill>
-                  <a:schemeClr val="bg1">
-                    <a:lumMod val="95000"/>
-                    <a:lumOff val="5000"/>
-                  </a:schemeClr>
-                </a:solidFill>
-                <a:latin typeface="Arial" panose="020B0604020202020204" pitchFamily="34" charset="0"/>
-                <a:cs typeface="Arial" panose="020B0604020202020204" pitchFamily="34" charset="0"/>
-              </a:rPr>
-              <a:t> is as high as possible.</a:t>
-            </a:r>
-          </a:p>
-          <a:p>
-            <a:pPr algn="ctr"/>
-            <a:endParaRPr lang="en-GB" sz="2200" dirty="0">
-              <a:solidFill>
-                <a:schemeClr val="bg1">
-                  <a:lumMod val="95000"/>
-                  <a:lumOff val="5000"/>
-                </a:schemeClr>
-              </a:solidFill>
-              <a:latin typeface="Arial" panose="020B0604020202020204" pitchFamily="34" charset="0"/>
-              <a:cs typeface="Arial" panose="020B0604020202020204" pitchFamily="34" charset="0"/>
-            </a:endParaRPr>
-          </a:p>
-          <a:p>
-            <a:pPr algn="ctr"/>
-            <a:r>
-              <a:rPr lang="en-GB" sz="2200" dirty="0">
-                <a:solidFill>
-                  <a:schemeClr val="bg1">
-                    <a:lumMod val="95000"/>
-                    <a:lumOff val="5000"/>
-                  </a:schemeClr>
-                </a:solidFill>
-                <a:latin typeface="Arial" panose="020B0604020202020204" pitchFamily="34" charset="0"/>
-                <a:cs typeface="Arial" panose="020B0604020202020204" pitchFamily="34" charset="0"/>
-              </a:rPr>
-              <a:t>You should also try to use the whole width of each bar where appropriate.</a:t>
-            </a:r>
-          </a:p>
-        </p:txBody>
-      </p:sp>
       <p:sp>
         <p:nvSpPr>
           <p:cNvPr id="7" name="Title 1"/>
@@ -6531,7 +8438,7 @@
           <a:p>
             <a:pPr algn="ctr"/>
             <a:r>
-              <a:rPr lang="en-GB" sz="3600" dirty="0">
+              <a:rPr lang="en-GB" sz="3600" dirty="0" smtClean="0">
                 <a:solidFill>
                   <a:schemeClr val="accent1">
                     <a:lumMod val="50000"/>
@@ -6540,8 +8447,17 @@
                 <a:latin typeface="Arial" panose="020B0604020202020204" pitchFamily="34" charset="0"/>
                 <a:cs typeface="Arial" panose="020B0604020202020204" pitchFamily="34" charset="0"/>
               </a:rPr>
-              <a:t>Calibration</a:t>
-            </a:r>
+              <a:t>Strategy</a:t>
+            </a:r>
+            <a:endParaRPr lang="en-GB" sz="3600" dirty="0">
+              <a:solidFill>
+                <a:schemeClr val="accent1">
+                  <a:lumMod val="50000"/>
+                </a:schemeClr>
+              </a:solidFill>
+              <a:latin typeface="Arial" panose="020B0604020202020204" pitchFamily="34" charset="0"/>
+              <a:cs typeface="Arial" panose="020B0604020202020204" pitchFamily="34" charset="0"/>
+            </a:endParaRPr>
           </a:p>
         </p:txBody>
       </p:sp>
@@ -6638,6 +8554,479 @@
           </a:graphicData>
         </a:graphic>
       </p:graphicFrame>
+      <p:sp>
+        <p:nvSpPr>
+          <p:cNvPr id="9" name="TextBox 8"/>
+          <p:cNvSpPr txBox="1"/>
+          <p:nvPr/>
+        </p:nvSpPr>
+        <p:spPr>
+          <a:xfrm>
+            <a:off x="359044" y="2134015"/>
+            <a:ext cx="14902911" cy="4172553"/>
+          </a:xfrm>
+          <a:prstGeom prst="rect">
+            <a:avLst/>
+          </a:prstGeom>
+          <a:noFill/>
+        </p:spPr>
+        <p:txBody>
+          <a:bodyPr wrap="square" rtlCol="0">
+            <a:spAutoFit/>
+          </a:bodyPr>
+          <a:lstStyle/>
+          <a:p>
+            <a:pPr algn="ctr"/>
+            <a:r>
+              <a:rPr lang="en-GB" b="1" dirty="0">
+                <a:solidFill>
+                  <a:schemeClr val="bg1">
+                    <a:lumMod val="95000"/>
+                    <a:lumOff val="5000"/>
+                  </a:schemeClr>
+                </a:solidFill>
+                <a:latin typeface="Arial" panose="020B0604020202020204" pitchFamily="34" charset="0"/>
+                <a:cs typeface="Arial" panose="020B0604020202020204" pitchFamily="34" charset="0"/>
+              </a:rPr>
+              <a:t>Should I always place the cursor in the same position?</a:t>
+            </a:r>
+          </a:p>
+          <a:p>
+            <a:pPr algn="ctr"/>
+            <a:endParaRPr lang="en-GB" b="1" dirty="0">
+              <a:solidFill>
+                <a:schemeClr val="bg1">
+                  <a:lumMod val="95000"/>
+                  <a:lumOff val="5000"/>
+                </a:schemeClr>
+              </a:solidFill>
+              <a:latin typeface="Arial" panose="020B0604020202020204" pitchFamily="34" charset="0"/>
+              <a:cs typeface="Arial" panose="020B0604020202020204" pitchFamily="34" charset="0"/>
+            </a:endParaRPr>
+          </a:p>
+          <a:p>
+            <a:pPr algn="ctr"/>
+            <a:r>
+              <a:rPr lang="en-GB" sz="2800" dirty="0">
+                <a:solidFill>
+                  <a:schemeClr val="bg1">
+                    <a:lumMod val="95000"/>
+                    <a:lumOff val="5000"/>
+                  </a:schemeClr>
+                </a:solidFill>
+                <a:latin typeface="Arial" panose="020B0604020202020204" pitchFamily="34" charset="0"/>
+                <a:cs typeface="Arial" panose="020B0604020202020204" pitchFamily="34" charset="0"/>
+              </a:rPr>
+              <a:t>No!</a:t>
+            </a:r>
+          </a:p>
+          <a:p>
+            <a:pPr algn="ctr"/>
+            <a:r>
+              <a:rPr lang="en-GB" dirty="0">
+                <a:solidFill>
+                  <a:schemeClr val="bg1">
+                    <a:lumMod val="95000"/>
+                    <a:lumOff val="5000"/>
+                  </a:schemeClr>
+                </a:solidFill>
+                <a:latin typeface="Arial" panose="020B0604020202020204" pitchFamily="34" charset="0"/>
+                <a:cs typeface="Arial" panose="020B0604020202020204" pitchFamily="34" charset="0"/>
+              </a:rPr>
+              <a:t>Try not to be overconfident OR under-confident.  Please try to use the confidence scale in a meaningful way.</a:t>
+            </a:r>
+          </a:p>
+          <a:p>
+            <a:pPr algn="ctr"/>
+            <a:endParaRPr lang="en-GB" dirty="0">
+              <a:solidFill>
+                <a:schemeClr val="bg1">
+                  <a:lumMod val="95000"/>
+                  <a:lumOff val="5000"/>
+                </a:schemeClr>
+              </a:solidFill>
+              <a:latin typeface="Arial" panose="020B0604020202020204" pitchFamily="34" charset="0"/>
+              <a:cs typeface="Arial" panose="020B0604020202020204" pitchFamily="34" charset="0"/>
+            </a:endParaRPr>
+          </a:p>
+          <a:p>
+            <a:pPr algn="ctr"/>
+            <a:r>
+              <a:rPr lang="en-GB" b="1" dirty="0">
+                <a:solidFill>
+                  <a:schemeClr val="bg1">
+                    <a:lumMod val="95000"/>
+                    <a:lumOff val="5000"/>
+                  </a:schemeClr>
+                </a:solidFill>
+                <a:latin typeface="Arial" panose="020B0604020202020204" pitchFamily="34" charset="0"/>
+                <a:cs typeface="Arial" panose="020B0604020202020204" pitchFamily="34" charset="0"/>
+              </a:rPr>
+              <a:t>What is the best strategy?</a:t>
+            </a:r>
+          </a:p>
+          <a:p>
+            <a:pPr algn="ctr"/>
+            <a:endParaRPr lang="en-GB" b="1" dirty="0">
+              <a:solidFill>
+                <a:schemeClr val="bg1">
+                  <a:lumMod val="95000"/>
+                  <a:lumOff val="5000"/>
+                </a:schemeClr>
+              </a:solidFill>
+              <a:latin typeface="Arial" panose="020B0604020202020204" pitchFamily="34" charset="0"/>
+              <a:cs typeface="Arial" panose="020B0604020202020204" pitchFamily="34" charset="0"/>
+            </a:endParaRPr>
+          </a:p>
+          <a:p>
+            <a:pPr algn="ctr"/>
+            <a:r>
+              <a:rPr lang="en-GB" dirty="0">
+                <a:solidFill>
+                  <a:schemeClr val="bg1">
+                    <a:lumMod val="95000"/>
+                    <a:lumOff val="5000"/>
+                  </a:schemeClr>
+                </a:solidFill>
+                <a:latin typeface="Arial" panose="020B0604020202020204" pitchFamily="34" charset="0"/>
+                <a:cs typeface="Arial" panose="020B0604020202020204" pitchFamily="34" charset="0"/>
+              </a:rPr>
+              <a:t>The best strategy </a:t>
+            </a:r>
+            <a:r>
+              <a:rPr lang="en-GB" dirty="0" smtClean="0">
+                <a:solidFill>
+                  <a:schemeClr val="bg1">
+                    <a:lumMod val="95000"/>
+                    <a:lumOff val="5000"/>
+                  </a:schemeClr>
+                </a:solidFill>
+                <a:latin typeface="Arial" panose="020B0604020202020204" pitchFamily="34" charset="0"/>
+                <a:cs typeface="Arial" panose="020B0604020202020204" pitchFamily="34" charset="0"/>
+              </a:rPr>
+              <a:t>is:</a:t>
+            </a:r>
+            <a:endParaRPr lang="en-GB" dirty="0">
+              <a:solidFill>
+                <a:schemeClr val="bg1">
+                  <a:lumMod val="95000"/>
+                  <a:lumOff val="5000"/>
+                </a:schemeClr>
+              </a:solidFill>
+              <a:latin typeface="Arial" panose="020B0604020202020204" pitchFamily="34" charset="0"/>
+              <a:cs typeface="Arial" panose="020B0604020202020204" pitchFamily="34" charset="0"/>
+            </a:endParaRPr>
+          </a:p>
+          <a:p>
+            <a:pPr algn="ctr"/>
+            <a:r>
+              <a:rPr lang="en-GB" dirty="0" smtClean="0">
+                <a:solidFill>
+                  <a:schemeClr val="bg1">
+                    <a:lumMod val="95000"/>
+                    <a:lumOff val="5000"/>
+                  </a:schemeClr>
+                </a:solidFill>
+                <a:latin typeface="Arial" panose="020B0604020202020204" pitchFamily="34" charset="0"/>
+                <a:cs typeface="Arial" panose="020B0604020202020204" pitchFamily="34" charset="0"/>
+              </a:rPr>
+              <a:t>go </a:t>
+            </a:r>
+            <a:r>
+              <a:rPr lang="en-GB" dirty="0">
+                <a:solidFill>
+                  <a:schemeClr val="bg1">
+                    <a:lumMod val="95000"/>
+                    <a:lumOff val="5000"/>
+                  </a:schemeClr>
+                </a:solidFill>
+                <a:latin typeface="Arial" panose="020B0604020202020204" pitchFamily="34" charset="0"/>
+                <a:cs typeface="Arial" panose="020B0604020202020204" pitchFamily="34" charset="0"/>
+              </a:rPr>
+              <a:t>toward the </a:t>
+            </a:r>
+            <a:r>
+              <a:rPr lang="en-GB" b="1" dirty="0">
+                <a:solidFill>
+                  <a:schemeClr val="bg1">
+                    <a:lumMod val="95000"/>
+                    <a:lumOff val="5000"/>
+                  </a:schemeClr>
+                </a:solidFill>
+                <a:latin typeface="Arial" panose="020B0604020202020204" pitchFamily="34" charset="0"/>
+                <a:cs typeface="Arial" panose="020B0604020202020204" pitchFamily="34" charset="0"/>
+              </a:rPr>
+              <a:t>extremes</a:t>
+            </a:r>
+            <a:r>
+              <a:rPr lang="en-GB" dirty="0">
+                <a:solidFill>
+                  <a:schemeClr val="bg1">
+                    <a:lumMod val="95000"/>
+                    <a:lumOff val="5000"/>
+                  </a:schemeClr>
+                </a:solidFill>
+                <a:latin typeface="Arial" panose="020B0604020202020204" pitchFamily="34" charset="0"/>
+                <a:cs typeface="Arial" panose="020B0604020202020204" pitchFamily="34" charset="0"/>
+              </a:rPr>
+              <a:t> of the scale </a:t>
+            </a:r>
+            <a:r>
+              <a:rPr lang="en-GB" b="1" dirty="0">
+                <a:solidFill>
+                  <a:schemeClr val="bg1">
+                    <a:lumMod val="95000"/>
+                    <a:lumOff val="5000"/>
+                  </a:schemeClr>
+                </a:solidFill>
+                <a:latin typeface="Arial" panose="020B0604020202020204" pitchFamily="34" charset="0"/>
+                <a:cs typeface="Arial" panose="020B0604020202020204" pitchFamily="34" charset="0"/>
+              </a:rPr>
+              <a:t>only</a:t>
+            </a:r>
+            <a:r>
+              <a:rPr lang="en-GB" dirty="0">
+                <a:solidFill>
+                  <a:schemeClr val="bg1">
+                    <a:lumMod val="95000"/>
+                    <a:lumOff val="5000"/>
+                  </a:schemeClr>
+                </a:solidFill>
+                <a:latin typeface="Arial" panose="020B0604020202020204" pitchFamily="34" charset="0"/>
+                <a:cs typeface="Arial" panose="020B0604020202020204" pitchFamily="34" charset="0"/>
+              </a:rPr>
+              <a:t> when you are </a:t>
+            </a:r>
+            <a:r>
+              <a:rPr lang="en-GB" b="1" dirty="0">
+                <a:solidFill>
+                  <a:schemeClr val="bg1">
+                    <a:lumMod val="95000"/>
+                    <a:lumOff val="5000"/>
+                  </a:schemeClr>
+                </a:solidFill>
+                <a:latin typeface="Arial" panose="020B0604020202020204" pitchFamily="34" charset="0"/>
+                <a:cs typeface="Arial" panose="020B0604020202020204" pitchFamily="34" charset="0"/>
+              </a:rPr>
+              <a:t>truly confident</a:t>
+            </a:r>
+            <a:r>
+              <a:rPr lang="en-GB" dirty="0">
+                <a:solidFill>
+                  <a:schemeClr val="bg1">
+                    <a:lumMod val="95000"/>
+                    <a:lumOff val="5000"/>
+                  </a:schemeClr>
+                </a:solidFill>
+                <a:latin typeface="Arial" panose="020B0604020202020204" pitchFamily="34" charset="0"/>
+                <a:cs typeface="Arial" panose="020B0604020202020204" pitchFamily="34" charset="0"/>
+              </a:rPr>
+              <a:t> or</a:t>
+            </a:r>
+          </a:p>
+          <a:p>
+            <a:pPr algn="ctr"/>
+            <a:r>
+              <a:rPr lang="en-GB" dirty="0" smtClean="0">
+                <a:solidFill>
+                  <a:schemeClr val="bg1">
+                    <a:lumMod val="95000"/>
+                    <a:lumOff val="5000"/>
+                  </a:schemeClr>
+                </a:solidFill>
+                <a:latin typeface="Arial" panose="020B0604020202020204" pitchFamily="34" charset="0"/>
+                <a:cs typeface="Arial" panose="020B0604020202020204" pitchFamily="34" charset="0"/>
+              </a:rPr>
+              <a:t>go </a:t>
+            </a:r>
+            <a:r>
+              <a:rPr lang="en-GB" dirty="0">
+                <a:solidFill>
+                  <a:schemeClr val="bg1">
+                    <a:lumMod val="95000"/>
+                    <a:lumOff val="5000"/>
+                  </a:schemeClr>
+                </a:solidFill>
+                <a:latin typeface="Arial" panose="020B0604020202020204" pitchFamily="34" charset="0"/>
+                <a:cs typeface="Arial" panose="020B0604020202020204" pitchFamily="34" charset="0"/>
+              </a:rPr>
+              <a:t>toward the </a:t>
+            </a:r>
+            <a:r>
+              <a:rPr lang="en-GB" b="1" dirty="0">
+                <a:solidFill>
+                  <a:schemeClr val="bg1">
+                    <a:lumMod val="95000"/>
+                    <a:lumOff val="5000"/>
+                  </a:schemeClr>
+                </a:solidFill>
+                <a:latin typeface="Arial" panose="020B0604020202020204" pitchFamily="34" charset="0"/>
+                <a:cs typeface="Arial" panose="020B0604020202020204" pitchFamily="34" charset="0"/>
+              </a:rPr>
+              <a:t>middle</a:t>
+            </a:r>
+            <a:r>
+              <a:rPr lang="en-GB" dirty="0">
+                <a:solidFill>
+                  <a:schemeClr val="bg1">
+                    <a:lumMod val="95000"/>
+                    <a:lumOff val="5000"/>
+                  </a:schemeClr>
+                </a:solidFill>
+                <a:latin typeface="Arial" panose="020B0604020202020204" pitchFamily="34" charset="0"/>
+                <a:cs typeface="Arial" panose="020B0604020202020204" pitchFamily="34" charset="0"/>
+              </a:rPr>
+              <a:t> of the scale </a:t>
+            </a:r>
+            <a:r>
+              <a:rPr lang="en-GB" b="1" dirty="0">
+                <a:solidFill>
+                  <a:schemeClr val="bg1">
+                    <a:lumMod val="95000"/>
+                    <a:lumOff val="5000"/>
+                  </a:schemeClr>
+                </a:solidFill>
+                <a:latin typeface="Arial" panose="020B0604020202020204" pitchFamily="34" charset="0"/>
+                <a:cs typeface="Arial" panose="020B0604020202020204" pitchFamily="34" charset="0"/>
+              </a:rPr>
+              <a:t>only</a:t>
+            </a:r>
+            <a:r>
+              <a:rPr lang="en-GB" dirty="0">
+                <a:solidFill>
+                  <a:schemeClr val="bg1">
+                    <a:lumMod val="95000"/>
+                    <a:lumOff val="5000"/>
+                  </a:schemeClr>
+                </a:solidFill>
+                <a:latin typeface="Arial" panose="020B0604020202020204" pitchFamily="34" charset="0"/>
+                <a:cs typeface="Arial" panose="020B0604020202020204" pitchFamily="34" charset="0"/>
+              </a:rPr>
+              <a:t> when you are </a:t>
+            </a:r>
+            <a:r>
+              <a:rPr lang="en-GB" b="1" dirty="0">
+                <a:solidFill>
+                  <a:schemeClr val="bg1">
+                    <a:lumMod val="95000"/>
+                    <a:lumOff val="5000"/>
+                  </a:schemeClr>
+                </a:solidFill>
+                <a:latin typeface="Arial" panose="020B0604020202020204" pitchFamily="34" charset="0"/>
+                <a:cs typeface="Arial" panose="020B0604020202020204" pitchFamily="34" charset="0"/>
+              </a:rPr>
+              <a:t>truly unsure</a:t>
+            </a:r>
+            <a:r>
+              <a:rPr lang="en-GB" dirty="0">
+                <a:solidFill>
+                  <a:schemeClr val="bg1">
+                    <a:lumMod val="95000"/>
+                    <a:lumOff val="5000"/>
+                  </a:schemeClr>
+                </a:solidFill>
+                <a:latin typeface="Arial" panose="020B0604020202020204" pitchFamily="34" charset="0"/>
+                <a:cs typeface="Arial" panose="020B0604020202020204" pitchFamily="34" charset="0"/>
+              </a:rPr>
+              <a:t>.</a:t>
+            </a:r>
+          </a:p>
+          <a:p>
+            <a:pPr algn="ctr"/>
+            <a:endParaRPr lang="en-GB" dirty="0">
+              <a:solidFill>
+                <a:schemeClr val="bg1">
+                  <a:lumMod val="95000"/>
+                  <a:lumOff val="5000"/>
+                </a:schemeClr>
+              </a:solidFill>
+              <a:latin typeface="Arial" panose="020B0604020202020204" pitchFamily="34" charset="0"/>
+              <a:cs typeface="Arial" panose="020B0604020202020204" pitchFamily="34" charset="0"/>
+            </a:endParaRPr>
+          </a:p>
+          <a:p>
+            <a:pPr algn="ctr"/>
+            <a:r>
+              <a:rPr lang="en-GB" dirty="0">
+                <a:solidFill>
+                  <a:schemeClr val="bg1">
+                    <a:lumMod val="95000"/>
+                    <a:lumOff val="5000"/>
+                  </a:schemeClr>
+                </a:solidFill>
+                <a:latin typeface="Arial" panose="020B0604020202020204" pitchFamily="34" charset="0"/>
+                <a:cs typeface="Arial" panose="020B0604020202020204" pitchFamily="34" charset="0"/>
+              </a:rPr>
+              <a:t>The best way to do this task is thus to </a:t>
+            </a:r>
+            <a:r>
+              <a:rPr lang="en-GB" b="1" dirty="0" smtClean="0">
+                <a:solidFill>
+                  <a:schemeClr val="bg1">
+                    <a:lumMod val="95000"/>
+                    <a:lumOff val="5000"/>
+                  </a:schemeClr>
+                </a:solidFill>
+                <a:latin typeface="Arial" panose="020B0604020202020204" pitchFamily="34" charset="0"/>
+                <a:cs typeface="Arial" panose="020B0604020202020204" pitchFamily="34" charset="0"/>
+              </a:rPr>
+              <a:t>honestly</a:t>
+            </a:r>
+            <a:r>
+              <a:rPr lang="en-GB" i="1" dirty="0" smtClean="0">
+                <a:solidFill>
+                  <a:schemeClr val="bg1">
+                    <a:lumMod val="95000"/>
+                    <a:lumOff val="5000"/>
+                  </a:schemeClr>
+                </a:solidFill>
+                <a:latin typeface="Arial" panose="020B0604020202020204" pitchFamily="34" charset="0"/>
+                <a:cs typeface="Arial" panose="020B0604020202020204" pitchFamily="34" charset="0"/>
+              </a:rPr>
+              <a:t> </a:t>
+            </a:r>
+            <a:r>
+              <a:rPr lang="en-GB" dirty="0">
+                <a:solidFill>
+                  <a:schemeClr val="bg1">
+                    <a:lumMod val="95000"/>
+                    <a:lumOff val="5000"/>
+                  </a:schemeClr>
+                </a:solidFill>
+                <a:latin typeface="Arial" panose="020B0604020202020204" pitchFamily="34" charset="0"/>
+                <a:cs typeface="Arial" panose="020B0604020202020204" pitchFamily="34" charset="0"/>
+              </a:rPr>
+              <a:t>report </a:t>
+            </a:r>
+            <a:r>
+              <a:rPr lang="en-GB" dirty="0" smtClean="0">
+                <a:solidFill>
+                  <a:schemeClr val="bg1">
+                    <a:lumMod val="95000"/>
+                    <a:lumOff val="5000"/>
+                  </a:schemeClr>
+                </a:solidFill>
+                <a:latin typeface="Arial" panose="020B0604020202020204" pitchFamily="34" charset="0"/>
+                <a:cs typeface="Arial" panose="020B0604020202020204" pitchFamily="34" charset="0"/>
+              </a:rPr>
+              <a:t>how sure you are you chose correctly using </a:t>
+            </a:r>
+            <a:r>
+              <a:rPr lang="en-GB" dirty="0">
+                <a:solidFill>
+                  <a:schemeClr val="bg1">
+                    <a:lumMod val="95000"/>
+                    <a:lumOff val="5000"/>
+                  </a:schemeClr>
+                </a:solidFill>
+                <a:latin typeface="Arial" panose="020B0604020202020204" pitchFamily="34" charset="0"/>
+                <a:cs typeface="Arial" panose="020B0604020202020204" pitchFamily="34" charset="0"/>
+              </a:rPr>
+              <a:t>the confidence scale.</a:t>
+            </a:r>
+          </a:p>
+        </p:txBody>
+      </p:sp>
     </p:spTree>
     <p:extLst>
       <p:ext uri="{BB962C8B-B14F-4D97-AF65-F5344CB8AC3E}">
@@ -6651,7 +9040,7 @@
 </p:sld>
 </file>
 
-<file path=ppt/slides/slide5.xml><?xml version="1.0" encoding="utf-8"?>
+<file path=ppt/slides/slide8.xml><?xml version="1.0" encoding="utf-8"?>
 <p:sld xmlns:a="http://schemas.openxmlformats.org/drawingml/2006/main" xmlns:r="http://schemas.openxmlformats.org/officeDocument/2006/relationships" xmlns:p="http://schemas.openxmlformats.org/presentationml/2006/main">
   <p:cSld>
     <p:spTree>
@@ -6851,17 +9240,30 @@
               <a:t> and </a:t>
             </a:r>
             <a:r>
-              <a:rPr lang="en-US" sz="2200" b="1" dirty="0">
-                <a:solidFill>
-                  <a:schemeClr val="bg1">
-                    <a:lumMod val="95000"/>
-                    <a:lumOff val="5000"/>
-                  </a:schemeClr>
-                </a:solidFill>
-                <a:latin typeface="Arial" panose="020B0604020202020204" pitchFamily="34" charset="0"/>
-                <a:cs typeface="Arial" panose="020B0604020202020204" pitchFamily="34" charset="0"/>
-              </a:rPr>
-              <a:t>calibrated</a:t>
+              <a:rPr lang="en-US" sz="2200" b="1" dirty="0" smtClean="0">
+                <a:solidFill>
+                  <a:schemeClr val="bg1">
+                    <a:lumMod val="95000"/>
+                    <a:lumOff val="5000"/>
+                  </a:schemeClr>
+                </a:solidFill>
+                <a:latin typeface="Arial" panose="020B0604020202020204" pitchFamily="34" charset="0"/>
+                <a:cs typeface="Arial" panose="020B0604020202020204" pitchFamily="34" charset="0"/>
+              </a:rPr>
+              <a:t>honest</a:t>
+            </a:r>
+            <a:r>
+              <a:rPr lang="en-US" sz="2200" dirty="0" smtClean="0">
+                <a:solidFill>
+                  <a:schemeClr val="bg1">
+                    <a:lumMod val="95000"/>
+                    <a:lumOff val="5000"/>
+                  </a:schemeClr>
+                </a:solidFill>
+                <a:latin typeface="Arial" panose="020B0604020202020204" pitchFamily="34" charset="0"/>
+                <a:cs typeface="Arial" panose="020B0604020202020204" pitchFamily="34" charset="0"/>
+              </a:rPr>
+              <a:t> </a:t>
             </a:r>
             <a:r>
               <a:rPr lang="en-US" sz="2200" dirty="0">
@@ -6874,7 +9276,7 @@
                 <a:latin typeface="Arial" panose="020B0604020202020204" pitchFamily="34" charset="0"/>
                 <a:cs typeface="Arial" panose="020B0604020202020204" pitchFamily="34" charset="0"/>
               </a:rPr>
-              <a:t> as you can!</a:t>
+              <a:t>as you can!</a:t>
             </a:r>
             <a:endParaRPr lang="en-GB" sz="2200" dirty="0">
               <a:solidFill>
@@ -7249,7 +9651,7 @@
 </p:sld>
 </file>
 
-<file path=ppt/slides/slide6.xml><?xml version="1.0" encoding="utf-8"?>
+<file path=ppt/slides/slide9.xml><?xml version="1.0" encoding="utf-8"?>
 <p:sld xmlns:a="http://schemas.openxmlformats.org/drawingml/2006/main" xmlns:r="http://schemas.openxmlformats.org/officeDocument/2006/relationships" xmlns:p="http://schemas.openxmlformats.org/presentationml/2006/main">
   <p:cSld>
     <p:spTree>
@@ -7521,1502 +9923,6 @@
     <p:extLst>
       <p:ext uri="{BB962C8B-B14F-4D97-AF65-F5344CB8AC3E}">
         <p14:creationId xmlns:p14="http://schemas.microsoft.com/office/powerpoint/2010/main" val="1598829624"/>
-      </p:ext>
-    </p:extLst>
-  </p:cSld>
-  <p:clrMapOvr>
-    <a:masterClrMapping/>
-  </p:clrMapOvr>
-</p:sld>
-</file>
-
-<file path=ppt/slides/slide7.xml><?xml version="1.0" encoding="utf-8"?>
-<p:sld xmlns:a="http://schemas.openxmlformats.org/drawingml/2006/main" xmlns:r="http://schemas.openxmlformats.org/officeDocument/2006/relationships" xmlns:p="http://schemas.openxmlformats.org/presentationml/2006/main">
-  <p:cSld>
-    <p:spTree>
-      <p:nvGrpSpPr>
-        <p:cNvPr id="1" name=""/>
-        <p:cNvGrpSpPr/>
-        <p:nvPr/>
-      </p:nvGrpSpPr>
-      <p:grpSpPr>
-        <a:xfrm>
-          <a:off x="0" y="0"/>
-          <a:ext cx="0" cy="0"/>
-          <a:chOff x="0" y="0"/>
-          <a:chExt cx="0" cy="0"/>
-        </a:xfrm>
-      </p:grpSpPr>
-      <p:sp>
-        <p:nvSpPr>
-          <p:cNvPr id="2" name="Title 1"/>
-          <p:cNvSpPr txBox="1">
-            <a:spLocks/>
-          </p:cNvSpPr>
-          <p:nvPr/>
-        </p:nvSpPr>
-        <p:spPr>
-          <a:xfrm>
-            <a:off x="-1" y="12936"/>
-            <a:ext cx="15624176" cy="772588"/>
-          </a:xfrm>
-          <a:prstGeom prst="rect">
-            <a:avLst/>
-          </a:prstGeom>
-        </p:spPr>
-        <p:txBody>
-          <a:bodyPr>
-            <a:normAutofit/>
-          </a:bodyPr>
-          <a:lstStyle>
-            <a:lvl1pPr algn="l" defTabSz="480060" rtl="0" eaLnBrk="1" latinLnBrk="0" hangingPunct="1">
-              <a:lnSpc>
-                <a:spcPct val="90000"/>
-              </a:lnSpc>
-              <a:spcBef>
-                <a:spcPct val="0"/>
-              </a:spcBef>
-              <a:buNone/>
-              <a:defRPr sz="2310" kern="1200">
-                <a:solidFill>
-                  <a:schemeClr val="tx1"/>
-                </a:solidFill>
-                <a:latin typeface="+mj-lt"/>
-                <a:ea typeface="+mj-ea"/>
-                <a:cs typeface="+mj-cs"/>
-              </a:defRPr>
-            </a:lvl1pPr>
-          </a:lstStyle>
-          <a:p>
-            <a:pPr algn="ctr"/>
-            <a:r>
-              <a:rPr lang="en-GB" sz="3600" dirty="0">
-                <a:solidFill>
-                  <a:schemeClr val="accent1">
-                    <a:lumMod val="50000"/>
-                  </a:schemeClr>
-                </a:solidFill>
-                <a:latin typeface="Arial" panose="020B0604020202020204" pitchFamily="34" charset="0"/>
-                <a:cs typeface="Arial" panose="020B0604020202020204" pitchFamily="34" charset="0"/>
-              </a:rPr>
-              <a:t>Well done</a:t>
-            </a:r>
-            <a:r>
-              <a:rPr lang="de-DE" sz="3600" dirty="0">
-                <a:solidFill>
-                  <a:schemeClr val="accent1">
-                    <a:lumMod val="50000"/>
-                  </a:schemeClr>
-                </a:solidFill>
-                <a:latin typeface="Arial" panose="020B0604020202020204" pitchFamily="34" charset="0"/>
-                <a:cs typeface="Arial" panose="020B0604020202020204" pitchFamily="34" charset="0"/>
-              </a:rPr>
-              <a:t>!</a:t>
-            </a:r>
-            <a:endParaRPr lang="en-GB" sz="3600" dirty="0">
-              <a:solidFill>
-                <a:schemeClr val="accent1">
-                  <a:lumMod val="50000"/>
-                </a:schemeClr>
-              </a:solidFill>
-              <a:latin typeface="Arial" panose="020B0604020202020204" pitchFamily="34" charset="0"/>
-              <a:cs typeface="Arial" panose="020B0604020202020204" pitchFamily="34" charset="0"/>
-            </a:endParaRPr>
-          </a:p>
-        </p:txBody>
-      </p:sp>
-      <p:sp>
-        <p:nvSpPr>
-          <p:cNvPr id="3" name="Rectangle 2"/>
-          <p:cNvSpPr/>
-          <p:nvPr/>
-        </p:nvSpPr>
-        <p:spPr>
-          <a:xfrm>
-            <a:off x="50681" y="700675"/>
-            <a:ext cx="15621000" cy="2462213"/>
-          </a:xfrm>
-          <a:prstGeom prst="rect">
-            <a:avLst/>
-          </a:prstGeom>
-        </p:spPr>
-        <p:txBody>
-          <a:bodyPr wrap="square">
-            <a:spAutoFit/>
-          </a:bodyPr>
-          <a:lstStyle/>
-          <a:p>
-            <a:pPr algn="ctr"/>
-            <a:r>
-              <a:rPr lang="en-US" sz="2200" dirty="0">
-                <a:solidFill>
-                  <a:schemeClr val="bg1">
-                    <a:lumMod val="95000"/>
-                    <a:lumOff val="5000"/>
-                  </a:schemeClr>
-                </a:solidFill>
-                <a:latin typeface="Arial" panose="020B0604020202020204" pitchFamily="34" charset="0"/>
-                <a:cs typeface="Arial" panose="020B0604020202020204" pitchFamily="34" charset="0"/>
-              </a:rPr>
-              <a:t>From now on you will receive advice on your decisions from </a:t>
-            </a:r>
-            <a:r>
-              <a:rPr lang="en-US" sz="2200" b="1" dirty="0">
-                <a:solidFill>
-                  <a:schemeClr val="bg1">
-                    <a:lumMod val="95000"/>
-                    <a:lumOff val="5000"/>
-                  </a:schemeClr>
-                </a:solidFill>
-                <a:latin typeface="Arial" panose="020B0604020202020204" pitchFamily="34" charset="0"/>
-                <a:cs typeface="Arial" panose="020B0604020202020204" pitchFamily="34" charset="0"/>
-              </a:rPr>
-              <a:t>virtual agents</a:t>
-            </a:r>
-            <a:r>
-              <a:rPr lang="en-US" sz="2200" dirty="0">
-                <a:solidFill>
-                  <a:schemeClr val="bg1">
-                    <a:lumMod val="95000"/>
-                    <a:lumOff val="5000"/>
-                  </a:schemeClr>
-                </a:solidFill>
-                <a:latin typeface="Arial" panose="020B0604020202020204" pitchFamily="34" charset="0"/>
-                <a:cs typeface="Arial" panose="020B0604020202020204" pitchFamily="34" charset="0"/>
-              </a:rPr>
-              <a:t>. </a:t>
-            </a:r>
-          </a:p>
-          <a:p>
-            <a:pPr algn="ctr"/>
-            <a:endParaRPr lang="en-US" sz="2200" dirty="0">
-              <a:solidFill>
-                <a:schemeClr val="bg1">
-                  <a:lumMod val="95000"/>
-                  <a:lumOff val="5000"/>
-                </a:schemeClr>
-              </a:solidFill>
-              <a:latin typeface="Arial" panose="020B0604020202020204" pitchFamily="34" charset="0"/>
-              <a:cs typeface="Arial" panose="020B0604020202020204" pitchFamily="34" charset="0"/>
-            </a:endParaRPr>
-          </a:p>
-          <a:p>
-            <a:pPr algn="ctr"/>
-            <a:r>
-              <a:rPr lang="en-US" sz="2200" dirty="0">
-                <a:solidFill>
-                  <a:schemeClr val="bg1">
-                    <a:lumMod val="95000"/>
-                    <a:lumOff val="5000"/>
-                  </a:schemeClr>
-                </a:solidFill>
-                <a:latin typeface="Arial" panose="020B0604020202020204" pitchFamily="34" charset="0"/>
-                <a:cs typeface="Arial" panose="020B0604020202020204" pitchFamily="34" charset="0"/>
-              </a:rPr>
-              <a:t>These virtual agents are performing the same task as you do, and they will inform you as to whether they think the box with the most dots was on the left or the right.</a:t>
-            </a:r>
-          </a:p>
-          <a:p>
-            <a:pPr algn="ctr"/>
-            <a:endParaRPr lang="en-US" sz="2200" dirty="0">
-              <a:solidFill>
-                <a:schemeClr val="bg1">
-                  <a:lumMod val="95000"/>
-                  <a:lumOff val="5000"/>
-                </a:schemeClr>
-              </a:solidFill>
-              <a:latin typeface="Arial" panose="020B0604020202020204" pitchFamily="34" charset="0"/>
-              <a:cs typeface="Arial" panose="020B0604020202020204" pitchFamily="34" charset="0"/>
-            </a:endParaRPr>
-          </a:p>
-          <a:p>
-            <a:pPr algn="ctr"/>
-            <a:r>
-              <a:rPr lang="en-GB" sz="2200" dirty="0">
-                <a:solidFill>
-                  <a:schemeClr val="bg1">
-                    <a:lumMod val="95000"/>
-                    <a:lumOff val="5000"/>
-                  </a:schemeClr>
-                </a:solidFill>
-                <a:latin typeface="Arial" panose="020B0604020202020204" pitchFamily="34" charset="0"/>
-                <a:cs typeface="Arial" panose="020B0604020202020204" pitchFamily="34" charset="0"/>
-              </a:rPr>
-              <a:t>You will see the boxes and place your marker as before.</a:t>
-            </a:r>
-          </a:p>
-          <a:p>
-            <a:pPr algn="ctr"/>
-            <a:endParaRPr lang="en-GB" sz="2200" dirty="0">
-              <a:solidFill>
-                <a:schemeClr val="bg1">
-                  <a:lumMod val="95000"/>
-                  <a:lumOff val="5000"/>
-                </a:schemeClr>
-              </a:solidFill>
-              <a:latin typeface="Arial" panose="020B0604020202020204" pitchFamily="34" charset="0"/>
-              <a:cs typeface="Arial" panose="020B0604020202020204" pitchFamily="34" charset="0"/>
-            </a:endParaRPr>
-          </a:p>
-        </p:txBody>
-      </p:sp>
-      <p:graphicFrame>
-        <p:nvGraphicFramePr>
-          <p:cNvPr id="4" name="Table 3"/>
-          <p:cNvGraphicFramePr>
-            <a:graphicFrameLocks noGrp="1"/>
-          </p:cNvGraphicFramePr>
-          <p:nvPr>
-            <p:extLst>
-              <p:ext uri="{D42A27DB-BD31-4B8C-83A1-F6EECF244321}">
-                <p14:modId xmlns:p14="http://schemas.microsoft.com/office/powerpoint/2010/main" val="2604197253"/>
-              </p:ext>
-            </p:extLst>
-          </p:nvPr>
-        </p:nvGraphicFramePr>
-        <p:xfrm>
-          <a:off x="-1" y="6493100"/>
-          <a:ext cx="15621000" cy="680604"/>
-        </p:xfrm>
-        <a:graphic>
-          <a:graphicData uri="http://schemas.openxmlformats.org/drawingml/2006/table">
-            <a:tbl>
-              <a:tblPr firstRow="1" bandRow="1">
-                <a:tableStyleId>{2D5ABB26-0587-4C30-8999-92F81FD0307C}</a:tableStyleId>
-              </a:tblPr>
-              <a:tblGrid>
-                <a:gridCol w="15621000">
-                  <a:extLst>
-                    <a:ext uri="{9D8B030D-6E8A-4147-A177-3AD203B41FA5}">
-                      <a16:colId xmlns:a16="http://schemas.microsoft.com/office/drawing/2014/main" val="1309862621"/>
-                    </a:ext>
-                  </a:extLst>
-                </a:gridCol>
-              </a:tblGrid>
-              <a:tr h="680604">
-                <a:tc>
-                  <a:txBody>
-                    <a:bodyPr/>
-                    <a:lstStyle/>
-                    <a:p>
-                      <a:pPr algn="ctr"/>
-                      <a:r>
-                        <a:rPr lang="en-GB" sz="3200" i="1" dirty="0" smtClean="0"/>
-                        <a:t>any</a:t>
-                      </a:r>
-                      <a:r>
-                        <a:rPr lang="en-GB" sz="3200" i="1" baseline="0" dirty="0" smtClean="0"/>
-                        <a:t> key</a:t>
-                      </a:r>
-                      <a:r>
-                        <a:rPr lang="en-GB" sz="3200" i="0" baseline="0" dirty="0" smtClean="0"/>
-                        <a:t>: Next</a:t>
-                      </a:r>
-                      <a:endParaRPr lang="en-GB" sz="3200" i="1" dirty="0"/>
-                    </a:p>
-                  </a:txBody>
-                  <a:tcPr marL="182880" marR="182880" marT="91440" marB="91440"/>
-                </a:tc>
-                <a:extLst>
-                  <a:ext uri="{0D108BD9-81ED-4DB2-BD59-A6C34878D82A}">
-                    <a16:rowId xmlns:a16="http://schemas.microsoft.com/office/drawing/2014/main" val="610358735"/>
-                  </a:ext>
-                </a:extLst>
-              </a:tr>
-            </a:tbl>
-          </a:graphicData>
-        </a:graphic>
-      </p:graphicFrame>
-    </p:spTree>
-    <p:extLst>
-      <p:ext uri="{BB962C8B-B14F-4D97-AF65-F5344CB8AC3E}">
-        <p14:creationId xmlns:p14="http://schemas.microsoft.com/office/powerpoint/2010/main" val="1196679752"/>
-      </p:ext>
-    </p:extLst>
-  </p:cSld>
-  <p:clrMapOvr>
-    <a:masterClrMapping/>
-  </p:clrMapOvr>
-</p:sld>
-</file>
-
-<file path=ppt/slides/slide8.xml><?xml version="1.0" encoding="utf-8"?>
-<p:sld xmlns:a="http://schemas.openxmlformats.org/drawingml/2006/main" xmlns:r="http://schemas.openxmlformats.org/officeDocument/2006/relationships" xmlns:p="http://schemas.openxmlformats.org/presentationml/2006/main">
-  <p:cSld>
-    <p:spTree>
-      <p:nvGrpSpPr>
-        <p:cNvPr id="1" name=""/>
-        <p:cNvGrpSpPr/>
-        <p:nvPr/>
-      </p:nvGrpSpPr>
-      <p:grpSpPr>
-        <a:xfrm>
-          <a:off x="0" y="0"/>
-          <a:ext cx="0" cy="0"/>
-          <a:chOff x="0" y="0"/>
-          <a:chExt cx="0" cy="0"/>
-        </a:xfrm>
-      </p:grpSpPr>
-      <p:sp>
-        <p:nvSpPr>
-          <p:cNvPr id="2" name="Title 1"/>
-          <p:cNvSpPr txBox="1">
-            <a:spLocks/>
-          </p:cNvSpPr>
-          <p:nvPr/>
-        </p:nvSpPr>
-        <p:spPr>
-          <a:xfrm>
-            <a:off x="-1" y="12936"/>
-            <a:ext cx="15624176" cy="772588"/>
-          </a:xfrm>
-          <a:prstGeom prst="rect">
-            <a:avLst/>
-          </a:prstGeom>
-        </p:spPr>
-        <p:txBody>
-          <a:bodyPr>
-            <a:normAutofit/>
-          </a:bodyPr>
-          <a:lstStyle>
-            <a:lvl1pPr algn="l" defTabSz="480060" rtl="0" eaLnBrk="1" latinLnBrk="0" hangingPunct="1">
-              <a:lnSpc>
-                <a:spcPct val="90000"/>
-              </a:lnSpc>
-              <a:spcBef>
-                <a:spcPct val="0"/>
-              </a:spcBef>
-              <a:buNone/>
-              <a:defRPr sz="2310" kern="1200">
-                <a:solidFill>
-                  <a:schemeClr val="tx1"/>
-                </a:solidFill>
-                <a:latin typeface="+mj-lt"/>
-                <a:ea typeface="+mj-ea"/>
-                <a:cs typeface="+mj-cs"/>
-              </a:defRPr>
-            </a:lvl1pPr>
-          </a:lstStyle>
-          <a:p>
-            <a:pPr algn="ctr"/>
-            <a:r>
-              <a:rPr lang="en-GB" sz="3600" dirty="0">
-                <a:solidFill>
-                  <a:schemeClr val="accent1">
-                    <a:lumMod val="50000"/>
-                  </a:schemeClr>
-                </a:solidFill>
-                <a:latin typeface="Arial" panose="020B0604020202020204" pitchFamily="34" charset="0"/>
-                <a:cs typeface="Arial" panose="020B0604020202020204" pitchFamily="34" charset="0"/>
-              </a:rPr>
-              <a:t>Well done</a:t>
-            </a:r>
-            <a:r>
-              <a:rPr lang="de-DE" sz="3600" dirty="0">
-                <a:solidFill>
-                  <a:schemeClr val="accent1">
-                    <a:lumMod val="50000"/>
-                  </a:schemeClr>
-                </a:solidFill>
-                <a:latin typeface="Arial" panose="020B0604020202020204" pitchFamily="34" charset="0"/>
-                <a:cs typeface="Arial" panose="020B0604020202020204" pitchFamily="34" charset="0"/>
-              </a:rPr>
-              <a:t>!</a:t>
-            </a:r>
-            <a:endParaRPr lang="en-GB" sz="3600" dirty="0">
-              <a:solidFill>
-                <a:schemeClr val="accent1">
-                  <a:lumMod val="50000"/>
-                </a:schemeClr>
-              </a:solidFill>
-              <a:latin typeface="Arial" panose="020B0604020202020204" pitchFamily="34" charset="0"/>
-              <a:cs typeface="Arial" panose="020B0604020202020204" pitchFamily="34" charset="0"/>
-            </a:endParaRPr>
-          </a:p>
-        </p:txBody>
-      </p:sp>
-      <p:sp>
-        <p:nvSpPr>
-          <p:cNvPr id="3" name="Rectangle 2"/>
-          <p:cNvSpPr/>
-          <p:nvPr/>
-        </p:nvSpPr>
-        <p:spPr>
-          <a:xfrm>
-            <a:off x="50681" y="700675"/>
-            <a:ext cx="15621000" cy="4493538"/>
-          </a:xfrm>
-          <a:prstGeom prst="rect">
-            <a:avLst/>
-          </a:prstGeom>
-        </p:spPr>
-        <p:txBody>
-          <a:bodyPr wrap="square">
-            <a:spAutoFit/>
-          </a:bodyPr>
-          <a:lstStyle/>
-          <a:p>
-            <a:pPr algn="ctr"/>
-            <a:r>
-              <a:rPr lang="en-US" sz="2200" dirty="0">
-                <a:solidFill>
-                  <a:schemeClr val="bg1">
-                    <a:lumMod val="95000"/>
-                    <a:lumOff val="5000"/>
-                  </a:schemeClr>
-                </a:solidFill>
-                <a:latin typeface="Arial" panose="020B0604020202020204" pitchFamily="34" charset="0"/>
-                <a:cs typeface="Arial" panose="020B0604020202020204" pitchFamily="34" charset="0"/>
-              </a:rPr>
-              <a:t>From now on you will receive advice on your decisions from </a:t>
-            </a:r>
-            <a:r>
-              <a:rPr lang="en-US" sz="2200" b="1" dirty="0">
-                <a:solidFill>
-                  <a:schemeClr val="bg1">
-                    <a:lumMod val="95000"/>
-                    <a:lumOff val="5000"/>
-                  </a:schemeClr>
-                </a:solidFill>
-                <a:latin typeface="Arial" panose="020B0604020202020204" pitchFamily="34" charset="0"/>
-                <a:cs typeface="Arial" panose="020B0604020202020204" pitchFamily="34" charset="0"/>
-              </a:rPr>
-              <a:t>virtual agents</a:t>
-            </a:r>
-            <a:r>
-              <a:rPr lang="en-US" sz="2200" dirty="0">
-                <a:solidFill>
-                  <a:schemeClr val="bg1">
-                    <a:lumMod val="95000"/>
-                    <a:lumOff val="5000"/>
-                  </a:schemeClr>
-                </a:solidFill>
-                <a:latin typeface="Arial" panose="020B0604020202020204" pitchFamily="34" charset="0"/>
-                <a:cs typeface="Arial" panose="020B0604020202020204" pitchFamily="34" charset="0"/>
-              </a:rPr>
-              <a:t>. </a:t>
-            </a:r>
-          </a:p>
-          <a:p>
-            <a:pPr algn="ctr"/>
-            <a:endParaRPr lang="en-US" sz="2200" dirty="0">
-              <a:solidFill>
-                <a:schemeClr val="bg1">
-                  <a:lumMod val="95000"/>
-                  <a:lumOff val="5000"/>
-                </a:schemeClr>
-              </a:solidFill>
-              <a:latin typeface="Arial" panose="020B0604020202020204" pitchFamily="34" charset="0"/>
-              <a:cs typeface="Arial" panose="020B0604020202020204" pitchFamily="34" charset="0"/>
-            </a:endParaRPr>
-          </a:p>
-          <a:p>
-            <a:pPr algn="ctr"/>
-            <a:r>
-              <a:rPr lang="en-US" sz="2200" dirty="0">
-                <a:solidFill>
-                  <a:schemeClr val="bg1">
-                    <a:lumMod val="95000"/>
-                    <a:lumOff val="5000"/>
-                  </a:schemeClr>
-                </a:solidFill>
-                <a:latin typeface="Arial" panose="020B0604020202020204" pitchFamily="34" charset="0"/>
-                <a:cs typeface="Arial" panose="020B0604020202020204" pitchFamily="34" charset="0"/>
-              </a:rPr>
-              <a:t>These virtual agents are performing the same task as you do, and they will inform you as to whether they think the box with the most dots was on the left or the right.</a:t>
-            </a:r>
-          </a:p>
-          <a:p>
-            <a:pPr algn="ctr"/>
-            <a:endParaRPr lang="en-US" sz="2200" dirty="0">
-              <a:solidFill>
-                <a:schemeClr val="bg1">
-                  <a:lumMod val="95000"/>
-                  <a:lumOff val="5000"/>
-                </a:schemeClr>
-              </a:solidFill>
-              <a:latin typeface="Arial" panose="020B0604020202020204" pitchFamily="34" charset="0"/>
-              <a:cs typeface="Arial" panose="020B0604020202020204" pitchFamily="34" charset="0"/>
-            </a:endParaRPr>
-          </a:p>
-          <a:p>
-            <a:pPr algn="ctr"/>
-            <a:r>
-              <a:rPr lang="en-GB" sz="2200" dirty="0">
-                <a:solidFill>
-                  <a:schemeClr val="bg1">
-                    <a:lumMod val="95000"/>
-                    <a:lumOff val="5000"/>
-                  </a:schemeClr>
-                </a:solidFill>
-                <a:latin typeface="Arial" panose="020B0604020202020204" pitchFamily="34" charset="0"/>
-                <a:cs typeface="Arial" panose="020B0604020202020204" pitchFamily="34" charset="0"/>
-              </a:rPr>
-              <a:t>You will see the boxes and place your marker as before.</a:t>
-            </a:r>
-          </a:p>
-          <a:p>
-            <a:pPr algn="ctr"/>
-            <a:endParaRPr lang="en-GB" sz="2200" dirty="0">
-              <a:solidFill>
-                <a:schemeClr val="bg1">
-                  <a:lumMod val="95000"/>
-                  <a:lumOff val="5000"/>
-                </a:schemeClr>
-              </a:solidFill>
-              <a:latin typeface="Arial" panose="020B0604020202020204" pitchFamily="34" charset="0"/>
-              <a:cs typeface="Arial" panose="020B0604020202020204" pitchFamily="34" charset="0"/>
-            </a:endParaRPr>
-          </a:p>
-          <a:p>
-            <a:pPr algn="ctr"/>
-            <a:r>
-              <a:rPr lang="en-GB" sz="2200" dirty="0">
-                <a:solidFill>
-                  <a:schemeClr val="bg1">
-                    <a:lumMod val="95000"/>
-                    <a:lumOff val="5000"/>
-                  </a:schemeClr>
-                </a:solidFill>
-                <a:latin typeface="Arial" panose="020B0604020202020204" pitchFamily="34" charset="0"/>
-                <a:cs typeface="Arial" panose="020B0604020202020204" pitchFamily="34" charset="0"/>
-              </a:rPr>
-              <a:t>You will then be asked to </a:t>
-            </a:r>
-            <a:r>
-              <a:rPr lang="en-GB" sz="2200" b="1" dirty="0">
-                <a:solidFill>
-                  <a:schemeClr val="bg1">
-                    <a:lumMod val="95000"/>
-                    <a:lumOff val="5000"/>
-                  </a:schemeClr>
-                </a:solidFill>
-                <a:latin typeface="Arial" panose="020B0604020202020204" pitchFamily="34" charset="0"/>
-                <a:cs typeface="Arial" panose="020B0604020202020204" pitchFamily="34" charset="0"/>
-              </a:rPr>
-              <a:t>choose an advisor</a:t>
-            </a:r>
-            <a:r>
-              <a:rPr lang="en-GB" sz="2200" dirty="0">
-                <a:solidFill>
-                  <a:schemeClr val="bg1">
-                    <a:lumMod val="95000"/>
-                    <a:lumOff val="5000"/>
-                  </a:schemeClr>
-                </a:solidFill>
-                <a:latin typeface="Arial" panose="020B0604020202020204" pitchFamily="34" charset="0"/>
-                <a:cs typeface="Arial" panose="020B0604020202020204" pitchFamily="34" charset="0"/>
-              </a:rPr>
-              <a:t>. You choose an advisor by clicking their portrait with the </a:t>
-            </a:r>
-            <a:r>
-              <a:rPr lang="en-GB" sz="2200" b="1" dirty="0">
-                <a:solidFill>
-                  <a:schemeClr val="bg1">
-                    <a:lumMod val="95000"/>
-                    <a:lumOff val="5000"/>
-                  </a:schemeClr>
-                </a:solidFill>
-                <a:latin typeface="Arial" panose="020B0604020202020204" pitchFamily="34" charset="0"/>
-                <a:cs typeface="Arial" panose="020B0604020202020204" pitchFamily="34" charset="0"/>
-              </a:rPr>
-              <a:t>mouse</a:t>
-            </a:r>
-            <a:r>
-              <a:rPr lang="en-GB" sz="2200" dirty="0">
-                <a:solidFill>
-                  <a:schemeClr val="bg1">
-                    <a:lumMod val="95000"/>
-                    <a:lumOff val="5000"/>
-                  </a:schemeClr>
-                </a:solidFill>
-                <a:latin typeface="Arial" panose="020B0604020202020204" pitchFamily="34" charset="0"/>
-                <a:cs typeface="Arial" panose="020B0604020202020204" pitchFamily="34" charset="0"/>
-              </a:rPr>
-              <a:t>.</a:t>
-            </a:r>
-          </a:p>
-          <a:p>
-            <a:pPr algn="ctr"/>
-            <a:endParaRPr lang="en-GB" sz="2200" dirty="0">
-              <a:solidFill>
-                <a:schemeClr val="bg1">
-                  <a:lumMod val="95000"/>
-                  <a:lumOff val="5000"/>
-                </a:schemeClr>
-              </a:solidFill>
-              <a:latin typeface="Arial" panose="020B0604020202020204" pitchFamily="34" charset="0"/>
-              <a:cs typeface="Arial" panose="020B0604020202020204" pitchFamily="34" charset="0"/>
-            </a:endParaRPr>
-          </a:p>
-          <a:p>
-            <a:pPr algn="ctr"/>
-            <a:r>
-              <a:rPr lang="en-GB" sz="2200" dirty="0">
-                <a:solidFill>
-                  <a:schemeClr val="bg1">
-                    <a:lumMod val="95000"/>
-                    <a:lumOff val="5000"/>
-                  </a:schemeClr>
-                </a:solidFill>
-                <a:latin typeface="Arial" panose="020B0604020202020204" pitchFamily="34" charset="0"/>
-                <a:cs typeface="Arial" panose="020B0604020202020204" pitchFamily="34" charset="0"/>
-              </a:rPr>
-              <a:t>Once you have chosen an advisor, they will tell you what they think the answer is. You will then see the scale again, with </a:t>
-            </a:r>
-            <a:r>
-              <a:rPr lang="en-GB" sz="2200" b="1" dirty="0">
-                <a:solidFill>
-                  <a:srgbClr val="FFFF00"/>
-                </a:solidFill>
-                <a:latin typeface="Arial" panose="020B0604020202020204" pitchFamily="34" charset="0"/>
-                <a:cs typeface="Arial" panose="020B0604020202020204" pitchFamily="34" charset="0"/>
-              </a:rPr>
-              <a:t>your previous marker position</a:t>
-            </a:r>
-            <a:r>
-              <a:rPr lang="en-GB" sz="2200" dirty="0">
-                <a:solidFill>
-                  <a:srgbClr val="FFFF00"/>
-                </a:solidFill>
-                <a:latin typeface="Arial" panose="020B0604020202020204" pitchFamily="34" charset="0"/>
-                <a:cs typeface="Arial" panose="020B0604020202020204" pitchFamily="34" charset="0"/>
-              </a:rPr>
-              <a:t> highlighted in </a:t>
-            </a:r>
-            <a:r>
-              <a:rPr lang="en-GB" sz="2200" b="1" dirty="0">
-                <a:solidFill>
-                  <a:srgbClr val="FFFF00"/>
-                </a:solidFill>
-                <a:latin typeface="Arial" panose="020B0604020202020204" pitchFamily="34" charset="0"/>
-                <a:cs typeface="Arial" panose="020B0604020202020204" pitchFamily="34" charset="0"/>
-              </a:rPr>
-              <a:t>yellow</a:t>
-            </a:r>
-            <a:r>
-              <a:rPr lang="en-GB" sz="2200" dirty="0">
-                <a:solidFill>
-                  <a:schemeClr val="bg1">
-                    <a:lumMod val="95000"/>
-                    <a:lumOff val="5000"/>
-                  </a:schemeClr>
-                </a:solidFill>
-                <a:latin typeface="Arial" panose="020B0604020202020204" pitchFamily="34" charset="0"/>
-                <a:cs typeface="Arial" panose="020B0604020202020204" pitchFamily="34" charset="0"/>
-              </a:rPr>
-              <a:t>. You will then place another marker; this marker can be in a </a:t>
-            </a:r>
-            <a:r>
-              <a:rPr lang="en-GB" sz="2200" b="1" dirty="0">
-                <a:solidFill>
-                  <a:schemeClr val="bg1">
-                    <a:lumMod val="95000"/>
-                    <a:lumOff val="5000"/>
-                  </a:schemeClr>
-                </a:solidFill>
-                <a:latin typeface="Arial" panose="020B0604020202020204" pitchFamily="34" charset="0"/>
-                <a:cs typeface="Arial" panose="020B0604020202020204" pitchFamily="34" charset="0"/>
-              </a:rPr>
-              <a:t>different place</a:t>
-            </a:r>
-            <a:r>
-              <a:rPr lang="en-GB" sz="2200" dirty="0">
-                <a:solidFill>
-                  <a:schemeClr val="bg1">
-                    <a:lumMod val="95000"/>
-                    <a:lumOff val="5000"/>
-                  </a:schemeClr>
-                </a:solidFill>
-                <a:latin typeface="Arial" panose="020B0604020202020204" pitchFamily="34" charset="0"/>
-                <a:cs typeface="Arial" panose="020B0604020202020204" pitchFamily="34" charset="0"/>
-              </a:rPr>
-              <a:t> if you change either your </a:t>
-            </a:r>
-            <a:r>
-              <a:rPr lang="en-GB" sz="2200" b="1" dirty="0">
-                <a:solidFill>
-                  <a:schemeClr val="bg1">
-                    <a:lumMod val="95000"/>
-                    <a:lumOff val="5000"/>
-                  </a:schemeClr>
-                </a:solidFill>
-                <a:latin typeface="Arial" panose="020B0604020202020204" pitchFamily="34" charset="0"/>
-                <a:cs typeface="Arial" panose="020B0604020202020204" pitchFamily="34" charset="0"/>
-              </a:rPr>
-              <a:t>decision</a:t>
-            </a:r>
-            <a:r>
-              <a:rPr lang="en-GB" sz="2200" dirty="0">
-                <a:solidFill>
-                  <a:schemeClr val="bg1">
-                    <a:lumMod val="95000"/>
-                    <a:lumOff val="5000"/>
-                  </a:schemeClr>
-                </a:solidFill>
-                <a:latin typeface="Arial" panose="020B0604020202020204" pitchFamily="34" charset="0"/>
-                <a:cs typeface="Arial" panose="020B0604020202020204" pitchFamily="34" charset="0"/>
-              </a:rPr>
-              <a:t> or your </a:t>
-            </a:r>
-            <a:r>
-              <a:rPr lang="en-GB" sz="2200" b="1" dirty="0">
-                <a:solidFill>
-                  <a:schemeClr val="bg1">
-                    <a:lumMod val="95000"/>
-                    <a:lumOff val="5000"/>
-                  </a:schemeClr>
-                </a:solidFill>
-                <a:latin typeface="Arial" panose="020B0604020202020204" pitchFamily="34" charset="0"/>
-                <a:cs typeface="Arial" panose="020B0604020202020204" pitchFamily="34" charset="0"/>
-              </a:rPr>
-              <a:t>confidence in your decision</a:t>
-            </a:r>
-            <a:r>
-              <a:rPr lang="en-GB" sz="2200" dirty="0">
-                <a:solidFill>
-                  <a:schemeClr val="bg1">
-                    <a:lumMod val="95000"/>
-                    <a:lumOff val="5000"/>
-                  </a:schemeClr>
-                </a:solidFill>
-                <a:latin typeface="Arial" panose="020B0604020202020204" pitchFamily="34" charset="0"/>
-                <a:cs typeface="Arial" panose="020B0604020202020204" pitchFamily="34" charset="0"/>
-              </a:rPr>
-              <a:t>.</a:t>
-            </a:r>
-            <a:endParaRPr lang="en-GB" sz="2200" b="1" dirty="0">
-              <a:solidFill>
-                <a:schemeClr val="bg1">
-                  <a:lumMod val="95000"/>
-                  <a:lumOff val="5000"/>
-                </a:schemeClr>
-              </a:solidFill>
-              <a:latin typeface="Arial" panose="020B0604020202020204" pitchFamily="34" charset="0"/>
-              <a:cs typeface="Arial" panose="020B0604020202020204" pitchFamily="34" charset="0"/>
-            </a:endParaRPr>
-          </a:p>
-          <a:p>
-            <a:pPr algn="ctr"/>
-            <a:endParaRPr lang="en-GB" sz="2200" dirty="0">
-              <a:solidFill>
-                <a:schemeClr val="bg1">
-                  <a:lumMod val="95000"/>
-                  <a:lumOff val="5000"/>
-                </a:schemeClr>
-              </a:solidFill>
-              <a:latin typeface="Arial" panose="020B0604020202020204" pitchFamily="34" charset="0"/>
-              <a:cs typeface="Arial" panose="020B0604020202020204" pitchFamily="34" charset="0"/>
-            </a:endParaRPr>
-          </a:p>
-        </p:txBody>
-      </p:sp>
-      <p:graphicFrame>
-        <p:nvGraphicFramePr>
-          <p:cNvPr id="4" name="Table 3"/>
-          <p:cNvGraphicFramePr>
-            <a:graphicFrameLocks noGrp="1"/>
-          </p:cNvGraphicFramePr>
-          <p:nvPr>
-            <p:extLst>
-              <p:ext uri="{D42A27DB-BD31-4B8C-83A1-F6EECF244321}">
-                <p14:modId xmlns:p14="http://schemas.microsoft.com/office/powerpoint/2010/main" val="2604197253"/>
-              </p:ext>
-            </p:extLst>
-          </p:nvPr>
-        </p:nvGraphicFramePr>
-        <p:xfrm>
-          <a:off x="-1" y="6493100"/>
-          <a:ext cx="15621000" cy="680604"/>
-        </p:xfrm>
-        <a:graphic>
-          <a:graphicData uri="http://schemas.openxmlformats.org/drawingml/2006/table">
-            <a:tbl>
-              <a:tblPr firstRow="1" bandRow="1">
-                <a:tableStyleId>{2D5ABB26-0587-4C30-8999-92F81FD0307C}</a:tableStyleId>
-              </a:tblPr>
-              <a:tblGrid>
-                <a:gridCol w="15621000">
-                  <a:extLst>
-                    <a:ext uri="{9D8B030D-6E8A-4147-A177-3AD203B41FA5}">
-                      <a16:colId xmlns:a16="http://schemas.microsoft.com/office/drawing/2014/main" val="1309862621"/>
-                    </a:ext>
-                  </a:extLst>
-                </a:gridCol>
-              </a:tblGrid>
-              <a:tr h="680604">
-                <a:tc>
-                  <a:txBody>
-                    <a:bodyPr/>
-                    <a:lstStyle/>
-                    <a:p>
-                      <a:pPr algn="ctr"/>
-                      <a:r>
-                        <a:rPr lang="en-GB" sz="3200" i="1" dirty="0" smtClean="0"/>
-                        <a:t>any</a:t>
-                      </a:r>
-                      <a:r>
-                        <a:rPr lang="en-GB" sz="3200" i="1" baseline="0" dirty="0" smtClean="0"/>
-                        <a:t> key</a:t>
-                      </a:r>
-                      <a:r>
-                        <a:rPr lang="en-GB" sz="3200" i="0" baseline="0" dirty="0" smtClean="0"/>
-                        <a:t>: Next</a:t>
-                      </a:r>
-                      <a:endParaRPr lang="en-GB" sz="3200" i="1" dirty="0"/>
-                    </a:p>
-                  </a:txBody>
-                  <a:tcPr marL="182880" marR="182880" marT="91440" marB="91440"/>
-                </a:tc>
-                <a:extLst>
-                  <a:ext uri="{0D108BD9-81ED-4DB2-BD59-A6C34878D82A}">
-                    <a16:rowId xmlns:a16="http://schemas.microsoft.com/office/drawing/2014/main" val="610358735"/>
-                  </a:ext>
-                </a:extLst>
-              </a:tr>
-            </a:tbl>
-          </a:graphicData>
-        </a:graphic>
-      </p:graphicFrame>
-    </p:spTree>
-    <p:extLst>
-      <p:ext uri="{BB962C8B-B14F-4D97-AF65-F5344CB8AC3E}">
-        <p14:creationId xmlns:p14="http://schemas.microsoft.com/office/powerpoint/2010/main" val="637061085"/>
-      </p:ext>
-    </p:extLst>
-  </p:cSld>
-  <p:clrMapOvr>
-    <a:masterClrMapping/>
-  </p:clrMapOvr>
-</p:sld>
-</file>
-
-<file path=ppt/slides/slide9.xml><?xml version="1.0" encoding="utf-8"?>
-<p:sld xmlns:a="http://schemas.openxmlformats.org/drawingml/2006/main" xmlns:r="http://schemas.openxmlformats.org/officeDocument/2006/relationships" xmlns:p="http://schemas.openxmlformats.org/presentationml/2006/main">
-  <p:cSld>
-    <p:spTree>
-      <p:nvGrpSpPr>
-        <p:cNvPr id="1" name=""/>
-        <p:cNvGrpSpPr/>
-        <p:nvPr/>
-      </p:nvGrpSpPr>
-      <p:grpSpPr>
-        <a:xfrm>
-          <a:off x="0" y="0"/>
-          <a:ext cx="0" cy="0"/>
-          <a:chOff x="0" y="0"/>
-          <a:chExt cx="0" cy="0"/>
-        </a:xfrm>
-      </p:grpSpPr>
-      <p:sp>
-        <p:nvSpPr>
-          <p:cNvPr id="2" name="Title 1"/>
-          <p:cNvSpPr txBox="1">
-            <a:spLocks/>
-          </p:cNvSpPr>
-          <p:nvPr/>
-        </p:nvSpPr>
-        <p:spPr>
-          <a:xfrm>
-            <a:off x="-1" y="12936"/>
-            <a:ext cx="15624176" cy="772588"/>
-          </a:xfrm>
-          <a:prstGeom prst="rect">
-            <a:avLst/>
-          </a:prstGeom>
-        </p:spPr>
-        <p:txBody>
-          <a:bodyPr>
-            <a:normAutofit/>
-          </a:bodyPr>
-          <a:lstStyle>
-            <a:lvl1pPr algn="l" defTabSz="480060" rtl="0" eaLnBrk="1" latinLnBrk="0" hangingPunct="1">
-              <a:lnSpc>
-                <a:spcPct val="90000"/>
-              </a:lnSpc>
-              <a:spcBef>
-                <a:spcPct val="0"/>
-              </a:spcBef>
-              <a:buNone/>
-              <a:defRPr sz="2310" kern="1200">
-                <a:solidFill>
-                  <a:schemeClr val="tx1"/>
-                </a:solidFill>
-                <a:latin typeface="+mj-lt"/>
-                <a:ea typeface="+mj-ea"/>
-                <a:cs typeface="+mj-cs"/>
-              </a:defRPr>
-            </a:lvl1pPr>
-          </a:lstStyle>
-          <a:p>
-            <a:pPr algn="ctr"/>
-            <a:r>
-              <a:rPr lang="en-GB" sz="3600" dirty="0">
-                <a:solidFill>
-                  <a:schemeClr val="accent1">
-                    <a:lumMod val="50000"/>
-                  </a:schemeClr>
-                </a:solidFill>
-                <a:latin typeface="Arial" panose="020B0604020202020204" pitchFamily="34" charset="0"/>
-                <a:cs typeface="Arial" panose="020B0604020202020204" pitchFamily="34" charset="0"/>
-              </a:rPr>
-              <a:t>Well done</a:t>
-            </a:r>
-            <a:r>
-              <a:rPr lang="de-DE" sz="3600" dirty="0">
-                <a:solidFill>
-                  <a:schemeClr val="accent1">
-                    <a:lumMod val="50000"/>
-                  </a:schemeClr>
-                </a:solidFill>
-                <a:latin typeface="Arial" panose="020B0604020202020204" pitchFamily="34" charset="0"/>
-                <a:cs typeface="Arial" panose="020B0604020202020204" pitchFamily="34" charset="0"/>
-              </a:rPr>
-              <a:t>!</a:t>
-            </a:r>
-            <a:endParaRPr lang="en-GB" sz="3600" dirty="0">
-              <a:solidFill>
-                <a:schemeClr val="accent1">
-                  <a:lumMod val="50000"/>
-                </a:schemeClr>
-              </a:solidFill>
-              <a:latin typeface="Arial" panose="020B0604020202020204" pitchFamily="34" charset="0"/>
-              <a:cs typeface="Arial" panose="020B0604020202020204" pitchFamily="34" charset="0"/>
-            </a:endParaRPr>
-          </a:p>
-        </p:txBody>
-      </p:sp>
-      <p:sp>
-        <p:nvSpPr>
-          <p:cNvPr id="3" name="Rectangle 2"/>
-          <p:cNvSpPr/>
-          <p:nvPr/>
-        </p:nvSpPr>
-        <p:spPr>
-          <a:xfrm>
-            <a:off x="50681" y="700674"/>
-            <a:ext cx="15621000" cy="5509200"/>
-          </a:xfrm>
-          <a:prstGeom prst="rect">
-            <a:avLst/>
-          </a:prstGeom>
-        </p:spPr>
-        <p:txBody>
-          <a:bodyPr wrap="square">
-            <a:spAutoFit/>
-          </a:bodyPr>
-          <a:lstStyle/>
-          <a:p>
-            <a:pPr algn="ctr"/>
-            <a:r>
-              <a:rPr lang="en-US" sz="2200" dirty="0">
-                <a:solidFill>
-                  <a:schemeClr val="bg1">
-                    <a:lumMod val="95000"/>
-                    <a:lumOff val="5000"/>
-                  </a:schemeClr>
-                </a:solidFill>
-                <a:latin typeface="Arial" panose="020B0604020202020204" pitchFamily="34" charset="0"/>
-                <a:cs typeface="Arial" panose="020B0604020202020204" pitchFamily="34" charset="0"/>
-              </a:rPr>
-              <a:t>From now on you will receive advice on your decisions from </a:t>
-            </a:r>
-            <a:r>
-              <a:rPr lang="en-US" sz="2200" b="1" dirty="0">
-                <a:solidFill>
-                  <a:schemeClr val="bg1">
-                    <a:lumMod val="95000"/>
-                    <a:lumOff val="5000"/>
-                  </a:schemeClr>
-                </a:solidFill>
-                <a:latin typeface="Arial" panose="020B0604020202020204" pitchFamily="34" charset="0"/>
-                <a:cs typeface="Arial" panose="020B0604020202020204" pitchFamily="34" charset="0"/>
-              </a:rPr>
-              <a:t>virtual agents</a:t>
-            </a:r>
-            <a:r>
-              <a:rPr lang="en-US" sz="2200" dirty="0">
-                <a:solidFill>
-                  <a:schemeClr val="bg1">
-                    <a:lumMod val="95000"/>
-                    <a:lumOff val="5000"/>
-                  </a:schemeClr>
-                </a:solidFill>
-                <a:latin typeface="Arial" panose="020B0604020202020204" pitchFamily="34" charset="0"/>
-                <a:cs typeface="Arial" panose="020B0604020202020204" pitchFamily="34" charset="0"/>
-              </a:rPr>
-              <a:t>. </a:t>
-            </a:r>
-          </a:p>
-          <a:p>
-            <a:pPr algn="ctr"/>
-            <a:endParaRPr lang="en-US" sz="2200" dirty="0">
-              <a:solidFill>
-                <a:schemeClr val="bg1">
-                  <a:lumMod val="95000"/>
-                  <a:lumOff val="5000"/>
-                </a:schemeClr>
-              </a:solidFill>
-              <a:latin typeface="Arial" panose="020B0604020202020204" pitchFamily="34" charset="0"/>
-              <a:cs typeface="Arial" panose="020B0604020202020204" pitchFamily="34" charset="0"/>
-            </a:endParaRPr>
-          </a:p>
-          <a:p>
-            <a:pPr algn="ctr"/>
-            <a:r>
-              <a:rPr lang="en-US" sz="2200" dirty="0">
-                <a:solidFill>
-                  <a:schemeClr val="bg1">
-                    <a:lumMod val="95000"/>
-                    <a:lumOff val="5000"/>
-                  </a:schemeClr>
-                </a:solidFill>
-                <a:latin typeface="Arial" panose="020B0604020202020204" pitchFamily="34" charset="0"/>
-                <a:cs typeface="Arial" panose="020B0604020202020204" pitchFamily="34" charset="0"/>
-              </a:rPr>
-              <a:t>These virtual agents are performing the same task as you do, and they will inform you as to whether they think the box with the most dots was on the left or the right.</a:t>
-            </a:r>
-          </a:p>
-          <a:p>
-            <a:pPr algn="ctr"/>
-            <a:endParaRPr lang="en-US" sz="2200" dirty="0">
-              <a:solidFill>
-                <a:schemeClr val="bg1">
-                  <a:lumMod val="95000"/>
-                  <a:lumOff val="5000"/>
-                </a:schemeClr>
-              </a:solidFill>
-              <a:latin typeface="Arial" panose="020B0604020202020204" pitchFamily="34" charset="0"/>
-              <a:cs typeface="Arial" panose="020B0604020202020204" pitchFamily="34" charset="0"/>
-            </a:endParaRPr>
-          </a:p>
-          <a:p>
-            <a:pPr algn="ctr"/>
-            <a:r>
-              <a:rPr lang="en-GB" sz="2200" dirty="0">
-                <a:solidFill>
-                  <a:schemeClr val="bg1">
-                    <a:lumMod val="95000"/>
-                    <a:lumOff val="5000"/>
-                  </a:schemeClr>
-                </a:solidFill>
-                <a:latin typeface="Arial" panose="020B0604020202020204" pitchFamily="34" charset="0"/>
-                <a:cs typeface="Arial" panose="020B0604020202020204" pitchFamily="34" charset="0"/>
-              </a:rPr>
-              <a:t>You will see the boxes and place your marker as before.</a:t>
-            </a:r>
-          </a:p>
-          <a:p>
-            <a:pPr algn="ctr"/>
-            <a:endParaRPr lang="en-GB" sz="2200" dirty="0">
-              <a:solidFill>
-                <a:schemeClr val="bg1">
-                  <a:lumMod val="95000"/>
-                  <a:lumOff val="5000"/>
-                </a:schemeClr>
-              </a:solidFill>
-              <a:latin typeface="Arial" panose="020B0604020202020204" pitchFamily="34" charset="0"/>
-              <a:cs typeface="Arial" panose="020B0604020202020204" pitchFamily="34" charset="0"/>
-            </a:endParaRPr>
-          </a:p>
-          <a:p>
-            <a:pPr algn="ctr"/>
-            <a:r>
-              <a:rPr lang="en-GB" sz="2200" dirty="0">
-                <a:solidFill>
-                  <a:schemeClr val="bg1">
-                    <a:lumMod val="95000"/>
-                    <a:lumOff val="5000"/>
-                  </a:schemeClr>
-                </a:solidFill>
-                <a:latin typeface="Arial" panose="020B0604020202020204" pitchFamily="34" charset="0"/>
-                <a:cs typeface="Arial" panose="020B0604020202020204" pitchFamily="34" charset="0"/>
-              </a:rPr>
-              <a:t>You will then be asked to </a:t>
-            </a:r>
-            <a:r>
-              <a:rPr lang="en-GB" sz="2200" b="1" dirty="0">
-                <a:solidFill>
-                  <a:schemeClr val="bg1">
-                    <a:lumMod val="95000"/>
-                    <a:lumOff val="5000"/>
-                  </a:schemeClr>
-                </a:solidFill>
-                <a:latin typeface="Arial" panose="020B0604020202020204" pitchFamily="34" charset="0"/>
-                <a:cs typeface="Arial" panose="020B0604020202020204" pitchFamily="34" charset="0"/>
-              </a:rPr>
-              <a:t>choose an advisor</a:t>
-            </a:r>
-            <a:r>
-              <a:rPr lang="en-GB" sz="2200" dirty="0">
-                <a:solidFill>
-                  <a:schemeClr val="bg1">
-                    <a:lumMod val="95000"/>
-                    <a:lumOff val="5000"/>
-                  </a:schemeClr>
-                </a:solidFill>
-                <a:latin typeface="Arial" panose="020B0604020202020204" pitchFamily="34" charset="0"/>
-                <a:cs typeface="Arial" panose="020B0604020202020204" pitchFamily="34" charset="0"/>
-              </a:rPr>
-              <a:t>. You choose an advisor by clicking their portrait with the </a:t>
-            </a:r>
-            <a:r>
-              <a:rPr lang="en-GB" sz="2200" b="1" dirty="0">
-                <a:solidFill>
-                  <a:schemeClr val="bg1">
-                    <a:lumMod val="95000"/>
-                    <a:lumOff val="5000"/>
-                  </a:schemeClr>
-                </a:solidFill>
-                <a:latin typeface="Arial" panose="020B0604020202020204" pitchFamily="34" charset="0"/>
-                <a:cs typeface="Arial" panose="020B0604020202020204" pitchFamily="34" charset="0"/>
-              </a:rPr>
-              <a:t>mouse</a:t>
-            </a:r>
-            <a:r>
-              <a:rPr lang="en-GB" sz="2200" dirty="0">
-                <a:solidFill>
-                  <a:schemeClr val="bg1">
-                    <a:lumMod val="95000"/>
-                    <a:lumOff val="5000"/>
-                  </a:schemeClr>
-                </a:solidFill>
-                <a:latin typeface="Arial" panose="020B0604020202020204" pitchFamily="34" charset="0"/>
-                <a:cs typeface="Arial" panose="020B0604020202020204" pitchFamily="34" charset="0"/>
-              </a:rPr>
-              <a:t>.</a:t>
-            </a:r>
-          </a:p>
-          <a:p>
-            <a:pPr algn="ctr"/>
-            <a:endParaRPr lang="en-GB" sz="2200" dirty="0">
-              <a:solidFill>
-                <a:schemeClr val="bg1">
-                  <a:lumMod val="95000"/>
-                  <a:lumOff val="5000"/>
-                </a:schemeClr>
-              </a:solidFill>
-              <a:latin typeface="Arial" panose="020B0604020202020204" pitchFamily="34" charset="0"/>
-              <a:cs typeface="Arial" panose="020B0604020202020204" pitchFamily="34" charset="0"/>
-            </a:endParaRPr>
-          </a:p>
-          <a:p>
-            <a:pPr algn="ctr"/>
-            <a:r>
-              <a:rPr lang="en-GB" sz="2200" dirty="0">
-                <a:solidFill>
-                  <a:schemeClr val="bg1">
-                    <a:lumMod val="95000"/>
-                    <a:lumOff val="5000"/>
-                  </a:schemeClr>
-                </a:solidFill>
-                <a:latin typeface="Arial" panose="020B0604020202020204" pitchFamily="34" charset="0"/>
-                <a:cs typeface="Arial" panose="020B0604020202020204" pitchFamily="34" charset="0"/>
-              </a:rPr>
-              <a:t>Once you have chosen an advisor, they will tell you what they think the answer is. You will then see the scale again, with </a:t>
-            </a:r>
-            <a:r>
-              <a:rPr lang="en-GB" sz="2200" b="1" dirty="0">
-                <a:solidFill>
-                  <a:srgbClr val="FFFF00"/>
-                </a:solidFill>
-                <a:latin typeface="Arial" panose="020B0604020202020204" pitchFamily="34" charset="0"/>
-                <a:cs typeface="Arial" panose="020B0604020202020204" pitchFamily="34" charset="0"/>
-              </a:rPr>
-              <a:t>your previous marker position</a:t>
-            </a:r>
-            <a:r>
-              <a:rPr lang="en-GB" sz="2200" dirty="0">
-                <a:solidFill>
-                  <a:srgbClr val="FFFF00"/>
-                </a:solidFill>
-                <a:latin typeface="Arial" panose="020B0604020202020204" pitchFamily="34" charset="0"/>
-                <a:cs typeface="Arial" panose="020B0604020202020204" pitchFamily="34" charset="0"/>
-              </a:rPr>
-              <a:t> highlighted in </a:t>
-            </a:r>
-            <a:r>
-              <a:rPr lang="en-GB" sz="2200" b="1" dirty="0">
-                <a:solidFill>
-                  <a:srgbClr val="FFFF00"/>
-                </a:solidFill>
-                <a:latin typeface="Arial" panose="020B0604020202020204" pitchFamily="34" charset="0"/>
-                <a:cs typeface="Arial" panose="020B0604020202020204" pitchFamily="34" charset="0"/>
-              </a:rPr>
-              <a:t>yellow</a:t>
-            </a:r>
-            <a:r>
-              <a:rPr lang="en-GB" sz="2200" dirty="0">
-                <a:solidFill>
-                  <a:schemeClr val="bg1">
-                    <a:lumMod val="95000"/>
-                    <a:lumOff val="5000"/>
-                  </a:schemeClr>
-                </a:solidFill>
-                <a:latin typeface="Arial" panose="020B0604020202020204" pitchFamily="34" charset="0"/>
-                <a:cs typeface="Arial" panose="020B0604020202020204" pitchFamily="34" charset="0"/>
-              </a:rPr>
-              <a:t>. You will then place another marker; this marker can be in a </a:t>
-            </a:r>
-            <a:r>
-              <a:rPr lang="en-GB" sz="2200" b="1" dirty="0">
-                <a:solidFill>
-                  <a:schemeClr val="bg1">
-                    <a:lumMod val="95000"/>
-                    <a:lumOff val="5000"/>
-                  </a:schemeClr>
-                </a:solidFill>
-                <a:latin typeface="Arial" panose="020B0604020202020204" pitchFamily="34" charset="0"/>
-                <a:cs typeface="Arial" panose="020B0604020202020204" pitchFamily="34" charset="0"/>
-              </a:rPr>
-              <a:t>different place</a:t>
-            </a:r>
-            <a:r>
-              <a:rPr lang="en-GB" sz="2200" dirty="0">
-                <a:solidFill>
-                  <a:schemeClr val="bg1">
-                    <a:lumMod val="95000"/>
-                    <a:lumOff val="5000"/>
-                  </a:schemeClr>
-                </a:solidFill>
-                <a:latin typeface="Arial" panose="020B0604020202020204" pitchFamily="34" charset="0"/>
-                <a:cs typeface="Arial" panose="020B0604020202020204" pitchFamily="34" charset="0"/>
-              </a:rPr>
-              <a:t> if you change either your </a:t>
-            </a:r>
-            <a:r>
-              <a:rPr lang="en-GB" sz="2200" b="1" dirty="0">
-                <a:solidFill>
-                  <a:schemeClr val="bg1">
-                    <a:lumMod val="95000"/>
-                    <a:lumOff val="5000"/>
-                  </a:schemeClr>
-                </a:solidFill>
-                <a:latin typeface="Arial" panose="020B0604020202020204" pitchFamily="34" charset="0"/>
-                <a:cs typeface="Arial" panose="020B0604020202020204" pitchFamily="34" charset="0"/>
-              </a:rPr>
-              <a:t>decision</a:t>
-            </a:r>
-            <a:r>
-              <a:rPr lang="en-GB" sz="2200" dirty="0">
-                <a:solidFill>
-                  <a:schemeClr val="bg1">
-                    <a:lumMod val="95000"/>
-                    <a:lumOff val="5000"/>
-                  </a:schemeClr>
-                </a:solidFill>
-                <a:latin typeface="Arial" panose="020B0604020202020204" pitchFamily="34" charset="0"/>
-                <a:cs typeface="Arial" panose="020B0604020202020204" pitchFamily="34" charset="0"/>
-              </a:rPr>
-              <a:t> or your </a:t>
-            </a:r>
-            <a:r>
-              <a:rPr lang="en-GB" sz="2200" b="1" dirty="0">
-                <a:solidFill>
-                  <a:schemeClr val="bg1">
-                    <a:lumMod val="95000"/>
-                    <a:lumOff val="5000"/>
-                  </a:schemeClr>
-                </a:solidFill>
-                <a:latin typeface="Arial" panose="020B0604020202020204" pitchFamily="34" charset="0"/>
-                <a:cs typeface="Arial" panose="020B0604020202020204" pitchFamily="34" charset="0"/>
-              </a:rPr>
-              <a:t>confidence in your decision</a:t>
-            </a:r>
-            <a:r>
-              <a:rPr lang="en-GB" sz="2200" dirty="0">
-                <a:solidFill>
-                  <a:schemeClr val="bg1">
-                    <a:lumMod val="95000"/>
-                    <a:lumOff val="5000"/>
-                  </a:schemeClr>
-                </a:solidFill>
-                <a:latin typeface="Arial" panose="020B0604020202020204" pitchFamily="34" charset="0"/>
-                <a:cs typeface="Arial" panose="020B0604020202020204" pitchFamily="34" charset="0"/>
-              </a:rPr>
-              <a:t>.</a:t>
-            </a:r>
-            <a:endParaRPr lang="en-GB" sz="2200" b="1" dirty="0">
-              <a:solidFill>
-                <a:schemeClr val="bg1">
-                  <a:lumMod val="95000"/>
-                  <a:lumOff val="5000"/>
-                </a:schemeClr>
-              </a:solidFill>
-              <a:latin typeface="Arial" panose="020B0604020202020204" pitchFamily="34" charset="0"/>
-              <a:cs typeface="Arial" panose="020B0604020202020204" pitchFamily="34" charset="0"/>
-            </a:endParaRPr>
-          </a:p>
-          <a:p>
-            <a:pPr algn="ctr"/>
-            <a:endParaRPr lang="en-GB" sz="2200" dirty="0">
-              <a:solidFill>
-                <a:schemeClr val="bg1">
-                  <a:lumMod val="95000"/>
-                  <a:lumOff val="5000"/>
-                </a:schemeClr>
-              </a:solidFill>
-              <a:latin typeface="Arial" panose="020B0604020202020204" pitchFamily="34" charset="0"/>
-              <a:cs typeface="Arial" panose="020B0604020202020204" pitchFamily="34" charset="0"/>
-            </a:endParaRPr>
-          </a:p>
-          <a:p>
-            <a:pPr algn="ctr"/>
-            <a:r>
-              <a:rPr lang="en-GB" sz="2200" b="1" dirty="0">
-                <a:solidFill>
-                  <a:schemeClr val="bg1">
-                    <a:lumMod val="95000"/>
-                    <a:lumOff val="5000"/>
-                  </a:schemeClr>
-                </a:solidFill>
-                <a:latin typeface="Arial" panose="020B0604020202020204" pitchFamily="34" charset="0"/>
-                <a:cs typeface="Arial" panose="020B0604020202020204" pitchFamily="34" charset="0"/>
-              </a:rPr>
-              <a:t>The advisors perform the task differently from one another</a:t>
-            </a:r>
-            <a:r>
-              <a:rPr lang="en-GB" sz="2200" dirty="0">
-                <a:solidFill>
-                  <a:schemeClr val="bg1">
-                    <a:lumMod val="95000"/>
-                    <a:lumOff val="5000"/>
-                  </a:schemeClr>
-                </a:solidFill>
-                <a:latin typeface="Arial" panose="020B0604020202020204" pitchFamily="34" charset="0"/>
-                <a:cs typeface="Arial" panose="020B0604020202020204" pitchFamily="34" charset="0"/>
-              </a:rPr>
-              <a:t>.</a:t>
-            </a:r>
-          </a:p>
-          <a:p>
-            <a:pPr algn="ctr"/>
-            <a:endParaRPr lang="en-GB" sz="2200" dirty="0">
-              <a:solidFill>
-                <a:schemeClr val="bg1">
-                  <a:lumMod val="95000"/>
-                  <a:lumOff val="5000"/>
-                </a:schemeClr>
-              </a:solidFill>
-              <a:latin typeface="Arial" panose="020B0604020202020204" pitchFamily="34" charset="0"/>
-              <a:cs typeface="Arial" panose="020B0604020202020204" pitchFamily="34" charset="0"/>
-            </a:endParaRPr>
-          </a:p>
-          <a:p>
-            <a:pPr algn="ctr"/>
-            <a:r>
-              <a:rPr lang="en-GB" sz="2200" dirty="0">
-                <a:solidFill>
-                  <a:schemeClr val="bg1">
-                    <a:lumMod val="95000"/>
-                    <a:lumOff val="5000"/>
-                  </a:schemeClr>
-                </a:solidFill>
-                <a:latin typeface="Arial" panose="020B0604020202020204" pitchFamily="34" charset="0"/>
-                <a:cs typeface="Arial" panose="020B0604020202020204" pitchFamily="34" charset="0"/>
-              </a:rPr>
-              <a:t>The </a:t>
-            </a:r>
-            <a:r>
-              <a:rPr lang="en-GB" sz="2200" b="1" dirty="0">
-                <a:solidFill>
-                  <a:schemeClr val="bg1">
-                    <a:lumMod val="95000"/>
-                    <a:lumOff val="5000"/>
-                  </a:schemeClr>
-                </a:solidFill>
-                <a:latin typeface="Arial" panose="020B0604020202020204" pitchFamily="34" charset="0"/>
-                <a:cs typeface="Arial" panose="020B0604020202020204" pitchFamily="34" charset="0"/>
-              </a:rPr>
-              <a:t>advisors can be wrong</a:t>
-            </a:r>
-            <a:r>
-              <a:rPr lang="en-GB" sz="2200" dirty="0">
-                <a:solidFill>
-                  <a:schemeClr val="bg1">
-                    <a:lumMod val="95000"/>
-                    <a:lumOff val="5000"/>
-                  </a:schemeClr>
-                </a:solidFill>
-                <a:latin typeface="Arial" panose="020B0604020202020204" pitchFamily="34" charset="0"/>
-                <a:cs typeface="Arial" panose="020B0604020202020204" pitchFamily="34" charset="0"/>
-              </a:rPr>
-              <a:t>.</a:t>
-            </a:r>
-          </a:p>
-        </p:txBody>
-      </p:sp>
-      <p:graphicFrame>
-        <p:nvGraphicFramePr>
-          <p:cNvPr id="4" name="Table 3"/>
-          <p:cNvGraphicFramePr>
-            <a:graphicFrameLocks noGrp="1"/>
-          </p:cNvGraphicFramePr>
-          <p:nvPr>
-            <p:extLst>
-              <p:ext uri="{D42A27DB-BD31-4B8C-83A1-F6EECF244321}">
-                <p14:modId xmlns:p14="http://schemas.microsoft.com/office/powerpoint/2010/main" val="2604197253"/>
-              </p:ext>
-            </p:extLst>
-          </p:nvPr>
-        </p:nvGraphicFramePr>
-        <p:xfrm>
-          <a:off x="-1" y="6493100"/>
-          <a:ext cx="15621000" cy="680604"/>
-        </p:xfrm>
-        <a:graphic>
-          <a:graphicData uri="http://schemas.openxmlformats.org/drawingml/2006/table">
-            <a:tbl>
-              <a:tblPr firstRow="1" bandRow="1">
-                <a:tableStyleId>{2D5ABB26-0587-4C30-8999-92F81FD0307C}</a:tableStyleId>
-              </a:tblPr>
-              <a:tblGrid>
-                <a:gridCol w="15621000">
-                  <a:extLst>
-                    <a:ext uri="{9D8B030D-6E8A-4147-A177-3AD203B41FA5}">
-                      <a16:colId xmlns:a16="http://schemas.microsoft.com/office/drawing/2014/main" val="1309862621"/>
-                    </a:ext>
-                  </a:extLst>
-                </a:gridCol>
-              </a:tblGrid>
-              <a:tr h="680604">
-                <a:tc>
-                  <a:txBody>
-                    <a:bodyPr/>
-                    <a:lstStyle/>
-                    <a:p>
-                      <a:pPr algn="ctr"/>
-                      <a:r>
-                        <a:rPr lang="en-GB" sz="3200" i="1" dirty="0" smtClean="0"/>
-                        <a:t>any</a:t>
-                      </a:r>
-                      <a:r>
-                        <a:rPr lang="en-GB" sz="3200" i="1" baseline="0" dirty="0" smtClean="0"/>
-                        <a:t> key</a:t>
-                      </a:r>
-                      <a:r>
-                        <a:rPr lang="en-GB" sz="3200" i="0" baseline="0" dirty="0" smtClean="0"/>
-                        <a:t>: Next</a:t>
-                      </a:r>
-                      <a:endParaRPr lang="en-GB" sz="3200" i="1" dirty="0"/>
-                    </a:p>
-                  </a:txBody>
-                  <a:tcPr marL="182880" marR="182880" marT="91440" marB="91440"/>
-                </a:tc>
-                <a:extLst>
-                  <a:ext uri="{0D108BD9-81ED-4DB2-BD59-A6C34878D82A}">
-                    <a16:rowId xmlns:a16="http://schemas.microsoft.com/office/drawing/2014/main" val="610358735"/>
-                  </a:ext>
-                </a:extLst>
-              </a:tr>
-            </a:tbl>
-          </a:graphicData>
-        </a:graphic>
-      </p:graphicFrame>
-    </p:spTree>
-    <p:extLst>
-      <p:ext uri="{BB962C8B-B14F-4D97-AF65-F5344CB8AC3E}">
-        <p14:creationId xmlns:p14="http://schemas.microsoft.com/office/powerpoint/2010/main" val="1635129669"/>
       </p:ext>
     </p:extLst>
   </p:cSld>

--- a/instructions/Instructions_AdvisorChoice_1300x600.pptx
+++ b/instructions/Instructions_AdvisorChoice_1300x600.pptx
@@ -138,6 +138,10 @@
 </p:presentation>
 </file>
 
+<file path=ppt/revisionInfo.xml><?xml version="1.0" encoding="utf-8"?>
+<p1510:revInfo xmlns:a="http://schemas.openxmlformats.org/drawingml/2006/main" xmlns:r="http://schemas.openxmlformats.org/officeDocument/2006/relationships" xmlns:p1510="http://schemas.microsoft.com/office/powerpoint/2015/10/main"/>
+</file>
+
 <file path=ppt/slideLayouts/slideLayout1.xml><?xml version="1.0" encoding="utf-8"?>
 <p:sldLayout xmlns:a="http://schemas.openxmlformats.org/drawingml/2006/main" xmlns:r="http://schemas.openxmlformats.org/officeDocument/2006/relationships" xmlns:p="http://schemas.openxmlformats.org/presentationml/2006/main" type="title" preserve="1">
   <p:cSld name="Title Slide">
@@ -180,7 +184,7 @@
           </a:lstStyle>
           <a:p>
             <a:r>
-              <a:rPr lang="en-US" smtClean="0"/>
+              <a:rPr lang="en-US"/>
               <a:t>Click to edit Master title style</a:t>
             </a:r>
             <a:endParaRPr lang="en-US" dirty="0"/>
@@ -245,7 +249,7 @@
           </a:lstStyle>
           <a:p>
             <a:r>
-              <a:rPr lang="en-US" smtClean="0"/>
+              <a:rPr lang="en-US"/>
               <a:t>Click to edit Master subtitle style</a:t>
             </a:r>
             <a:endParaRPr lang="en-US" dirty="0"/>
@@ -269,7 +273,7 @@
           <a:p>
             <a:fld id="{D1C4DD76-DAF4-41C3-81F8-403CC17608AA}" type="datetimeFigureOut">
               <a:rPr lang="en-GB" smtClean="0"/>
-              <a:t>24/11/2017</a:t>
+              <a:t>30/01/2018</a:t>
             </a:fld>
             <a:endParaRPr lang="en-GB"/>
           </a:p>
@@ -363,7 +367,7 @@
           <a:lstStyle/>
           <a:p>
             <a:r>
-              <a:rPr lang="en-US" smtClean="0"/>
+              <a:rPr lang="en-US"/>
               <a:t>Click to edit Master title style</a:t>
             </a:r>
             <a:endParaRPr lang="en-US" dirty="0"/>
@@ -387,35 +391,35 @@
           <a:p>
             <a:pPr lvl="0"/>
             <a:r>
-              <a:rPr lang="en-US" smtClean="0"/>
+              <a:rPr lang="en-US"/>
               <a:t>Edit Master text styles</a:t>
             </a:r>
           </a:p>
           <a:p>
             <a:pPr lvl="1"/>
             <a:r>
-              <a:rPr lang="en-US" smtClean="0"/>
+              <a:rPr lang="en-US"/>
               <a:t>Second level</a:t>
             </a:r>
           </a:p>
           <a:p>
             <a:pPr lvl="2"/>
             <a:r>
-              <a:rPr lang="en-US" smtClean="0"/>
+              <a:rPr lang="en-US"/>
               <a:t>Third level</a:t>
             </a:r>
           </a:p>
           <a:p>
             <a:pPr lvl="3"/>
             <a:r>
-              <a:rPr lang="en-US" smtClean="0"/>
+              <a:rPr lang="en-US"/>
               <a:t>Fourth level</a:t>
             </a:r>
           </a:p>
           <a:p>
             <a:pPr lvl="4"/>
             <a:r>
-              <a:rPr lang="en-US" smtClean="0"/>
+              <a:rPr lang="en-US"/>
               <a:t>Fifth level</a:t>
             </a:r>
             <a:endParaRPr lang="en-US" dirty="0"/>
@@ -439,7 +443,7 @@
           <a:p>
             <a:fld id="{D1C4DD76-DAF4-41C3-81F8-403CC17608AA}" type="datetimeFigureOut">
               <a:rPr lang="en-GB" smtClean="0"/>
-              <a:t>24/11/2017</a:t>
+              <a:t>30/01/2018</a:t>
             </a:fld>
             <a:endParaRPr lang="en-GB"/>
           </a:p>
@@ -538,7 +542,7 @@
           <a:lstStyle/>
           <a:p>
             <a:r>
-              <a:rPr lang="en-US" smtClean="0"/>
+              <a:rPr lang="en-US"/>
               <a:t>Click to edit Master title style</a:t>
             </a:r>
             <a:endParaRPr lang="en-US" dirty="0"/>
@@ -567,35 +571,35 @@
           <a:p>
             <a:pPr lvl="0"/>
             <a:r>
-              <a:rPr lang="en-US" smtClean="0"/>
+              <a:rPr lang="en-US"/>
               <a:t>Edit Master text styles</a:t>
             </a:r>
           </a:p>
           <a:p>
             <a:pPr lvl="1"/>
             <a:r>
-              <a:rPr lang="en-US" smtClean="0"/>
+              <a:rPr lang="en-US"/>
               <a:t>Second level</a:t>
             </a:r>
           </a:p>
           <a:p>
             <a:pPr lvl="2"/>
             <a:r>
-              <a:rPr lang="en-US" smtClean="0"/>
+              <a:rPr lang="en-US"/>
               <a:t>Third level</a:t>
             </a:r>
           </a:p>
           <a:p>
             <a:pPr lvl="3"/>
             <a:r>
-              <a:rPr lang="en-US" smtClean="0"/>
+              <a:rPr lang="en-US"/>
               <a:t>Fourth level</a:t>
             </a:r>
           </a:p>
           <a:p>
             <a:pPr lvl="4"/>
             <a:r>
-              <a:rPr lang="en-US" smtClean="0"/>
+              <a:rPr lang="en-US"/>
               <a:t>Fifth level</a:t>
             </a:r>
             <a:endParaRPr lang="en-US" dirty="0"/>
@@ -619,7 +623,7 @@
           <a:p>
             <a:fld id="{D1C4DD76-DAF4-41C3-81F8-403CC17608AA}" type="datetimeFigureOut">
               <a:rPr lang="en-GB" smtClean="0"/>
-              <a:t>24/11/2017</a:t>
+              <a:t>30/01/2018</a:t>
             </a:fld>
             <a:endParaRPr lang="en-GB"/>
           </a:p>
@@ -713,7 +717,7 @@
           <a:lstStyle/>
           <a:p>
             <a:r>
-              <a:rPr lang="en-US" smtClean="0"/>
+              <a:rPr lang="en-US"/>
               <a:t>Click to edit Master title style</a:t>
             </a:r>
             <a:endParaRPr lang="en-US" dirty="0"/>
@@ -737,35 +741,35 @@
           <a:p>
             <a:pPr lvl="0"/>
             <a:r>
-              <a:rPr lang="en-US" smtClean="0"/>
+              <a:rPr lang="en-US"/>
               <a:t>Edit Master text styles</a:t>
             </a:r>
           </a:p>
           <a:p>
             <a:pPr lvl="1"/>
             <a:r>
-              <a:rPr lang="en-US" smtClean="0"/>
+              <a:rPr lang="en-US"/>
               <a:t>Second level</a:t>
             </a:r>
           </a:p>
           <a:p>
             <a:pPr lvl="2"/>
             <a:r>
-              <a:rPr lang="en-US" smtClean="0"/>
+              <a:rPr lang="en-US"/>
               <a:t>Third level</a:t>
             </a:r>
           </a:p>
           <a:p>
             <a:pPr lvl="3"/>
             <a:r>
-              <a:rPr lang="en-US" smtClean="0"/>
+              <a:rPr lang="en-US"/>
               <a:t>Fourth level</a:t>
             </a:r>
           </a:p>
           <a:p>
             <a:pPr lvl="4"/>
             <a:r>
-              <a:rPr lang="en-US" smtClean="0"/>
+              <a:rPr lang="en-US"/>
               <a:t>Fifth level</a:t>
             </a:r>
             <a:endParaRPr lang="en-US" dirty="0"/>
@@ -789,7 +793,7 @@
           <a:p>
             <a:fld id="{D1C4DD76-DAF4-41C3-81F8-403CC17608AA}" type="datetimeFigureOut">
               <a:rPr lang="en-GB" smtClean="0"/>
-              <a:t>24/11/2017</a:t>
+              <a:t>30/01/2018</a:t>
             </a:fld>
             <a:endParaRPr lang="en-GB"/>
           </a:p>
@@ -900,7 +904,7 @@
           </a:lstStyle>
           <a:p>
             <a:r>
-              <a:rPr lang="en-US" smtClean="0"/>
+              <a:rPr lang="en-US"/>
               <a:t>Click to edit Master title style</a:t>
             </a:r>
             <a:endParaRPr lang="en-US" dirty="0"/>
@@ -1020,7 +1024,7 @@
           <a:p>
             <a:pPr lvl="0"/>
             <a:r>
-              <a:rPr lang="en-US" smtClean="0"/>
+              <a:rPr lang="en-US"/>
               <a:t>Edit Master text styles</a:t>
             </a:r>
           </a:p>
@@ -1043,7 +1047,7 @@
           <a:p>
             <a:fld id="{D1C4DD76-DAF4-41C3-81F8-403CC17608AA}" type="datetimeFigureOut">
               <a:rPr lang="en-GB" smtClean="0"/>
-              <a:t>24/11/2017</a:t>
+              <a:t>30/01/2018</a:t>
             </a:fld>
             <a:endParaRPr lang="en-GB"/>
           </a:p>
@@ -1137,7 +1141,7 @@
           <a:lstStyle/>
           <a:p>
             <a:r>
-              <a:rPr lang="en-US" smtClean="0"/>
+              <a:rPr lang="en-US"/>
               <a:t>Click to edit Master title style</a:t>
             </a:r>
             <a:endParaRPr lang="en-US" dirty="0"/>
@@ -1166,35 +1170,35 @@
           <a:p>
             <a:pPr lvl="0"/>
             <a:r>
-              <a:rPr lang="en-US" smtClean="0"/>
+              <a:rPr lang="en-US"/>
               <a:t>Edit Master text styles</a:t>
             </a:r>
           </a:p>
           <a:p>
             <a:pPr lvl="1"/>
             <a:r>
-              <a:rPr lang="en-US" smtClean="0"/>
+              <a:rPr lang="en-US"/>
               <a:t>Second level</a:t>
             </a:r>
           </a:p>
           <a:p>
             <a:pPr lvl="2"/>
             <a:r>
-              <a:rPr lang="en-US" smtClean="0"/>
+              <a:rPr lang="en-US"/>
               <a:t>Third level</a:t>
             </a:r>
           </a:p>
           <a:p>
             <a:pPr lvl="3"/>
             <a:r>
-              <a:rPr lang="en-US" smtClean="0"/>
+              <a:rPr lang="en-US"/>
               <a:t>Fourth level</a:t>
             </a:r>
           </a:p>
           <a:p>
             <a:pPr lvl="4"/>
             <a:r>
-              <a:rPr lang="en-US" smtClean="0"/>
+              <a:rPr lang="en-US"/>
               <a:t>Fifth level</a:t>
             </a:r>
             <a:endParaRPr lang="en-US" dirty="0"/>
@@ -1223,35 +1227,35 @@
           <a:p>
             <a:pPr lvl="0"/>
             <a:r>
-              <a:rPr lang="en-US" smtClean="0"/>
+              <a:rPr lang="en-US"/>
               <a:t>Edit Master text styles</a:t>
             </a:r>
           </a:p>
           <a:p>
             <a:pPr lvl="1"/>
             <a:r>
-              <a:rPr lang="en-US" smtClean="0"/>
+              <a:rPr lang="en-US"/>
               <a:t>Second level</a:t>
             </a:r>
           </a:p>
           <a:p>
             <a:pPr lvl="2"/>
             <a:r>
-              <a:rPr lang="en-US" smtClean="0"/>
+              <a:rPr lang="en-US"/>
               <a:t>Third level</a:t>
             </a:r>
           </a:p>
           <a:p>
             <a:pPr lvl="3"/>
             <a:r>
-              <a:rPr lang="en-US" smtClean="0"/>
+              <a:rPr lang="en-US"/>
               <a:t>Fourth level</a:t>
             </a:r>
           </a:p>
           <a:p>
             <a:pPr lvl="4"/>
             <a:r>
-              <a:rPr lang="en-US" smtClean="0"/>
+              <a:rPr lang="en-US"/>
               <a:t>Fifth level</a:t>
             </a:r>
             <a:endParaRPr lang="en-US" dirty="0"/>
@@ -1275,7 +1279,7 @@
           <a:p>
             <a:fld id="{D1C4DD76-DAF4-41C3-81F8-403CC17608AA}" type="datetimeFigureOut">
               <a:rPr lang="en-GB" smtClean="0"/>
-              <a:t>24/11/2017</a:t>
+              <a:t>30/01/2018</a:t>
             </a:fld>
             <a:endParaRPr lang="en-GB"/>
           </a:p>
@@ -1374,7 +1378,7 @@
           <a:lstStyle/>
           <a:p>
             <a:r>
-              <a:rPr lang="en-US" smtClean="0"/>
+              <a:rPr lang="en-US"/>
               <a:t>Click to edit Master title style</a:t>
             </a:r>
             <a:endParaRPr lang="en-US" dirty="0"/>
@@ -1440,7 +1444,7 @@
           <a:p>
             <a:pPr lvl="0"/>
             <a:r>
-              <a:rPr lang="en-US" smtClean="0"/>
+              <a:rPr lang="en-US"/>
               <a:t>Edit Master text styles</a:t>
             </a:r>
           </a:p>
@@ -1468,35 +1472,35 @@
           <a:p>
             <a:pPr lvl="0"/>
             <a:r>
-              <a:rPr lang="en-US" smtClean="0"/>
+              <a:rPr lang="en-US"/>
               <a:t>Edit Master text styles</a:t>
             </a:r>
           </a:p>
           <a:p>
             <a:pPr lvl="1"/>
             <a:r>
-              <a:rPr lang="en-US" smtClean="0"/>
+              <a:rPr lang="en-US"/>
               <a:t>Second level</a:t>
             </a:r>
           </a:p>
           <a:p>
             <a:pPr lvl="2"/>
             <a:r>
-              <a:rPr lang="en-US" smtClean="0"/>
+              <a:rPr lang="en-US"/>
               <a:t>Third level</a:t>
             </a:r>
           </a:p>
           <a:p>
             <a:pPr lvl="3"/>
             <a:r>
-              <a:rPr lang="en-US" smtClean="0"/>
+              <a:rPr lang="en-US"/>
               <a:t>Fourth level</a:t>
             </a:r>
           </a:p>
           <a:p>
             <a:pPr lvl="4"/>
             <a:r>
-              <a:rPr lang="en-US" smtClean="0"/>
+              <a:rPr lang="en-US"/>
               <a:t>Fifth level</a:t>
             </a:r>
             <a:endParaRPr lang="en-US" dirty="0"/>
@@ -1562,7 +1566,7 @@
           <a:p>
             <a:pPr lvl="0"/>
             <a:r>
-              <a:rPr lang="en-US" smtClean="0"/>
+              <a:rPr lang="en-US"/>
               <a:t>Edit Master text styles</a:t>
             </a:r>
           </a:p>
@@ -1590,35 +1594,35 @@
           <a:p>
             <a:pPr lvl="0"/>
             <a:r>
-              <a:rPr lang="en-US" smtClean="0"/>
+              <a:rPr lang="en-US"/>
               <a:t>Edit Master text styles</a:t>
             </a:r>
           </a:p>
           <a:p>
             <a:pPr lvl="1"/>
             <a:r>
-              <a:rPr lang="en-US" smtClean="0"/>
+              <a:rPr lang="en-US"/>
               <a:t>Second level</a:t>
             </a:r>
           </a:p>
           <a:p>
             <a:pPr lvl="2"/>
             <a:r>
-              <a:rPr lang="en-US" smtClean="0"/>
+              <a:rPr lang="en-US"/>
               <a:t>Third level</a:t>
             </a:r>
           </a:p>
           <a:p>
             <a:pPr lvl="3"/>
             <a:r>
-              <a:rPr lang="en-US" smtClean="0"/>
+              <a:rPr lang="en-US"/>
               <a:t>Fourth level</a:t>
             </a:r>
           </a:p>
           <a:p>
             <a:pPr lvl="4"/>
             <a:r>
-              <a:rPr lang="en-US" smtClean="0"/>
+              <a:rPr lang="en-US"/>
               <a:t>Fifth level</a:t>
             </a:r>
             <a:endParaRPr lang="en-US" dirty="0"/>
@@ -1642,7 +1646,7 @@
           <a:p>
             <a:fld id="{D1C4DD76-DAF4-41C3-81F8-403CC17608AA}" type="datetimeFigureOut">
               <a:rPr lang="en-GB" smtClean="0"/>
-              <a:t>24/11/2017</a:t>
+              <a:t>30/01/2018</a:t>
             </a:fld>
             <a:endParaRPr lang="en-GB"/>
           </a:p>
@@ -1736,7 +1740,7 @@
           <a:lstStyle/>
           <a:p>
             <a:r>
-              <a:rPr lang="en-US" smtClean="0"/>
+              <a:rPr lang="en-US"/>
               <a:t>Click to edit Master title style</a:t>
             </a:r>
             <a:endParaRPr lang="en-US" dirty="0"/>
@@ -1760,7 +1764,7 @@
           <a:p>
             <a:fld id="{D1C4DD76-DAF4-41C3-81F8-403CC17608AA}" type="datetimeFigureOut">
               <a:rPr lang="en-GB" smtClean="0"/>
-              <a:t>24/11/2017</a:t>
+              <a:t>30/01/2018</a:t>
             </a:fld>
             <a:endParaRPr lang="en-GB"/>
           </a:p>
@@ -1855,7 +1859,7 @@
           <a:p>
             <a:fld id="{D1C4DD76-DAF4-41C3-81F8-403CC17608AA}" type="datetimeFigureOut">
               <a:rPr lang="en-GB" smtClean="0"/>
-              <a:t>24/11/2017</a:t>
+              <a:t>30/01/2018</a:t>
             </a:fld>
             <a:endParaRPr lang="en-GB"/>
           </a:p>
@@ -1958,7 +1962,7 @@
           </a:lstStyle>
           <a:p>
             <a:r>
-              <a:rPr lang="en-US" smtClean="0"/>
+              <a:rPr lang="en-US"/>
               <a:t>Click to edit Master title style</a:t>
             </a:r>
             <a:endParaRPr lang="en-US" dirty="0"/>
@@ -2015,35 +2019,35 @@
           <a:p>
             <a:pPr lvl="0"/>
             <a:r>
-              <a:rPr lang="en-US" smtClean="0"/>
+              <a:rPr lang="en-US"/>
               <a:t>Edit Master text styles</a:t>
             </a:r>
           </a:p>
           <a:p>
             <a:pPr lvl="1"/>
             <a:r>
-              <a:rPr lang="en-US" smtClean="0"/>
+              <a:rPr lang="en-US"/>
               <a:t>Second level</a:t>
             </a:r>
           </a:p>
           <a:p>
             <a:pPr lvl="2"/>
             <a:r>
-              <a:rPr lang="en-US" smtClean="0"/>
+              <a:rPr lang="en-US"/>
               <a:t>Third level</a:t>
             </a:r>
           </a:p>
           <a:p>
             <a:pPr lvl="3"/>
             <a:r>
-              <a:rPr lang="en-US" smtClean="0"/>
+              <a:rPr lang="en-US"/>
               <a:t>Fourth level</a:t>
             </a:r>
           </a:p>
           <a:p>
             <a:pPr lvl="4"/>
             <a:r>
-              <a:rPr lang="en-US" smtClean="0"/>
+              <a:rPr lang="en-US"/>
               <a:t>Fifth level</a:t>
             </a:r>
             <a:endParaRPr lang="en-US" dirty="0"/>
@@ -2109,7 +2113,7 @@
           <a:p>
             <a:pPr lvl="0"/>
             <a:r>
-              <a:rPr lang="en-US" smtClean="0"/>
+              <a:rPr lang="en-US"/>
               <a:t>Edit Master text styles</a:t>
             </a:r>
           </a:p>
@@ -2132,7 +2136,7 @@
           <a:p>
             <a:fld id="{D1C4DD76-DAF4-41C3-81F8-403CC17608AA}" type="datetimeFigureOut">
               <a:rPr lang="en-GB" smtClean="0"/>
-              <a:t>24/11/2017</a:t>
+              <a:t>30/01/2018</a:t>
             </a:fld>
             <a:endParaRPr lang="en-GB"/>
           </a:p>
@@ -2235,7 +2239,7 @@
           </a:lstStyle>
           <a:p>
             <a:r>
-              <a:rPr lang="en-US" smtClean="0"/>
+              <a:rPr lang="en-US"/>
               <a:t>Click to edit Master title style</a:t>
             </a:r>
             <a:endParaRPr lang="en-US" dirty="0"/>
@@ -2300,7 +2304,7 @@
           </a:lstStyle>
           <a:p>
             <a:r>
-              <a:rPr lang="en-US" smtClean="0"/>
+              <a:rPr lang="en-US"/>
               <a:t>Click icon to add picture</a:t>
             </a:r>
             <a:endParaRPr lang="en-US" dirty="0"/>
@@ -2366,7 +2370,7 @@
           <a:p>
             <a:pPr lvl="0"/>
             <a:r>
-              <a:rPr lang="en-US" smtClean="0"/>
+              <a:rPr lang="en-US"/>
               <a:t>Edit Master text styles</a:t>
             </a:r>
           </a:p>
@@ -2389,7 +2393,7 @@
           <a:p>
             <a:fld id="{D1C4DD76-DAF4-41C3-81F8-403CC17608AA}" type="datetimeFigureOut">
               <a:rPr lang="en-GB" smtClean="0"/>
-              <a:t>24/11/2017</a:t>
+              <a:t>30/01/2018</a:t>
             </a:fld>
             <a:endParaRPr lang="en-GB"/>
           </a:p>
@@ -2501,7 +2505,7 @@
           <a:lstStyle/>
           <a:p>
             <a:r>
-              <a:rPr lang="en-US" smtClean="0"/>
+              <a:rPr lang="en-US"/>
               <a:t>Click to edit Master title style</a:t>
             </a:r>
             <a:endParaRPr lang="en-US" dirty="0"/>
@@ -2535,35 +2539,35 @@
           <a:p>
             <a:pPr lvl="0"/>
             <a:r>
-              <a:rPr lang="en-US" smtClean="0"/>
+              <a:rPr lang="en-US"/>
               <a:t>Edit Master text styles</a:t>
             </a:r>
           </a:p>
           <a:p>
             <a:pPr lvl="1"/>
             <a:r>
-              <a:rPr lang="en-US" smtClean="0"/>
+              <a:rPr lang="en-US"/>
               <a:t>Second level</a:t>
             </a:r>
           </a:p>
           <a:p>
             <a:pPr lvl="2"/>
             <a:r>
-              <a:rPr lang="en-US" smtClean="0"/>
+              <a:rPr lang="en-US"/>
               <a:t>Third level</a:t>
             </a:r>
           </a:p>
           <a:p>
             <a:pPr lvl="3"/>
             <a:r>
-              <a:rPr lang="en-US" smtClean="0"/>
+              <a:rPr lang="en-US"/>
               <a:t>Fourth level</a:t>
             </a:r>
           </a:p>
           <a:p>
             <a:pPr lvl="4"/>
             <a:r>
-              <a:rPr lang="en-US" smtClean="0"/>
+              <a:rPr lang="en-US"/>
               <a:t>Fifth level</a:t>
             </a:r>
             <a:endParaRPr lang="en-US" dirty="0"/>
@@ -2605,7 +2609,7 @@
           <a:p>
             <a:fld id="{D1C4DD76-DAF4-41C3-81F8-403CC17608AA}" type="datetimeFigureOut">
               <a:rPr lang="en-GB" smtClean="0"/>
-              <a:t>24/11/2017</a:t>
+              <a:t>30/01/2018</a:t>
             </a:fld>
             <a:endParaRPr lang="en-GB"/>
           </a:p>
@@ -3240,15 +3244,15 @@
                     <a:p>
                       <a:pPr algn="ctr"/>
                       <a:r>
-                        <a:rPr lang="en-GB" sz="3200" i="1" dirty="0" smtClean="0"/>
+                        <a:rPr lang="en-GB" sz="3200" i="1" dirty="0"/>
                         <a:t>any</a:t>
                       </a:r>
                       <a:r>
-                        <a:rPr lang="en-GB" sz="3200" i="1" baseline="0" dirty="0" smtClean="0"/>
+                        <a:rPr lang="en-GB" sz="3200" i="1" baseline="0" dirty="0"/>
                         <a:t> key</a:t>
                       </a:r>
                       <a:r>
-                        <a:rPr lang="en-GB" sz="3200" i="0" baseline="0" dirty="0" smtClean="0"/>
+                        <a:rPr lang="en-GB" sz="3200" i="0" baseline="0" dirty="0"/>
                         <a:t>: Next</a:t>
                       </a:r>
                       <a:endParaRPr lang="en-GB" sz="3200" i="1" dirty="0"/>
@@ -3550,15 +3554,15 @@
                     <a:p>
                       <a:pPr algn="ctr"/>
                       <a:r>
-                        <a:rPr lang="en-GB" sz="3200" i="1" dirty="0" smtClean="0"/>
+                        <a:rPr lang="en-GB" sz="3200" i="1" dirty="0"/>
                         <a:t>any</a:t>
                       </a:r>
                       <a:r>
-                        <a:rPr lang="en-GB" sz="3200" i="1" baseline="0" dirty="0" smtClean="0"/>
+                        <a:rPr lang="en-GB" sz="3200" i="1" baseline="0" dirty="0"/>
                         <a:t> key</a:t>
                       </a:r>
                       <a:r>
-                        <a:rPr lang="en-GB" sz="3200" i="0" baseline="0" dirty="0" smtClean="0"/>
+                        <a:rPr lang="en-GB" sz="3200" i="0" baseline="0" dirty="0"/>
                         <a:t>: Next</a:t>
                       </a:r>
                       <a:endParaRPr lang="en-GB" sz="3200" i="1" dirty="0"/>
@@ -4101,15 +4105,15 @@
                     <a:p>
                       <a:pPr algn="ctr"/>
                       <a:r>
-                        <a:rPr lang="en-GB" sz="3200" i="1" dirty="0" smtClean="0"/>
+                        <a:rPr lang="en-GB" sz="3200" i="1" dirty="0"/>
                         <a:t>any</a:t>
                       </a:r>
                       <a:r>
-                        <a:rPr lang="en-GB" sz="3200" i="1" baseline="0" dirty="0" smtClean="0"/>
+                        <a:rPr lang="en-GB" sz="3200" i="1" baseline="0" dirty="0"/>
                         <a:t> key</a:t>
                       </a:r>
                       <a:r>
-                        <a:rPr lang="en-GB" sz="3200" i="0" baseline="0" dirty="0" smtClean="0"/>
+                        <a:rPr lang="en-GB" sz="3200" i="0" baseline="0" dirty="0"/>
                         <a:t>: Next</a:t>
                       </a:r>
                       <a:endParaRPr lang="en-GB" sz="3200" i="1" dirty="0"/>
@@ -4736,15 +4740,15 @@
                     <a:p>
                       <a:pPr algn="ctr"/>
                       <a:r>
-                        <a:rPr lang="en-GB" sz="3200" i="1" dirty="0" smtClean="0"/>
+                        <a:rPr lang="en-GB" sz="3200" i="1" dirty="0"/>
                         <a:t>any</a:t>
                       </a:r>
                       <a:r>
-                        <a:rPr lang="en-GB" sz="3200" i="1" baseline="0" dirty="0" smtClean="0"/>
+                        <a:rPr lang="en-GB" sz="3200" i="1" baseline="0" dirty="0"/>
                         <a:t> key</a:t>
                       </a:r>
                       <a:r>
-                        <a:rPr lang="en-GB" sz="3200" i="0" baseline="0" dirty="0" smtClean="0"/>
+                        <a:rPr lang="en-GB" sz="3200" i="0" baseline="0" dirty="0"/>
                         <a:t>: Next</a:t>
                       </a:r>
                       <a:endParaRPr lang="en-GB" sz="3200" i="1" dirty="0"/>
@@ -4792,6 +4796,58 @@
           <a:chExt cx="0" cy="0"/>
         </a:xfrm>
       </p:grpSpPr>
+      <p:sp>
+        <p:nvSpPr>
+          <p:cNvPr id="2" name="Rectangle 1">
+            <a:extLst>
+              <a:ext uri="{FF2B5EF4-FFF2-40B4-BE49-F238E27FC236}">
+                <a16:creationId xmlns:a16="http://schemas.microsoft.com/office/drawing/2014/main" id="{71DDE97F-8326-40CD-A42C-1ABCA17015D5}"/>
+              </a:ext>
+            </a:extLst>
+          </p:cNvPr>
+          <p:cNvSpPr/>
+          <p:nvPr/>
+        </p:nvSpPr>
+        <p:spPr>
+          <a:xfrm>
+            <a:off x="5142184" y="1152582"/>
+            <a:ext cx="5336630" cy="4271841"/>
+          </a:xfrm>
+          <a:prstGeom prst="rect">
+            <a:avLst/>
+          </a:prstGeom>
+          <a:noFill/>
+          <a:ln w="28575">
+            <a:solidFill>
+              <a:schemeClr val="tx1"/>
+            </a:solidFill>
+          </a:ln>
+        </p:spPr>
+        <p:style>
+          <a:lnRef idx="2">
+            <a:schemeClr val="accent1">
+              <a:shade val="50000"/>
+            </a:schemeClr>
+          </a:lnRef>
+          <a:fillRef idx="1">
+            <a:schemeClr val="accent1"/>
+          </a:fillRef>
+          <a:effectRef idx="0">
+            <a:schemeClr val="accent1"/>
+          </a:effectRef>
+          <a:fontRef idx="minor">
+            <a:schemeClr val="lt1"/>
+          </a:fontRef>
+        </p:style>
+        <p:txBody>
+          <a:bodyPr rtlCol="0" anchor="ctr"/>
+          <a:lstStyle/>
+          <a:p>
+            <a:pPr algn="ctr"/>
+            <a:endParaRPr lang="en-GB"/>
+          </a:p>
+        </p:txBody>
+      </p:sp>
       <p:sp>
         <p:nvSpPr>
           <p:cNvPr id="4" name="Rectangle 3"/>
@@ -4993,11 +5049,11 @@
                     <a:p>
                       <a:pPr algn="ctr"/>
                       <a:r>
-                        <a:rPr lang="en-GB" sz="3200" dirty="0" smtClean="0"/>
+                        <a:rPr lang="en-GB" sz="3200" dirty="0"/>
                         <a:t>Left</a:t>
                       </a:r>
                       <a:r>
-                        <a:rPr lang="en-GB" sz="3200" baseline="0" dirty="0" smtClean="0"/>
+                        <a:rPr lang="en-GB" sz="3200" baseline="0" dirty="0"/>
                         <a:t> Arrow: Previous</a:t>
                       </a:r>
                       <a:endParaRPr lang="en-GB" sz="3200" dirty="0"/>
@@ -5012,15 +5068,15 @@
                     <a:p>
                       <a:pPr algn="ctr"/>
                       <a:r>
-                        <a:rPr lang="en-GB" sz="3200" i="1" dirty="0" smtClean="0"/>
+                        <a:rPr lang="en-GB" sz="3200" i="1" dirty="0"/>
                         <a:t>any</a:t>
                       </a:r>
                       <a:r>
-                        <a:rPr lang="en-GB" sz="3200" i="1" baseline="0" dirty="0" smtClean="0"/>
+                        <a:rPr lang="en-GB" sz="3200" i="1" baseline="0" dirty="0"/>
                         <a:t> other key</a:t>
                       </a:r>
                       <a:r>
-                        <a:rPr lang="en-GB" sz="3200" i="0" baseline="0" dirty="0" smtClean="0"/>
+                        <a:rPr lang="en-GB" sz="3200" i="0" baseline="0" dirty="0"/>
                         <a:t>: Next</a:t>
                       </a:r>
                       <a:endParaRPr lang="en-GB" sz="3200" i="1" dirty="0"/>
@@ -5235,11 +5291,11 @@
                     <a:p>
                       <a:pPr algn="ctr"/>
                       <a:r>
-                        <a:rPr lang="en-GB" sz="3200" dirty="0" smtClean="0"/>
+                        <a:rPr lang="en-GB" sz="3200" dirty="0"/>
                         <a:t>Left</a:t>
                       </a:r>
                       <a:r>
-                        <a:rPr lang="en-GB" sz="3200" baseline="0" dirty="0" smtClean="0"/>
+                        <a:rPr lang="en-GB" sz="3200" baseline="0" dirty="0"/>
                         <a:t> Arrow: Previous</a:t>
                       </a:r>
                       <a:endParaRPr lang="en-GB" sz="3200" dirty="0"/>
@@ -5254,15 +5310,15 @@
                     <a:p>
                       <a:pPr algn="ctr"/>
                       <a:r>
-                        <a:rPr lang="en-GB" sz="3200" i="1" dirty="0" smtClean="0"/>
+                        <a:rPr lang="en-GB" sz="3200" i="1" dirty="0"/>
                         <a:t>any</a:t>
                       </a:r>
                       <a:r>
-                        <a:rPr lang="en-GB" sz="3200" i="1" baseline="0" dirty="0" smtClean="0"/>
+                        <a:rPr lang="en-GB" sz="3200" i="1" baseline="0" dirty="0"/>
                         <a:t> other key</a:t>
                       </a:r>
                       <a:r>
-                        <a:rPr lang="en-GB" sz="3200" i="0" baseline="0" dirty="0" smtClean="0"/>
+                        <a:rPr lang="en-GB" sz="3200" i="0" baseline="0" dirty="0"/>
                         <a:t>: Start Practice</a:t>
                       </a:r>
                       <a:endParaRPr lang="en-GB" sz="3200" i="1" dirty="0"/>
@@ -5857,15 +5913,15 @@
                     <a:p>
                       <a:pPr algn="ctr"/>
                       <a:r>
-                        <a:rPr lang="en-GB" sz="3200" i="1" dirty="0" smtClean="0"/>
+                        <a:rPr lang="en-GB" sz="3200" i="1" dirty="0"/>
                         <a:t>any</a:t>
                       </a:r>
                       <a:r>
-                        <a:rPr lang="en-GB" sz="3200" i="1" baseline="0" dirty="0" smtClean="0"/>
+                        <a:rPr lang="en-GB" sz="3200" i="1" baseline="0" dirty="0"/>
                         <a:t> key</a:t>
                       </a:r>
                       <a:r>
-                        <a:rPr lang="en-GB" sz="3200" i="0" baseline="0" dirty="0" smtClean="0"/>
+                        <a:rPr lang="en-GB" sz="3200" i="0" baseline="0" dirty="0"/>
                         <a:t>: Start Experiment</a:t>
                       </a:r>
                       <a:endParaRPr lang="en-GB" sz="3200" i="1" dirty="0"/>
@@ -5982,7 +6038,7 @@
               <a:t>Try to be as </a:t>
             </a:r>
             <a:r>
-              <a:rPr lang="en-GB" sz="2200" b="1" dirty="0">
+              <a:rPr lang="en-GB" sz="2200" b="1">
                 <a:solidFill>
                   <a:schemeClr val="bg1">
                     <a:lumMod val="95000"/>
@@ -5995,6 +6051,19 @@
               <a:t>accurate</a:t>
             </a:r>
             <a:r>
+              <a:rPr lang="en-GB" sz="2200">
+                <a:solidFill>
+                  <a:schemeClr val="bg1">
+                    <a:lumMod val="95000"/>
+                    <a:lumOff val="5000"/>
+                  </a:schemeClr>
+                </a:solidFill>
+                <a:latin typeface="Arial" panose="020B0604020202020204" pitchFamily="34" charset="0"/>
+                <a:cs typeface="Arial" panose="020B0604020202020204" pitchFamily="34" charset="0"/>
+              </a:rPr>
+              <a:t> as </a:t>
+            </a:r>
+            <a:r>
               <a:rPr lang="en-GB" sz="2200" dirty="0">
                 <a:solidFill>
                   <a:schemeClr val="bg1">
@@ -6005,33 +6074,7 @@
                 <a:latin typeface="Arial" panose="020B0604020202020204" pitchFamily="34" charset="0"/>
                 <a:cs typeface="Arial" panose="020B0604020202020204" pitchFamily="34" charset="0"/>
               </a:rPr>
-              <a:t> and as </a:t>
-            </a:r>
-            <a:r>
-              <a:rPr lang="en-GB" sz="2200" b="1" dirty="0" smtClean="0">
-                <a:solidFill>
-                  <a:schemeClr val="bg1">
-                    <a:lumMod val="95000"/>
-                    <a:lumOff val="5000"/>
-                  </a:schemeClr>
-                </a:solidFill>
-                <a:latin typeface="Arial" panose="020B0604020202020204" pitchFamily="34" charset="0"/>
-                <a:cs typeface="Arial" panose="020B0604020202020204" pitchFamily="34" charset="0"/>
-              </a:rPr>
-              <a:t>honest </a:t>
-            </a:r>
-            <a:r>
-              <a:rPr lang="en-GB" sz="2200" dirty="0">
-                <a:solidFill>
-                  <a:schemeClr val="bg1">
-                    <a:lumMod val="95000"/>
-                    <a:lumOff val="5000"/>
-                  </a:schemeClr>
-                </a:solidFill>
-                <a:latin typeface="Arial" panose="020B0604020202020204" pitchFamily="34" charset="0"/>
-                <a:cs typeface="Arial" panose="020B0604020202020204" pitchFamily="34" charset="0"/>
-              </a:rPr>
-              <a:t>as you can</a:t>
+              <a:t>you can</a:t>
             </a:r>
           </a:p>
           <a:p>
@@ -6437,7 +6480,7 @@
               <a:t>confidence in your decision</a:t>
             </a:r>
             <a:r>
-              <a:rPr lang="en-GB" sz="2200" dirty="0" smtClean="0">
+              <a:rPr lang="en-GB" sz="2200" dirty="0">
                 <a:solidFill>
                   <a:schemeClr val="bg1">
                     <a:lumMod val="95000"/>
@@ -6452,7 +6495,7 @@
           </a:p>
           <a:p>
             <a:pPr algn="ctr"/>
-            <a:endParaRPr lang="en-GB" sz="2200" dirty="0" smtClean="0">
+            <a:endParaRPr lang="en-GB" sz="2200" dirty="0">
               <a:solidFill>
                 <a:schemeClr val="bg1">
                   <a:lumMod val="95000"/>
@@ -6674,11 +6717,11 @@
                     <a:p>
                       <a:pPr algn="ctr"/>
                       <a:r>
-                        <a:rPr lang="en-GB" sz="3200" dirty="0" smtClean="0"/>
+                        <a:rPr lang="en-GB" sz="3200" dirty="0"/>
                         <a:t>Left</a:t>
                       </a:r>
                       <a:r>
-                        <a:rPr lang="en-GB" sz="3200" baseline="0" dirty="0" smtClean="0"/>
+                        <a:rPr lang="en-GB" sz="3200" baseline="0" dirty="0"/>
                         <a:t> Arrow: Previous</a:t>
                       </a:r>
                       <a:endParaRPr lang="en-GB" sz="3200" dirty="0"/>
@@ -6693,15 +6736,15 @@
                     <a:p>
                       <a:pPr algn="ctr"/>
                       <a:r>
-                        <a:rPr lang="en-GB" sz="3200" i="1" dirty="0" smtClean="0"/>
+                        <a:rPr lang="en-GB" sz="3200" i="1" dirty="0"/>
                         <a:t>any</a:t>
                       </a:r>
                       <a:r>
-                        <a:rPr lang="en-GB" sz="3200" i="1" baseline="0" dirty="0" smtClean="0"/>
+                        <a:rPr lang="en-GB" sz="3200" i="1" baseline="0" dirty="0"/>
                         <a:t> other key</a:t>
                       </a:r>
                       <a:r>
-                        <a:rPr lang="en-GB" sz="3200" i="0" baseline="0" dirty="0" smtClean="0"/>
+                        <a:rPr lang="en-GB" sz="3200" i="0" baseline="0" dirty="0"/>
                         <a:t>: Next</a:t>
                       </a:r>
                       <a:endParaRPr lang="en-GB" sz="3200" i="1" dirty="0"/>
@@ -6796,7 +6839,7 @@
           <a:p>
             <a:pPr algn="ctr"/>
             <a:r>
-              <a:rPr lang="en-GB" sz="2200" dirty="0" smtClean="0">
+              <a:rPr lang="en-GB" sz="2200" dirty="0">
                 <a:solidFill>
                   <a:schemeClr val="bg1">
                     <a:lumMod val="95000"/>
@@ -6822,33 +6865,7 @@
                 <a:latin typeface="Arial" panose="020B0604020202020204" pitchFamily="34" charset="0"/>
                 <a:cs typeface="Arial" panose="020B0604020202020204" pitchFamily="34" charset="0"/>
               </a:rPr>
-              <a:t>i</a:t>
-            </a:r>
-            <a:r>
-              <a:rPr lang="en-GB" sz="2200" dirty="0" smtClean="0">
-                <a:solidFill>
-                  <a:schemeClr val="bg1">
-                    <a:lumMod val="95000"/>
-                    <a:lumOff val="5000"/>
-                  </a:schemeClr>
-                </a:solidFill>
-                <a:latin typeface="Arial" panose="020B0604020202020204" pitchFamily="34" charset="0"/>
-                <a:cs typeface="Arial" panose="020B0604020202020204" pitchFamily="34" charset="0"/>
-              </a:rPr>
-              <a:t>f </a:t>
-            </a:r>
-            <a:r>
-              <a:rPr lang="en-GB" sz="2200" dirty="0">
-                <a:solidFill>
-                  <a:schemeClr val="bg1">
-                    <a:lumMod val="95000"/>
-                    <a:lumOff val="5000"/>
-                  </a:schemeClr>
-                </a:solidFill>
-                <a:latin typeface="Arial" panose="020B0604020202020204" pitchFamily="34" charset="0"/>
-                <a:cs typeface="Arial" panose="020B0604020202020204" pitchFamily="34" charset="0"/>
-              </a:rPr>
-              <a:t>you think the </a:t>
+              <a:t>if you think the </a:t>
             </a:r>
             <a:r>
               <a:rPr lang="en-GB" sz="2200" b="1" dirty="0">
@@ -7065,11 +7082,11 @@
                     <a:p>
                       <a:pPr algn="ctr"/>
                       <a:r>
-                        <a:rPr lang="en-GB" sz="3200" dirty="0" smtClean="0"/>
+                        <a:rPr lang="en-GB" sz="3200" dirty="0"/>
                         <a:t>Left</a:t>
                       </a:r>
                       <a:r>
-                        <a:rPr lang="en-GB" sz="3200" baseline="0" dirty="0" smtClean="0"/>
+                        <a:rPr lang="en-GB" sz="3200" baseline="0" dirty="0"/>
                         <a:t> Arrow: Previous</a:t>
                       </a:r>
                       <a:endParaRPr lang="en-GB" sz="3200" dirty="0"/>
@@ -7084,15 +7101,15 @@
                     <a:p>
                       <a:pPr algn="ctr"/>
                       <a:r>
-                        <a:rPr lang="en-GB" sz="3200" i="1" dirty="0" smtClean="0"/>
+                        <a:rPr lang="en-GB" sz="3200" i="1" dirty="0"/>
                         <a:t>any</a:t>
                       </a:r>
                       <a:r>
-                        <a:rPr lang="en-GB" sz="3200" i="1" baseline="0" dirty="0" smtClean="0"/>
+                        <a:rPr lang="en-GB" sz="3200" i="1" baseline="0" dirty="0"/>
                         <a:t> other key</a:t>
                       </a:r>
                       <a:r>
-                        <a:rPr lang="en-GB" sz="3200" i="0" baseline="0" dirty="0" smtClean="0"/>
+                        <a:rPr lang="en-GB" sz="3200" i="0" baseline="0" dirty="0"/>
                         <a:t>: Next</a:t>
                       </a:r>
                       <a:endParaRPr lang="en-GB" sz="3200" i="1" dirty="0"/>
@@ -7199,19 +7216,6 @@
           <a:p>
             <a:pPr algn="ctr"/>
             <a:r>
-              <a:rPr lang="en-GB" sz="2200" dirty="0" smtClean="0">
-                <a:solidFill>
-                  <a:schemeClr val="bg1">
-                    <a:lumMod val="95000"/>
-                    <a:lumOff val="5000"/>
-                  </a:schemeClr>
-                </a:solidFill>
-                <a:latin typeface="Arial" panose="020B0604020202020204" pitchFamily="34" charset="0"/>
-                <a:cs typeface="Arial" panose="020B0604020202020204" pitchFamily="34" charset="0"/>
-              </a:rPr>
-              <a:t>You </a:t>
-            </a:r>
-            <a:r>
               <a:rPr lang="en-GB" sz="2200" dirty="0">
                 <a:solidFill>
                   <a:schemeClr val="bg1">
@@ -7222,7 +7226,7 @@
                 <a:latin typeface="Arial" panose="020B0604020202020204" pitchFamily="34" charset="0"/>
                 <a:cs typeface="Arial" panose="020B0604020202020204" pitchFamily="34" charset="0"/>
               </a:rPr>
-              <a:t>indicate your </a:t>
+              <a:t>You indicate your </a:t>
             </a:r>
             <a:r>
               <a:rPr lang="en-GB" sz="2200" b="1" dirty="0">
@@ -7248,20 +7252,7 @@
                 <a:latin typeface="Arial" panose="020B0604020202020204" pitchFamily="34" charset="0"/>
                 <a:cs typeface="Arial" panose="020B0604020202020204" pitchFamily="34" charset="0"/>
               </a:rPr>
-              <a:t> by choosing to whereabouts in the bar you place your marker</a:t>
-            </a:r>
-            <a:r>
-              <a:rPr lang="en-GB" sz="2200" dirty="0" smtClean="0">
-                <a:solidFill>
-                  <a:schemeClr val="bg1">
-                    <a:lumMod val="95000"/>
-                    <a:lumOff val="5000"/>
-                  </a:schemeClr>
-                </a:solidFill>
-                <a:latin typeface="Arial" panose="020B0604020202020204" pitchFamily="34" charset="0"/>
-                <a:cs typeface="Arial" panose="020B0604020202020204" pitchFamily="34" charset="0"/>
-              </a:rPr>
-              <a:t>.</a:t>
+              <a:t> by choosing to whereabouts in the bar you place your marker.</a:t>
             </a:r>
           </a:p>
           <a:p>
@@ -7601,11 +7592,11 @@
                     <a:p>
                       <a:pPr algn="ctr"/>
                       <a:r>
-                        <a:rPr lang="en-GB" sz="3200" dirty="0" smtClean="0"/>
+                        <a:rPr lang="en-GB" sz="3200" dirty="0"/>
                         <a:t>Left</a:t>
                       </a:r>
                       <a:r>
-                        <a:rPr lang="en-GB" sz="3200" baseline="0" dirty="0" smtClean="0"/>
+                        <a:rPr lang="en-GB" sz="3200" baseline="0" dirty="0"/>
                         <a:t> Arrow: Previous</a:t>
                       </a:r>
                       <a:endParaRPr lang="en-GB" sz="3200" dirty="0"/>
@@ -7620,15 +7611,15 @@
                     <a:p>
                       <a:pPr algn="ctr"/>
                       <a:r>
-                        <a:rPr lang="en-GB" sz="3200" i="1" dirty="0" smtClean="0"/>
+                        <a:rPr lang="en-GB" sz="3200" i="1" dirty="0"/>
                         <a:t>any</a:t>
                       </a:r>
                       <a:r>
-                        <a:rPr lang="en-GB" sz="3200" i="1" baseline="0" dirty="0" smtClean="0"/>
+                        <a:rPr lang="en-GB" sz="3200" i="1" baseline="0" dirty="0"/>
                         <a:t> other key</a:t>
                       </a:r>
                       <a:r>
-                        <a:rPr lang="en-GB" sz="3200" i="0" baseline="0" dirty="0" smtClean="0"/>
+                        <a:rPr lang="en-GB" sz="3200" i="0" baseline="0" dirty="0"/>
                         <a:t>: Next</a:t>
                       </a:r>
                       <a:endParaRPr lang="en-GB" sz="3200" i="1" dirty="0"/>
@@ -7723,7 +7714,7 @@
           <a:p>
             <a:pPr algn="ctr"/>
             <a:r>
-              <a:rPr lang="en-GB" sz="2200" dirty="0" smtClean="0">
+              <a:rPr lang="en-GB" sz="2200" dirty="0">
                 <a:solidFill>
                   <a:schemeClr val="bg1">
                     <a:lumMod val="95000"/>
@@ -7736,7 +7727,7 @@
               <a:t>Placing the marker here indicates you are </a:t>
             </a:r>
             <a:r>
-              <a:rPr lang="en-GB" sz="2200" b="1" dirty="0" smtClean="0">
+              <a:rPr lang="en-GB" sz="2200" b="1" dirty="0">
                 <a:solidFill>
                   <a:schemeClr val="bg1">
                     <a:lumMod val="95000"/>
@@ -7749,7 +7740,7 @@
               <a:t>100% sure </a:t>
             </a:r>
             <a:r>
-              <a:rPr lang="en-GB" sz="2200" dirty="0" smtClean="0">
+              <a:rPr lang="en-GB" sz="2200" dirty="0">
                 <a:solidFill>
                   <a:schemeClr val="bg1">
                     <a:lumMod val="95000"/>
@@ -7762,7 +7753,7 @@
               <a:t>the </a:t>
             </a:r>
             <a:r>
-              <a:rPr lang="en-GB" sz="2200" b="1" dirty="0" smtClean="0">
+              <a:rPr lang="en-GB" sz="2200" b="1" dirty="0">
                 <a:solidFill>
                   <a:schemeClr val="bg1">
                     <a:lumMod val="95000"/>
@@ -7775,7 +7766,7 @@
               <a:t>right box </a:t>
             </a:r>
             <a:r>
-              <a:rPr lang="en-GB" sz="2200" dirty="0" smtClean="0">
+              <a:rPr lang="en-GB" sz="2200" dirty="0">
                 <a:solidFill>
                   <a:schemeClr val="bg1">
                     <a:lumMod val="95000"/>
@@ -7787,16 +7778,6 @@
               </a:rPr>
               <a:t>had more dots.</a:t>
             </a:r>
-            <a:endParaRPr lang="en-GB" sz="2200" dirty="0">
-              <a:solidFill>
-                <a:schemeClr val="bg1">
-                  <a:lumMod val="95000"/>
-                  <a:lumOff val="5000"/>
-                </a:schemeClr>
-              </a:solidFill>
-              <a:latin typeface="Arial" panose="020B0604020202020204" pitchFamily="34" charset="0"/>
-              <a:cs typeface="Arial" panose="020B0604020202020204" pitchFamily="34" charset="0"/>
-            </a:endParaRPr>
           </a:p>
         </p:txBody>
       </p:sp>
@@ -7905,11 +7886,11 @@
                     <a:p>
                       <a:pPr algn="ctr"/>
                       <a:r>
-                        <a:rPr lang="en-GB" sz="3200" dirty="0" smtClean="0"/>
+                        <a:rPr lang="en-GB" sz="3200" dirty="0"/>
                         <a:t>Left</a:t>
                       </a:r>
                       <a:r>
-                        <a:rPr lang="en-GB" sz="3200" baseline="0" dirty="0" smtClean="0"/>
+                        <a:rPr lang="en-GB" sz="3200" baseline="0" dirty="0"/>
                         <a:t> Arrow: Previous</a:t>
                       </a:r>
                       <a:endParaRPr lang="en-GB" sz="3200" dirty="0"/>
@@ -7924,15 +7905,15 @@
                     <a:p>
                       <a:pPr algn="ctr"/>
                       <a:r>
-                        <a:rPr lang="en-GB" sz="3200" i="1" dirty="0" smtClean="0"/>
+                        <a:rPr lang="en-GB" sz="3200" i="1" dirty="0"/>
                         <a:t>any</a:t>
                       </a:r>
                       <a:r>
-                        <a:rPr lang="en-GB" sz="3200" i="1" baseline="0" dirty="0" smtClean="0"/>
+                        <a:rPr lang="en-GB" sz="3200" i="1" baseline="0" dirty="0"/>
                         <a:t> other key</a:t>
                       </a:r>
                       <a:r>
-                        <a:rPr lang="en-GB" sz="3200" i="0" baseline="0" dirty="0" smtClean="0"/>
+                        <a:rPr lang="en-GB" sz="3200" i="0" baseline="0" dirty="0"/>
                         <a:t>: Next</a:t>
                       </a:r>
                       <a:endParaRPr lang="en-GB" sz="3200" i="1" dirty="0"/>
@@ -8078,41 +8059,18 @@
           <a:p>
             <a:pPr algn="ctr"/>
             <a:r>
-              <a:rPr lang="en-GB" sz="2200" dirty="0" smtClean="0">
-                <a:solidFill>
-                  <a:schemeClr val="bg1">
-                    <a:lumMod val="95000"/>
-                    <a:lumOff val="5000"/>
-                  </a:schemeClr>
-                </a:solidFill>
-                <a:latin typeface="Arial" panose="020B0604020202020204" pitchFamily="34" charset="0"/>
-                <a:cs typeface="Arial" panose="020B0604020202020204" pitchFamily="34" charset="0"/>
-              </a:rPr>
-              <a:t>Placing the marker here indicates you are guessing: the two boxes are almost indistinguishable</a:t>
-            </a:r>
-            <a:r>
-              <a:rPr lang="en-GB" sz="2200" dirty="0" smtClean="0">
-                <a:solidFill>
-                  <a:schemeClr val="bg1">
-                    <a:lumMod val="95000"/>
-                    <a:lumOff val="5000"/>
-                  </a:schemeClr>
-                </a:solidFill>
-                <a:latin typeface="Arial" panose="020B0604020202020204" pitchFamily="34" charset="0"/>
-                <a:cs typeface="Arial" panose="020B0604020202020204" pitchFamily="34" charset="0"/>
-              </a:rPr>
-              <a:t>.</a:t>
-            </a:r>
-            <a:endParaRPr lang="en-GB" sz="2200" dirty="0">
-              <a:solidFill>
-                <a:schemeClr val="bg1">
-                  <a:lumMod val="95000"/>
-                  <a:lumOff val="5000"/>
-                </a:schemeClr>
-              </a:solidFill>
-              <a:latin typeface="Arial" panose="020B0604020202020204" pitchFamily="34" charset="0"/>
-              <a:cs typeface="Arial" panose="020B0604020202020204" pitchFamily="34" charset="0"/>
-            </a:endParaRPr>
+              <a:rPr lang="en-GB" sz="2200" dirty="0">
+                <a:solidFill>
+                  <a:schemeClr val="bg1">
+                    <a:lumMod val="95000"/>
+                    <a:lumOff val="5000"/>
+                  </a:schemeClr>
+                </a:solidFill>
+                <a:latin typeface="Arial" panose="020B0604020202020204" pitchFamily="34" charset="0"/>
+                <a:cs typeface="Arial" panose="020B0604020202020204" pitchFamily="34" charset="0"/>
+              </a:rPr>
+              <a:t>Placing the marker here indicates you are guessing: the two boxes are almost indistinguishable.</a:t>
+            </a:r>
           </a:p>
         </p:txBody>
       </p:sp>
@@ -8221,11 +8179,11 @@
                     <a:p>
                       <a:pPr algn="ctr"/>
                       <a:r>
-                        <a:rPr lang="en-GB" sz="3200" dirty="0" smtClean="0"/>
+                        <a:rPr lang="en-GB" sz="3200" dirty="0"/>
                         <a:t>Left</a:t>
                       </a:r>
                       <a:r>
-                        <a:rPr lang="en-GB" sz="3200" baseline="0" dirty="0" smtClean="0"/>
+                        <a:rPr lang="en-GB" sz="3200" baseline="0" dirty="0"/>
                         <a:t> Arrow: Previous</a:t>
                       </a:r>
                       <a:endParaRPr lang="en-GB" sz="3200" dirty="0"/>
@@ -8240,15 +8198,15 @@
                     <a:p>
                       <a:pPr algn="ctr"/>
                       <a:r>
-                        <a:rPr lang="en-GB" sz="3200" i="1" dirty="0" smtClean="0"/>
+                        <a:rPr lang="en-GB" sz="3200" i="1" dirty="0"/>
                         <a:t>any</a:t>
                       </a:r>
                       <a:r>
-                        <a:rPr lang="en-GB" sz="3200" i="1" baseline="0" dirty="0" smtClean="0"/>
+                        <a:rPr lang="en-GB" sz="3200" i="1" baseline="0" dirty="0"/>
                         <a:t> other key</a:t>
                       </a:r>
                       <a:r>
-                        <a:rPr lang="en-GB" sz="3200" i="0" baseline="0" dirty="0" smtClean="0"/>
+                        <a:rPr lang="en-GB" sz="3200" i="0" baseline="0" dirty="0"/>
                         <a:t>: Next</a:t>
                       </a:r>
                       <a:endParaRPr lang="en-GB" sz="3200" i="1" dirty="0"/>
@@ -8438,7 +8396,7 @@
           <a:p>
             <a:pPr algn="ctr"/>
             <a:r>
-              <a:rPr lang="en-GB" sz="3600" dirty="0" smtClean="0">
+              <a:rPr lang="en-GB" sz="3600" dirty="0">
                 <a:solidFill>
                   <a:schemeClr val="accent1">
                     <a:lumMod val="50000"/>
@@ -8449,15 +8407,6 @@
               </a:rPr>
               <a:t>Strategy</a:t>
             </a:r>
-            <a:endParaRPr lang="en-GB" sz="3600" dirty="0">
-              <a:solidFill>
-                <a:schemeClr val="accent1">
-                  <a:lumMod val="50000"/>
-                </a:schemeClr>
-              </a:solidFill>
-              <a:latin typeface="Arial" panose="020B0604020202020204" pitchFamily="34" charset="0"/>
-              <a:cs typeface="Arial" panose="020B0604020202020204" pitchFamily="34" charset="0"/>
-            </a:endParaRPr>
           </a:p>
         </p:txBody>
       </p:sp>
@@ -8509,11 +8458,11 @@
                     <a:p>
                       <a:pPr algn="ctr"/>
                       <a:r>
-                        <a:rPr lang="en-GB" sz="3200" dirty="0" smtClean="0"/>
+                        <a:rPr lang="en-GB" sz="3200" dirty="0"/>
                         <a:t>Left</a:t>
                       </a:r>
                       <a:r>
-                        <a:rPr lang="en-GB" sz="3200" baseline="0" dirty="0" smtClean="0"/>
+                        <a:rPr lang="en-GB" sz="3200" baseline="0" dirty="0"/>
                         <a:t> Arrow: Previous</a:t>
                       </a:r>
                       <a:endParaRPr lang="en-GB" sz="3200" dirty="0"/>
@@ -8528,15 +8477,15 @@
                     <a:p>
                       <a:pPr algn="ctr"/>
                       <a:r>
-                        <a:rPr lang="en-GB" sz="3200" i="1" dirty="0" smtClean="0"/>
+                        <a:rPr lang="en-GB" sz="3200" i="1" dirty="0"/>
                         <a:t>any</a:t>
                       </a:r>
                       <a:r>
-                        <a:rPr lang="en-GB" sz="3200" i="1" baseline="0" dirty="0" smtClean="0"/>
+                        <a:rPr lang="en-GB" sz="3200" i="1" baseline="0" dirty="0"/>
                         <a:t> other key</a:t>
                       </a:r>
                       <a:r>
-                        <a:rPr lang="en-GB" sz="3200" i="0" baseline="0" dirty="0" smtClean="0"/>
+                        <a:rPr lang="en-GB" sz="3200" i="0" baseline="0" dirty="0"/>
                         <a:t>: Next</a:t>
                       </a:r>
                       <a:endParaRPr lang="en-GB" sz="3200" i="1" dirty="0"/>
@@ -8691,48 +8640,12 @@
                 <a:latin typeface="Arial" panose="020B0604020202020204" pitchFamily="34" charset="0"/>
                 <a:cs typeface="Arial" panose="020B0604020202020204" pitchFamily="34" charset="0"/>
               </a:rPr>
-              <a:t>The best strategy </a:t>
-            </a:r>
-            <a:r>
-              <a:rPr lang="en-GB" dirty="0" smtClean="0">
-                <a:solidFill>
-                  <a:schemeClr val="bg1">
-                    <a:lumMod val="95000"/>
-                    <a:lumOff val="5000"/>
-                  </a:schemeClr>
-                </a:solidFill>
-                <a:latin typeface="Arial" panose="020B0604020202020204" pitchFamily="34" charset="0"/>
-                <a:cs typeface="Arial" panose="020B0604020202020204" pitchFamily="34" charset="0"/>
-              </a:rPr>
-              <a:t>is:</a:t>
-            </a:r>
-            <a:endParaRPr lang="en-GB" dirty="0">
-              <a:solidFill>
-                <a:schemeClr val="bg1">
-                  <a:lumMod val="95000"/>
-                  <a:lumOff val="5000"/>
-                </a:schemeClr>
-              </a:solidFill>
-              <a:latin typeface="Arial" panose="020B0604020202020204" pitchFamily="34" charset="0"/>
-              <a:cs typeface="Arial" panose="020B0604020202020204" pitchFamily="34" charset="0"/>
-            </a:endParaRPr>
+              <a:t>The best strategy is:</a:t>
+            </a:r>
           </a:p>
           <a:p>
             <a:pPr algn="ctr"/>
             <a:r>
-              <a:rPr lang="en-GB" dirty="0" smtClean="0">
-                <a:solidFill>
-                  <a:schemeClr val="bg1">
-                    <a:lumMod val="95000"/>
-                    <a:lumOff val="5000"/>
-                  </a:schemeClr>
-                </a:solidFill>
-                <a:latin typeface="Arial" panose="020B0604020202020204" pitchFamily="34" charset="0"/>
-                <a:cs typeface="Arial" panose="020B0604020202020204" pitchFamily="34" charset="0"/>
-              </a:rPr>
-              <a:t>go </a:t>
-            </a:r>
-            <a:r>
               <a:rPr lang="en-GB" dirty="0">
                 <a:solidFill>
                   <a:schemeClr val="bg1">
@@ -8743,7 +8656,7 @@
                 <a:latin typeface="Arial" panose="020B0604020202020204" pitchFamily="34" charset="0"/>
                 <a:cs typeface="Arial" panose="020B0604020202020204" pitchFamily="34" charset="0"/>
               </a:rPr>
-              <a:t>toward the </a:t>
+              <a:t>go toward the </a:t>
             </a:r>
             <a:r>
               <a:rPr lang="en-GB" b="1" dirty="0">
@@ -8827,19 +8740,6 @@
           <a:p>
             <a:pPr algn="ctr"/>
             <a:r>
-              <a:rPr lang="en-GB" dirty="0" smtClean="0">
-                <a:solidFill>
-                  <a:schemeClr val="bg1">
-                    <a:lumMod val="95000"/>
-                    <a:lumOff val="5000"/>
-                  </a:schemeClr>
-                </a:solidFill>
-                <a:latin typeface="Arial" panose="020B0604020202020204" pitchFamily="34" charset="0"/>
-                <a:cs typeface="Arial" panose="020B0604020202020204" pitchFamily="34" charset="0"/>
-              </a:rPr>
-              <a:t>go </a:t>
-            </a:r>
-            <a:r>
               <a:rPr lang="en-GB" dirty="0">
                 <a:solidFill>
                   <a:schemeClr val="bg1">
@@ -8850,7 +8750,7 @@
                 <a:latin typeface="Arial" panose="020B0604020202020204" pitchFamily="34" charset="0"/>
                 <a:cs typeface="Arial" panose="020B0604020202020204" pitchFamily="34" charset="0"/>
               </a:rPr>
-              <a:t>toward the </a:t>
+              <a:t>go toward the </a:t>
             </a:r>
             <a:r>
               <a:rPr lang="en-GB" b="1" dirty="0">
@@ -8960,7 +8860,7 @@
               <a:t>The best way to do this task is thus to </a:t>
             </a:r>
             <a:r>
-              <a:rPr lang="en-GB" b="1" dirty="0" smtClean="0">
+              <a:rPr lang="en-GB" b="1" dirty="0">
                 <a:solidFill>
                   <a:schemeClr val="bg1">
                     <a:lumMod val="95000"/>
@@ -8973,7 +8873,7 @@
               <a:t>honestly</a:t>
             </a:r>
             <a:r>
-              <a:rPr lang="en-GB" i="1" dirty="0" smtClean="0">
+              <a:rPr lang="en-GB" i="1" dirty="0">
                 <a:solidFill>
                   <a:schemeClr val="bg1">
                     <a:lumMod val="95000"/>
@@ -8996,33 +8896,7 @@
                 <a:latin typeface="Arial" panose="020B0604020202020204" pitchFamily="34" charset="0"/>
                 <a:cs typeface="Arial" panose="020B0604020202020204" pitchFamily="34" charset="0"/>
               </a:rPr>
-              <a:t>report </a:t>
-            </a:r>
-            <a:r>
-              <a:rPr lang="en-GB" dirty="0" smtClean="0">
-                <a:solidFill>
-                  <a:schemeClr val="bg1">
-                    <a:lumMod val="95000"/>
-                    <a:lumOff val="5000"/>
-                  </a:schemeClr>
-                </a:solidFill>
-                <a:latin typeface="Arial" panose="020B0604020202020204" pitchFamily="34" charset="0"/>
-                <a:cs typeface="Arial" panose="020B0604020202020204" pitchFamily="34" charset="0"/>
-              </a:rPr>
-              <a:t>how sure you are you chose correctly using </a:t>
-            </a:r>
-            <a:r>
-              <a:rPr lang="en-GB" dirty="0">
-                <a:solidFill>
-                  <a:schemeClr val="bg1">
-                    <a:lumMod val="95000"/>
-                    <a:lumOff val="5000"/>
-                  </a:schemeClr>
-                </a:solidFill>
-                <a:latin typeface="Arial" panose="020B0604020202020204" pitchFamily="34" charset="0"/>
-                <a:cs typeface="Arial" panose="020B0604020202020204" pitchFamily="34" charset="0"/>
-              </a:rPr>
-              <a:t>the confidence scale.</a:t>
+              <a:t>report how sure you are you chose correctly using the confidence scale.</a:t>
             </a:r>
           </a:p>
         </p:txBody>
@@ -9240,7 +9114,7 @@
               <a:t> and </a:t>
             </a:r>
             <a:r>
-              <a:rPr lang="en-US" sz="2200" b="1" dirty="0" smtClean="0">
+              <a:rPr lang="en-US" sz="2200" b="1" dirty="0">
                 <a:solidFill>
                   <a:schemeClr val="bg1">
                     <a:lumMod val="95000"/>
@@ -9253,19 +9127,6 @@
               <a:t>honest</a:t>
             </a:r>
             <a:r>
-              <a:rPr lang="en-US" sz="2200" dirty="0" smtClean="0">
-                <a:solidFill>
-                  <a:schemeClr val="bg1">
-                    <a:lumMod val="95000"/>
-                    <a:lumOff val="5000"/>
-                  </a:schemeClr>
-                </a:solidFill>
-                <a:latin typeface="Arial" panose="020B0604020202020204" pitchFamily="34" charset="0"/>
-                <a:cs typeface="Arial" panose="020B0604020202020204" pitchFamily="34" charset="0"/>
-              </a:rPr>
-              <a:t> </a:t>
-            </a:r>
-            <a:r>
               <a:rPr lang="en-US" sz="2200" dirty="0">
                 <a:solidFill>
                   <a:schemeClr val="bg1">
@@ -9276,7 +9137,7 @@
                 <a:latin typeface="Arial" panose="020B0604020202020204" pitchFamily="34" charset="0"/>
                 <a:cs typeface="Arial" panose="020B0604020202020204" pitchFamily="34" charset="0"/>
               </a:rPr>
-              <a:t>as you can!</a:t>
+              <a:t> as you can!</a:t>
             </a:r>
             <a:endParaRPr lang="en-GB" sz="2200" dirty="0">
               <a:solidFill>
@@ -9593,11 +9454,11 @@
                     <a:p>
                       <a:pPr algn="ctr"/>
                       <a:r>
-                        <a:rPr lang="en-GB" sz="3200" dirty="0" smtClean="0"/>
+                        <a:rPr lang="en-GB" sz="3200" dirty="0"/>
                         <a:t>Left</a:t>
                       </a:r>
                       <a:r>
-                        <a:rPr lang="en-GB" sz="3200" baseline="0" dirty="0" smtClean="0"/>
+                        <a:rPr lang="en-GB" sz="3200" baseline="0" dirty="0"/>
                         <a:t> Arrow: Previous</a:t>
                       </a:r>
                       <a:endParaRPr lang="en-GB" sz="3200" dirty="0"/>
@@ -9612,15 +9473,15 @@
                     <a:p>
                       <a:pPr algn="ctr"/>
                       <a:r>
-                        <a:rPr lang="en-GB" sz="3200" i="1" dirty="0" smtClean="0"/>
+                        <a:rPr lang="en-GB" sz="3200" i="1" dirty="0"/>
                         <a:t>any</a:t>
                       </a:r>
                       <a:r>
-                        <a:rPr lang="en-GB" sz="3200" i="1" baseline="0" dirty="0" smtClean="0"/>
+                        <a:rPr lang="en-GB" sz="3200" i="1" baseline="0" dirty="0"/>
                         <a:t> other key</a:t>
                       </a:r>
                       <a:r>
-                        <a:rPr lang="en-GB" sz="3200" i="0" baseline="0" dirty="0" smtClean="0"/>
+                        <a:rPr lang="en-GB" sz="3200" i="0" baseline="0" dirty="0"/>
                         <a:t>: Start Practice</a:t>
                       </a:r>
                       <a:endParaRPr lang="en-GB" sz="3200" i="1" dirty="0"/>
@@ -9893,15 +9754,15 @@
                     <a:p>
                       <a:pPr algn="ctr"/>
                       <a:r>
-                        <a:rPr lang="en-GB" sz="3200" i="1" dirty="0" smtClean="0"/>
+                        <a:rPr lang="en-GB" sz="3200" i="1" dirty="0"/>
                         <a:t>any</a:t>
                       </a:r>
                       <a:r>
-                        <a:rPr lang="en-GB" sz="3200" i="1" baseline="0" dirty="0" smtClean="0"/>
+                        <a:rPr lang="en-GB" sz="3200" i="1" baseline="0" dirty="0"/>
                         <a:t> key</a:t>
                       </a:r>
                       <a:r>
-                        <a:rPr lang="en-GB" sz="3200" i="0" baseline="0" dirty="0" smtClean="0"/>
+                        <a:rPr lang="en-GB" sz="3200" i="0" baseline="0" dirty="0"/>
                         <a:t>: Next</a:t>
                       </a:r>
                       <a:endParaRPr lang="en-GB" sz="3200" i="1" dirty="0"/>
